--- a/Engineers-Notebook.pptx
+++ b/Engineers-Notebook.pptx
@@ -4,8 +4,12 @@
   <p:sldMasterIdLst>
     <p:sldMasterId id="2147483648" r:id="rId1"/>
   </p:sldMasterIdLst>
+  <p:notesMasterIdLst>
+    <p:notesMasterId r:id="rId4"/>
+  </p:notesMasterIdLst>
   <p:sldIdLst>
     <p:sldId id="256" r:id="rId2"/>
+    <p:sldId id="257" r:id="rId3"/>
   </p:sldIdLst>
   <p:sldSz cx="12192000" cy="6858000"/>
   <p:notesSz cx="6858000" cy="9144000"/>
@@ -104,7 +108,362 @@
       </a:defRPr>
     </a:lvl9pPr>
   </p:defaultTextStyle>
+  <p:extLst>
+    <p:ext uri="{EFAFB233-063F-42B5-8137-9DF3F51BA10A}">
+      <p15:sldGuideLst xmlns:p15="http://schemas.microsoft.com/office/powerpoint/2012/main"/>
+    </p:ext>
+  </p:extLst>
 </p:presentation>
+</file>
+
+<file path=ppt/notesMasters/notesMaster1.xml><?xml version="1.0" encoding="utf-8"?>
+<p:notesMaster xmlns:a="http://schemas.openxmlformats.org/drawingml/2006/main" xmlns:r="http://schemas.openxmlformats.org/officeDocument/2006/relationships" xmlns:p="http://schemas.openxmlformats.org/presentationml/2006/main">
+  <p:cSld>
+    <p:bg>
+      <p:bgRef idx="1001">
+        <a:schemeClr val="bg1"/>
+      </p:bgRef>
+    </p:bg>
+    <p:spTree>
+      <p:nvGrpSpPr>
+        <p:cNvPr id="1" name=""/>
+        <p:cNvGrpSpPr/>
+        <p:nvPr/>
+      </p:nvGrpSpPr>
+      <p:grpSpPr>
+        <a:xfrm>
+          <a:off x="0" y="0"/>
+          <a:ext cx="0" cy="0"/>
+          <a:chOff x="0" y="0"/>
+          <a:chExt cx="0" cy="0"/>
+        </a:xfrm>
+      </p:grpSpPr>
+      <p:sp>
+        <p:nvSpPr>
+          <p:cNvPr id="2" name="Header Placeholder 1"/>
+          <p:cNvSpPr>
+            <a:spLocks noGrp="1"/>
+          </p:cNvSpPr>
+          <p:nvPr>
+            <p:ph type="hdr" sz="quarter"/>
+          </p:nvPr>
+        </p:nvSpPr>
+        <p:spPr>
+          <a:xfrm>
+            <a:off x="0" y="0"/>
+            <a:ext cx="2971800" cy="458788"/>
+          </a:xfrm>
+          <a:prstGeom prst="rect">
+            <a:avLst/>
+          </a:prstGeom>
+        </p:spPr>
+        <p:txBody>
+          <a:bodyPr vert="horz" lIns="91440" tIns="45720" rIns="91440" bIns="45720" rtlCol="0"/>
+          <a:lstStyle>
+            <a:lvl1pPr algn="l">
+              <a:defRPr sz="1200"/>
+            </a:lvl1pPr>
+          </a:lstStyle>
+          <a:p>
+            <a:endParaRPr lang="en-US"/>
+          </a:p>
+        </p:txBody>
+      </p:sp>
+      <p:sp>
+        <p:nvSpPr>
+          <p:cNvPr id="3" name="Date Placeholder 2"/>
+          <p:cNvSpPr>
+            <a:spLocks noGrp="1"/>
+          </p:cNvSpPr>
+          <p:nvPr>
+            <p:ph type="dt" idx="1"/>
+          </p:nvPr>
+        </p:nvSpPr>
+        <p:spPr>
+          <a:xfrm>
+            <a:off x="3884613" y="0"/>
+            <a:ext cx="2971800" cy="458788"/>
+          </a:xfrm>
+          <a:prstGeom prst="rect">
+            <a:avLst/>
+          </a:prstGeom>
+        </p:spPr>
+        <p:txBody>
+          <a:bodyPr vert="horz" lIns="91440" tIns="45720" rIns="91440" bIns="45720" rtlCol="0"/>
+          <a:lstStyle>
+            <a:lvl1pPr algn="r">
+              <a:defRPr sz="1200"/>
+            </a:lvl1pPr>
+          </a:lstStyle>
+          <a:p>
+            <a:fld id="{71E079AF-8CBA-1E41-96D8-6D5848FAA667}" type="datetimeFigureOut">
+              <a:rPr lang="en-US" smtClean="0"/>
+              <a:t>2/25/18</a:t>
+            </a:fld>
+            <a:endParaRPr lang="en-US"/>
+          </a:p>
+        </p:txBody>
+      </p:sp>
+      <p:sp>
+        <p:nvSpPr>
+          <p:cNvPr id="4" name="Slide Image Placeholder 3"/>
+          <p:cNvSpPr>
+            <a:spLocks noGrp="1" noRot="1" noChangeAspect="1"/>
+          </p:cNvSpPr>
+          <p:nvPr>
+            <p:ph type="sldImg" idx="2"/>
+          </p:nvPr>
+        </p:nvSpPr>
+        <p:spPr>
+          <a:xfrm>
+            <a:off x="685800" y="1143000"/>
+            <a:ext cx="5486400" cy="3086100"/>
+          </a:xfrm>
+          <a:prstGeom prst="rect">
+            <a:avLst/>
+          </a:prstGeom>
+          <a:noFill/>
+          <a:ln w="12700">
+            <a:solidFill>
+              <a:prstClr val="black"/>
+            </a:solidFill>
+          </a:ln>
+        </p:spPr>
+        <p:txBody>
+          <a:bodyPr vert="horz" lIns="91440" tIns="45720" rIns="91440" bIns="45720" rtlCol="0" anchor="ctr"/>
+          <a:lstStyle/>
+          <a:p>
+            <a:endParaRPr lang="en-US"/>
+          </a:p>
+        </p:txBody>
+      </p:sp>
+      <p:sp>
+        <p:nvSpPr>
+          <p:cNvPr id="5" name="Notes Placeholder 4"/>
+          <p:cNvSpPr>
+            <a:spLocks noGrp="1"/>
+          </p:cNvSpPr>
+          <p:nvPr>
+            <p:ph type="body" sz="quarter" idx="3"/>
+          </p:nvPr>
+        </p:nvSpPr>
+        <p:spPr>
+          <a:xfrm>
+            <a:off x="685800" y="4400550"/>
+            <a:ext cx="5486400" cy="3600450"/>
+          </a:xfrm>
+          <a:prstGeom prst="rect">
+            <a:avLst/>
+          </a:prstGeom>
+        </p:spPr>
+        <p:txBody>
+          <a:bodyPr vert="horz" lIns="91440" tIns="45720" rIns="91440" bIns="45720" rtlCol="0"/>
+          <a:lstStyle/>
+          <a:p>
+            <a:pPr lvl="0"/>
+            <a:r>
+              <a:rPr lang="en-US" smtClean="0"/>
+              <a:t>Click to edit Master text styles</a:t>
+            </a:r>
+          </a:p>
+          <a:p>
+            <a:pPr lvl="1"/>
+            <a:r>
+              <a:rPr lang="en-US" smtClean="0"/>
+              <a:t>Second level</a:t>
+            </a:r>
+          </a:p>
+          <a:p>
+            <a:pPr lvl="2"/>
+            <a:r>
+              <a:rPr lang="en-US" smtClean="0"/>
+              <a:t>Third level</a:t>
+            </a:r>
+          </a:p>
+          <a:p>
+            <a:pPr lvl="3"/>
+            <a:r>
+              <a:rPr lang="en-US" smtClean="0"/>
+              <a:t>Fourth level</a:t>
+            </a:r>
+          </a:p>
+          <a:p>
+            <a:pPr lvl="4"/>
+            <a:r>
+              <a:rPr lang="en-US" smtClean="0"/>
+              <a:t>Fifth level</a:t>
+            </a:r>
+            <a:endParaRPr lang="en-US"/>
+          </a:p>
+        </p:txBody>
+      </p:sp>
+      <p:sp>
+        <p:nvSpPr>
+          <p:cNvPr id="6" name="Footer Placeholder 5"/>
+          <p:cNvSpPr>
+            <a:spLocks noGrp="1"/>
+          </p:cNvSpPr>
+          <p:nvPr>
+            <p:ph type="ftr" sz="quarter" idx="4"/>
+          </p:nvPr>
+        </p:nvSpPr>
+        <p:spPr>
+          <a:xfrm>
+            <a:off x="0" y="8685213"/>
+            <a:ext cx="2971800" cy="458787"/>
+          </a:xfrm>
+          <a:prstGeom prst="rect">
+            <a:avLst/>
+          </a:prstGeom>
+        </p:spPr>
+        <p:txBody>
+          <a:bodyPr vert="horz" lIns="91440" tIns="45720" rIns="91440" bIns="45720" rtlCol="0" anchor="b"/>
+          <a:lstStyle>
+            <a:lvl1pPr algn="l">
+              <a:defRPr sz="1200"/>
+            </a:lvl1pPr>
+          </a:lstStyle>
+          <a:p>
+            <a:endParaRPr lang="en-US"/>
+          </a:p>
+        </p:txBody>
+      </p:sp>
+      <p:sp>
+        <p:nvSpPr>
+          <p:cNvPr id="7" name="Slide Number Placeholder 6"/>
+          <p:cNvSpPr>
+            <a:spLocks noGrp="1"/>
+          </p:cNvSpPr>
+          <p:nvPr>
+            <p:ph type="sldNum" sz="quarter" idx="5"/>
+          </p:nvPr>
+        </p:nvSpPr>
+        <p:spPr>
+          <a:xfrm>
+            <a:off x="3884613" y="8685213"/>
+            <a:ext cx="2971800" cy="458787"/>
+          </a:xfrm>
+          <a:prstGeom prst="rect">
+            <a:avLst/>
+          </a:prstGeom>
+        </p:spPr>
+        <p:txBody>
+          <a:bodyPr vert="horz" lIns="91440" tIns="45720" rIns="91440" bIns="45720" rtlCol="0" anchor="b"/>
+          <a:lstStyle>
+            <a:lvl1pPr algn="r">
+              <a:defRPr sz="1200"/>
+            </a:lvl1pPr>
+          </a:lstStyle>
+          <a:p>
+            <a:fld id="{29FE4F7E-18DA-5B47-9F0E-C14FF9C1A93F}" type="slidenum">
+              <a:rPr lang="en-US" smtClean="0"/>
+              <a:t>‹#›</a:t>
+            </a:fld>
+            <a:endParaRPr lang="en-US"/>
+          </a:p>
+        </p:txBody>
+      </p:sp>
+    </p:spTree>
+    <p:extLst>
+      <p:ext uri="{BB962C8B-B14F-4D97-AF65-F5344CB8AC3E}">
+        <p14:creationId xmlns:p14="http://schemas.microsoft.com/office/powerpoint/2010/main" val="359098803"/>
+      </p:ext>
+    </p:extLst>
+  </p:cSld>
+  <p:clrMap bg1="lt1" tx1="dk1" bg2="lt2" tx2="dk2" accent1="accent1" accent2="accent2" accent3="accent3" accent4="accent4" accent5="accent5" accent6="accent6" hlink="hlink" folHlink="folHlink"/>
+  <p:notesStyle>
+    <a:lvl1pPr marL="0" algn="l" defTabSz="914400" rtl="0" eaLnBrk="1" latinLnBrk="0" hangingPunct="1">
+      <a:defRPr sz="1200" kern="1200">
+        <a:solidFill>
+          <a:schemeClr val="tx1"/>
+        </a:solidFill>
+        <a:latin typeface="+mn-lt"/>
+        <a:ea typeface="+mn-ea"/>
+        <a:cs typeface="+mn-cs"/>
+      </a:defRPr>
+    </a:lvl1pPr>
+    <a:lvl2pPr marL="457200" algn="l" defTabSz="914400" rtl="0" eaLnBrk="1" latinLnBrk="0" hangingPunct="1">
+      <a:defRPr sz="1200" kern="1200">
+        <a:solidFill>
+          <a:schemeClr val="tx1"/>
+        </a:solidFill>
+        <a:latin typeface="+mn-lt"/>
+        <a:ea typeface="+mn-ea"/>
+        <a:cs typeface="+mn-cs"/>
+      </a:defRPr>
+    </a:lvl2pPr>
+    <a:lvl3pPr marL="914400" algn="l" defTabSz="914400" rtl="0" eaLnBrk="1" latinLnBrk="0" hangingPunct="1">
+      <a:defRPr sz="1200" kern="1200">
+        <a:solidFill>
+          <a:schemeClr val="tx1"/>
+        </a:solidFill>
+        <a:latin typeface="+mn-lt"/>
+        <a:ea typeface="+mn-ea"/>
+        <a:cs typeface="+mn-cs"/>
+      </a:defRPr>
+    </a:lvl3pPr>
+    <a:lvl4pPr marL="1371600" algn="l" defTabSz="914400" rtl="0" eaLnBrk="1" latinLnBrk="0" hangingPunct="1">
+      <a:defRPr sz="1200" kern="1200">
+        <a:solidFill>
+          <a:schemeClr val="tx1"/>
+        </a:solidFill>
+        <a:latin typeface="+mn-lt"/>
+        <a:ea typeface="+mn-ea"/>
+        <a:cs typeface="+mn-cs"/>
+      </a:defRPr>
+    </a:lvl4pPr>
+    <a:lvl5pPr marL="1828800" algn="l" defTabSz="914400" rtl="0" eaLnBrk="1" latinLnBrk="0" hangingPunct="1">
+      <a:defRPr sz="1200" kern="1200">
+        <a:solidFill>
+          <a:schemeClr val="tx1"/>
+        </a:solidFill>
+        <a:latin typeface="+mn-lt"/>
+        <a:ea typeface="+mn-ea"/>
+        <a:cs typeface="+mn-cs"/>
+      </a:defRPr>
+    </a:lvl5pPr>
+    <a:lvl6pPr marL="2286000" algn="l" defTabSz="914400" rtl="0" eaLnBrk="1" latinLnBrk="0" hangingPunct="1">
+      <a:defRPr sz="1200" kern="1200">
+        <a:solidFill>
+          <a:schemeClr val="tx1"/>
+        </a:solidFill>
+        <a:latin typeface="+mn-lt"/>
+        <a:ea typeface="+mn-ea"/>
+        <a:cs typeface="+mn-cs"/>
+      </a:defRPr>
+    </a:lvl6pPr>
+    <a:lvl7pPr marL="2743200" algn="l" defTabSz="914400" rtl="0" eaLnBrk="1" latinLnBrk="0" hangingPunct="1">
+      <a:defRPr sz="1200" kern="1200">
+        <a:solidFill>
+          <a:schemeClr val="tx1"/>
+        </a:solidFill>
+        <a:latin typeface="+mn-lt"/>
+        <a:ea typeface="+mn-ea"/>
+        <a:cs typeface="+mn-cs"/>
+      </a:defRPr>
+    </a:lvl7pPr>
+    <a:lvl8pPr marL="3200400" algn="l" defTabSz="914400" rtl="0" eaLnBrk="1" latinLnBrk="0" hangingPunct="1">
+      <a:defRPr sz="1200" kern="1200">
+        <a:solidFill>
+          <a:schemeClr val="tx1"/>
+        </a:solidFill>
+        <a:latin typeface="+mn-lt"/>
+        <a:ea typeface="+mn-ea"/>
+        <a:cs typeface="+mn-cs"/>
+      </a:defRPr>
+    </a:lvl8pPr>
+    <a:lvl9pPr marL="3657600" algn="l" defTabSz="914400" rtl="0" eaLnBrk="1" latinLnBrk="0" hangingPunct="1">
+      <a:defRPr sz="1200" kern="1200">
+        <a:solidFill>
+          <a:schemeClr val="tx1"/>
+        </a:solidFill>
+        <a:latin typeface="+mn-lt"/>
+        <a:ea typeface="+mn-ea"/>
+        <a:cs typeface="+mn-cs"/>
+      </a:defRPr>
+    </a:lvl9pPr>
+  </p:notesStyle>
+</p:notesMaster>
 </file>
 
 <file path=ppt/slideLayouts/slideLayout1.xml><?xml version="1.0" encoding="utf-8"?>
@@ -238,7 +597,7 @@
           <a:p>
             <a:fld id="{9B05C47E-6838-F143-82AC-7B5A132A82F9}" type="datetimeFigureOut">
               <a:rPr lang="en-US" smtClean="0"/>
-              <a:t>2/24/18</a:t>
+              <a:t>2/25/18</a:t>
             </a:fld>
             <a:endParaRPr lang="en-US"/>
           </a:p>
@@ -408,7 +767,7 @@
           <a:p>
             <a:fld id="{9B05C47E-6838-F143-82AC-7B5A132A82F9}" type="datetimeFigureOut">
               <a:rPr lang="en-US" smtClean="0"/>
-              <a:t>2/24/18</a:t>
+              <a:t>2/25/18</a:t>
             </a:fld>
             <a:endParaRPr lang="en-US"/>
           </a:p>
@@ -588,7 +947,7 @@
           <a:p>
             <a:fld id="{9B05C47E-6838-F143-82AC-7B5A132A82F9}" type="datetimeFigureOut">
               <a:rPr lang="en-US" smtClean="0"/>
-              <a:t>2/24/18</a:t>
+              <a:t>2/25/18</a:t>
             </a:fld>
             <a:endParaRPr lang="en-US"/>
           </a:p>
@@ -758,7 +1117,7 @@
           <a:p>
             <a:fld id="{9B05C47E-6838-F143-82AC-7B5A132A82F9}" type="datetimeFigureOut">
               <a:rPr lang="en-US" smtClean="0"/>
-              <a:t>2/24/18</a:t>
+              <a:t>2/25/18</a:t>
             </a:fld>
             <a:endParaRPr lang="en-US"/>
           </a:p>
@@ -1004,7 +1363,7 @@
           <a:p>
             <a:fld id="{9B05C47E-6838-F143-82AC-7B5A132A82F9}" type="datetimeFigureOut">
               <a:rPr lang="en-US" smtClean="0"/>
-              <a:t>2/24/18</a:t>
+              <a:t>2/25/18</a:t>
             </a:fld>
             <a:endParaRPr lang="en-US"/>
           </a:p>
@@ -1236,7 +1595,7 @@
           <a:p>
             <a:fld id="{9B05C47E-6838-F143-82AC-7B5A132A82F9}" type="datetimeFigureOut">
               <a:rPr lang="en-US" smtClean="0"/>
-              <a:t>2/24/18</a:t>
+              <a:t>2/25/18</a:t>
             </a:fld>
             <a:endParaRPr lang="en-US"/>
           </a:p>
@@ -1603,7 +1962,7 @@
           <a:p>
             <a:fld id="{9B05C47E-6838-F143-82AC-7B5A132A82F9}" type="datetimeFigureOut">
               <a:rPr lang="en-US" smtClean="0"/>
-              <a:t>2/24/18</a:t>
+              <a:t>2/25/18</a:t>
             </a:fld>
             <a:endParaRPr lang="en-US"/>
           </a:p>
@@ -1721,7 +2080,7 @@
           <a:p>
             <a:fld id="{9B05C47E-6838-F143-82AC-7B5A132A82F9}" type="datetimeFigureOut">
               <a:rPr lang="en-US" smtClean="0"/>
-              <a:t>2/24/18</a:t>
+              <a:t>2/25/18</a:t>
             </a:fld>
             <a:endParaRPr lang="en-US"/>
           </a:p>
@@ -1816,7 +2175,7 @@
           <a:p>
             <a:fld id="{9B05C47E-6838-F143-82AC-7B5A132A82F9}" type="datetimeFigureOut">
               <a:rPr lang="en-US" smtClean="0"/>
-              <a:t>2/24/18</a:t>
+              <a:t>2/25/18</a:t>
             </a:fld>
             <a:endParaRPr lang="en-US"/>
           </a:p>
@@ -2093,7 +2452,7 @@
           <a:p>
             <a:fld id="{9B05C47E-6838-F143-82AC-7B5A132A82F9}" type="datetimeFigureOut">
               <a:rPr lang="en-US" smtClean="0"/>
-              <a:t>2/24/18</a:t>
+              <a:t>2/25/18</a:t>
             </a:fld>
             <a:endParaRPr lang="en-US"/>
           </a:p>
@@ -2346,7 +2705,7 @@
           <a:p>
             <a:fld id="{9B05C47E-6838-F143-82AC-7B5A132A82F9}" type="datetimeFigureOut">
               <a:rPr lang="en-US" smtClean="0"/>
-              <a:t>2/24/18</a:t>
+              <a:t>2/25/18</a:t>
             </a:fld>
             <a:endParaRPr lang="en-US"/>
           </a:p>
@@ -2559,7 +2918,7 @@
           <a:p>
             <a:fld id="{9B05C47E-6838-F143-82AC-7B5A132A82F9}" type="datetimeFigureOut">
               <a:rPr lang="en-US" smtClean="0"/>
-              <a:t>2/24/18</a:t>
+              <a:t>2/25/18</a:t>
             </a:fld>
             <a:endParaRPr lang="en-US"/>
           </a:p>
@@ -2972,8 +3331,8 @@
         </p:nvSpPr>
         <p:spPr>
           <a:xfrm>
-            <a:off x="2502569" y="242455"/>
-            <a:ext cx="1447832" cy="369332"/>
+            <a:off x="3828806" y="193656"/>
+            <a:ext cx="1559145" cy="369332"/>
           </a:xfrm>
           <a:prstGeom prst="rect">
             <a:avLst/>
@@ -2989,7 +3348,11 @@
             <a:pPr algn="ctr"/>
             <a:r>
               <a:rPr lang="en-US" u="sng" dirty="0" smtClean="0"/>
-              <a:t>BLE Publisher</a:t>
+              <a:t>BLE </a:t>
+            </a:r>
+            <a:r>
+              <a:rPr lang="en-US" u="sng" dirty="0" smtClean="0"/>
+              <a:t>Subscriber</a:t>
             </a:r>
             <a:endParaRPr lang="en-US" u="sng" dirty="0"/>
           </a:p>
@@ -3003,7 +3366,7 @@
         </p:nvSpPr>
         <p:spPr>
           <a:xfrm>
-            <a:off x="9355956" y="242455"/>
+            <a:off x="10113955" y="193656"/>
             <a:ext cx="1036053" cy="369332"/>
           </a:xfrm>
           <a:prstGeom prst="rect">
@@ -3034,8 +3397,8 @@
         </p:nvSpPr>
         <p:spPr>
           <a:xfrm>
-            <a:off x="856248" y="581658"/>
-            <a:ext cx="1059906" cy="369332"/>
+            <a:off x="1994858" y="592258"/>
+            <a:ext cx="1658275" cy="369332"/>
           </a:xfrm>
           <a:prstGeom prst="rect">
             <a:avLst/>
@@ -3050,23 +3413,23 @@
           <a:p>
             <a:pPr algn="ctr"/>
             <a:r>
-              <a:rPr lang="en-US" smtClean="0"/>
-              <a:t>Publisher</a:t>
-            </a:r>
-            <a:endParaRPr lang="en-US" dirty="0"/>
-          </a:p>
-        </p:txBody>
-      </p:sp>
-      <p:sp>
-        <p:nvSpPr>
-          <p:cNvPr id="7" name="TextBox 6"/>
+              <a:rPr lang="en-US" u="sng" dirty="0" smtClean="0"/>
+              <a:t>AWS Subscriber</a:t>
+            </a:r>
+            <a:endParaRPr lang="en-US" u="sng" dirty="0"/>
+          </a:p>
+        </p:txBody>
+      </p:sp>
+      <p:sp>
+        <p:nvSpPr>
+          <p:cNvPr id="15" name="TextBox 14"/>
           <p:cNvSpPr txBox="1"/>
           <p:nvPr/>
         </p:nvSpPr>
         <p:spPr>
           <a:xfrm>
-            <a:off x="160421" y="865634"/>
-            <a:ext cx="795602" cy="369332"/>
+            <a:off x="5876800" y="592258"/>
+            <a:ext cx="519694" cy="369332"/>
           </a:xfrm>
           <a:prstGeom prst="rect">
             <a:avLst/>
@@ -3081,23 +3444,23 @@
           <a:p>
             <a:pPr algn="ctr"/>
             <a:r>
-              <a:rPr lang="en-US" smtClean="0"/>
-              <a:t>Events</a:t>
-            </a:r>
-            <a:endParaRPr lang="en-US" dirty="0"/>
-          </a:p>
-        </p:txBody>
-      </p:sp>
-      <p:sp>
-        <p:nvSpPr>
-          <p:cNvPr id="8" name="TextBox 7"/>
+              <a:rPr lang="en-US" u="sng" smtClean="0"/>
+              <a:t>BLE</a:t>
+            </a:r>
+            <a:endParaRPr lang="en-US" u="sng" dirty="0"/>
+          </a:p>
+        </p:txBody>
+      </p:sp>
+      <p:sp>
+        <p:nvSpPr>
+          <p:cNvPr id="16" name="TextBox 15"/>
           <p:cNvSpPr txBox="1"/>
           <p:nvPr/>
         </p:nvSpPr>
         <p:spPr>
           <a:xfrm>
-            <a:off x="1584722" y="865634"/>
-            <a:ext cx="1095172" cy="369332"/>
+            <a:off x="7835607" y="269092"/>
+            <a:ext cx="1104790" cy="646331"/>
           </a:xfrm>
           <a:prstGeom prst="rect">
             <a:avLst/>
@@ -3112,194 +3475,15 @@
           <a:p>
             <a:pPr algn="ctr"/>
             <a:r>
-              <a:rPr lang="en-US" dirty="0" smtClean="0"/>
-              <a:t>Functions</a:t>
-            </a:r>
-            <a:endParaRPr lang="en-US" dirty="0"/>
-          </a:p>
-        </p:txBody>
-      </p:sp>
-      <p:sp>
-        <p:nvSpPr>
-          <p:cNvPr id="9" name="TextBox 8"/>
-          <p:cNvSpPr txBox="1"/>
-          <p:nvPr/>
-        </p:nvSpPr>
-        <p:spPr>
-          <a:xfrm>
-            <a:off x="5554225" y="865634"/>
-            <a:ext cx="795602" cy="369332"/>
-          </a:xfrm>
-          <a:prstGeom prst="rect">
-            <a:avLst/>
-          </a:prstGeom>
-          <a:noFill/>
-        </p:spPr>
-        <p:txBody>
-          <a:bodyPr wrap="none" rtlCol="0">
-            <a:spAutoFit/>
-          </a:bodyPr>
-          <a:lstStyle/>
-          <a:p>
-            <a:pPr algn="ctr"/>
-            <a:r>
-              <a:rPr lang="en-US" smtClean="0"/>
-              <a:t>Events</a:t>
-            </a:r>
-            <a:endParaRPr lang="en-US" dirty="0"/>
-          </a:p>
-        </p:txBody>
-      </p:sp>
-      <p:sp>
-        <p:nvSpPr>
-          <p:cNvPr id="10" name="TextBox 9"/>
-          <p:cNvSpPr txBox="1"/>
-          <p:nvPr/>
-        </p:nvSpPr>
-        <p:spPr>
-          <a:xfrm>
-            <a:off x="3546311" y="865634"/>
-            <a:ext cx="1095172" cy="369332"/>
-          </a:xfrm>
-          <a:prstGeom prst="rect">
-            <a:avLst/>
-          </a:prstGeom>
-          <a:noFill/>
-        </p:spPr>
-        <p:txBody>
-          <a:bodyPr wrap="none" rtlCol="0">
-            <a:spAutoFit/>
-          </a:bodyPr>
-          <a:lstStyle/>
-          <a:p>
-            <a:pPr algn="ctr"/>
-            <a:r>
-              <a:rPr lang="en-US" dirty="0" smtClean="0"/>
-              <a:t>Functions</a:t>
-            </a:r>
-            <a:endParaRPr lang="en-US" dirty="0"/>
-          </a:p>
-        </p:txBody>
-      </p:sp>
-      <p:sp>
-        <p:nvSpPr>
-          <p:cNvPr id="13" name="TextBox 12"/>
-          <p:cNvSpPr txBox="1"/>
-          <p:nvPr/>
-        </p:nvSpPr>
-        <p:spPr>
-          <a:xfrm>
-            <a:off x="8807115" y="865634"/>
-            <a:ext cx="795602" cy="369332"/>
-          </a:xfrm>
-          <a:prstGeom prst="rect">
-            <a:avLst/>
-          </a:prstGeom>
-          <a:noFill/>
-        </p:spPr>
-        <p:txBody>
-          <a:bodyPr wrap="none" rtlCol="0">
-            <a:spAutoFit/>
-          </a:bodyPr>
-          <a:lstStyle/>
-          <a:p>
-            <a:pPr algn="ctr"/>
-            <a:r>
-              <a:rPr lang="en-US" smtClean="0"/>
-              <a:t>Events</a:t>
-            </a:r>
-            <a:endParaRPr lang="en-US" dirty="0"/>
-          </a:p>
-        </p:txBody>
-      </p:sp>
-      <p:sp>
-        <p:nvSpPr>
-          <p:cNvPr id="14" name="TextBox 13"/>
-          <p:cNvSpPr txBox="1"/>
-          <p:nvPr/>
-        </p:nvSpPr>
-        <p:spPr>
-          <a:xfrm>
-            <a:off x="10231416" y="865634"/>
-            <a:ext cx="1095172" cy="369332"/>
-          </a:xfrm>
-          <a:prstGeom prst="rect">
-            <a:avLst/>
-          </a:prstGeom>
-          <a:noFill/>
-        </p:spPr>
-        <p:txBody>
-          <a:bodyPr wrap="none" rtlCol="0">
-            <a:spAutoFit/>
-          </a:bodyPr>
-          <a:lstStyle/>
-          <a:p>
-            <a:pPr algn="ctr"/>
-            <a:r>
-              <a:rPr lang="en-US" dirty="0" smtClean="0"/>
-              <a:t>Functions</a:t>
-            </a:r>
-            <a:endParaRPr lang="en-US" dirty="0"/>
-          </a:p>
-        </p:txBody>
-      </p:sp>
-      <p:sp>
-        <p:nvSpPr>
-          <p:cNvPr id="15" name="TextBox 14"/>
-          <p:cNvSpPr txBox="1"/>
-          <p:nvPr/>
-        </p:nvSpPr>
-        <p:spPr>
-          <a:xfrm>
-            <a:off x="4763865" y="581658"/>
-            <a:ext cx="519694" cy="369332"/>
-          </a:xfrm>
-          <a:prstGeom prst="rect">
-            <a:avLst/>
-          </a:prstGeom>
-          <a:noFill/>
-        </p:spPr>
-        <p:txBody>
-          <a:bodyPr wrap="none" rtlCol="0">
-            <a:spAutoFit/>
-          </a:bodyPr>
-          <a:lstStyle/>
-          <a:p>
-            <a:pPr algn="ctr"/>
-            <a:r>
-              <a:rPr lang="en-US" smtClean="0"/>
-              <a:t>BLE</a:t>
-            </a:r>
-            <a:endParaRPr lang="en-US" dirty="0"/>
-          </a:p>
-        </p:txBody>
-      </p:sp>
-      <p:sp>
-        <p:nvSpPr>
-          <p:cNvPr id="16" name="TextBox 15"/>
-          <p:cNvSpPr txBox="1"/>
-          <p:nvPr/>
-        </p:nvSpPr>
-        <p:spPr>
-          <a:xfrm>
-            <a:off x="7038570" y="242455"/>
-            <a:ext cx="1381340" cy="369332"/>
-          </a:xfrm>
-          <a:prstGeom prst="rect">
-            <a:avLst/>
-          </a:prstGeom>
-          <a:noFill/>
-        </p:spPr>
-        <p:txBody>
-          <a:bodyPr wrap="none" rtlCol="0">
-            <a:spAutoFit/>
-          </a:bodyPr>
-          <a:lstStyle/>
-          <a:p>
-            <a:pPr algn="ctr"/>
-            <a:r>
               <a:rPr lang="en-US" u="sng" dirty="0" smtClean="0"/>
-              <a:t>Radio Waves</a:t>
+              <a:t>BLE Radio</a:t>
+            </a:r>
+          </a:p>
+          <a:p>
+            <a:pPr algn="ctr"/>
+            <a:r>
+              <a:rPr lang="en-US" u="sng" dirty="0" smtClean="0"/>
+              <a:t>Waves</a:t>
             </a:r>
             <a:endParaRPr lang="en-US" u="sng" dirty="0"/>
           </a:p>
@@ -3313,8 +3497,8 @@
         </p:nvCxnSpPr>
         <p:spPr>
           <a:xfrm flipH="1">
-            <a:off x="6787426" y="611787"/>
-            <a:ext cx="49096" cy="5449579"/>
+            <a:off x="7728983" y="632987"/>
+            <a:ext cx="52935" cy="5875670"/>
           </a:xfrm>
           <a:prstGeom prst="line">
             <a:avLst/>
@@ -3343,8 +3527,8 @@
         </p:nvCxnSpPr>
         <p:spPr>
           <a:xfrm flipH="1">
-            <a:off x="8631056" y="611787"/>
-            <a:ext cx="49096" cy="5449579"/>
+            <a:off x="9042394" y="622387"/>
+            <a:ext cx="16112" cy="5886270"/>
           </a:xfrm>
           <a:prstGeom prst="line">
             <a:avLst/>
@@ -3373,8 +3557,467 @@
         </p:nvSpPr>
         <p:spPr>
           <a:xfrm>
-            <a:off x="3522397" y="1294309"/>
-            <a:ext cx="1143000" cy="276999"/>
+            <a:off x="4797261" y="1304909"/>
+            <a:ext cx="1228221" cy="246221"/>
+          </a:xfrm>
+          <a:prstGeom prst="rect">
+            <a:avLst/>
+          </a:prstGeom>
+          <a:noFill/>
+        </p:spPr>
+        <p:txBody>
+          <a:bodyPr wrap="none" rtlCol="0">
+            <a:spAutoFit/>
+          </a:bodyPr>
+          <a:lstStyle/>
+          <a:p>
+            <a:pPr algn="ctr"/>
+            <a:r>
+              <a:rPr lang="en-US" sz="1000" dirty="0" err="1"/>
+              <a:t>w</a:t>
+            </a:r>
+            <a:r>
+              <a:rPr lang="en-US" sz="1000" dirty="0" err="1" smtClean="0"/>
+              <a:t>iced_bt_stack_init</a:t>
+            </a:r>
+            <a:endParaRPr lang="en-US" sz="1000" dirty="0"/>
+          </a:p>
+        </p:txBody>
+      </p:sp>
+      <p:sp>
+        <p:nvSpPr>
+          <p:cNvPr id="22" name="TextBox 21"/>
+          <p:cNvSpPr txBox="1"/>
+          <p:nvPr/>
+        </p:nvSpPr>
+        <p:spPr>
+          <a:xfrm>
+            <a:off x="6416661" y="1557824"/>
+            <a:ext cx="976549" cy="400110"/>
+          </a:xfrm>
+          <a:prstGeom prst="rect">
+            <a:avLst/>
+          </a:prstGeom>
+          <a:noFill/>
+        </p:spPr>
+        <p:txBody>
+          <a:bodyPr wrap="none" rtlCol="0">
+            <a:spAutoFit/>
+          </a:bodyPr>
+          <a:lstStyle/>
+          <a:p>
+            <a:pPr algn="ctr"/>
+            <a:r>
+              <a:rPr lang="en-US" sz="1000" dirty="0" smtClean="0"/>
+              <a:t>BTM_ENABLED</a:t>
+            </a:r>
+          </a:p>
+          <a:p>
+            <a:pPr algn="ctr"/>
+            <a:r>
+              <a:rPr lang="en-US" sz="1000" dirty="0" smtClean="0"/>
+              <a:t>EVT</a:t>
+            </a:r>
+            <a:endParaRPr lang="en-US" sz="1000" dirty="0"/>
+          </a:p>
+        </p:txBody>
+      </p:sp>
+      <p:sp>
+        <p:nvSpPr>
+          <p:cNvPr id="23" name="TextBox 22"/>
+          <p:cNvSpPr txBox="1"/>
+          <p:nvPr/>
+        </p:nvSpPr>
+        <p:spPr>
+          <a:xfrm>
+            <a:off x="4818100" y="2557984"/>
+            <a:ext cx="1186542" cy="246221"/>
+          </a:xfrm>
+          <a:prstGeom prst="rect">
+            <a:avLst/>
+          </a:prstGeom>
+          <a:noFill/>
+        </p:spPr>
+        <p:txBody>
+          <a:bodyPr wrap="none" rtlCol="0">
+            <a:spAutoFit/>
+          </a:bodyPr>
+          <a:lstStyle/>
+          <a:p>
+            <a:pPr algn="ctr"/>
+            <a:r>
+              <a:rPr lang="en-US" sz="1000" smtClean="0"/>
+              <a:t>wiced_bt_ble_scan</a:t>
+            </a:r>
+            <a:endParaRPr lang="en-US" sz="1000" dirty="0"/>
+          </a:p>
+        </p:txBody>
+      </p:sp>
+      <p:sp>
+        <p:nvSpPr>
+          <p:cNvPr id="24" name="TextBox 23"/>
+          <p:cNvSpPr txBox="1"/>
+          <p:nvPr/>
+        </p:nvSpPr>
+        <p:spPr>
+          <a:xfrm>
+            <a:off x="4792452" y="1906751"/>
+            <a:ext cx="1237839" cy="246221"/>
+          </a:xfrm>
+          <a:prstGeom prst="rect">
+            <a:avLst/>
+          </a:prstGeom>
+          <a:noFill/>
+        </p:spPr>
+        <p:txBody>
+          <a:bodyPr wrap="none" rtlCol="0">
+            <a:spAutoFit/>
+          </a:bodyPr>
+          <a:lstStyle/>
+          <a:p>
+            <a:pPr algn="ctr"/>
+            <a:r>
+              <a:rPr lang="en-US" sz="1000" dirty="0" err="1" smtClean="0"/>
+              <a:t>management_cback</a:t>
+            </a:r>
+            <a:endParaRPr lang="en-US" sz="1000" dirty="0"/>
+          </a:p>
+        </p:txBody>
+      </p:sp>
+      <p:sp>
+        <p:nvSpPr>
+          <p:cNvPr id="25" name="TextBox 24"/>
+          <p:cNvSpPr txBox="1"/>
+          <p:nvPr/>
+        </p:nvSpPr>
+        <p:spPr>
+          <a:xfrm>
+            <a:off x="4842144" y="3052268"/>
+            <a:ext cx="1138453" cy="246221"/>
+          </a:xfrm>
+          <a:prstGeom prst="rect">
+            <a:avLst/>
+          </a:prstGeom>
+          <a:noFill/>
+        </p:spPr>
+        <p:txBody>
+          <a:bodyPr wrap="none" rtlCol="0">
+            <a:spAutoFit/>
+          </a:bodyPr>
+          <a:lstStyle/>
+          <a:p>
+            <a:pPr algn="ctr"/>
+            <a:r>
+              <a:rPr lang="en-US" sz="1000" dirty="0" err="1" smtClean="0"/>
+              <a:t>scan_result_cback</a:t>
+            </a:r>
+            <a:endParaRPr lang="en-US" sz="1000" dirty="0"/>
+          </a:p>
+        </p:txBody>
+      </p:sp>
+      <p:sp>
+        <p:nvSpPr>
+          <p:cNvPr id="26" name="TextBox 25"/>
+          <p:cNvSpPr txBox="1"/>
+          <p:nvPr/>
+        </p:nvSpPr>
+        <p:spPr>
+          <a:xfrm>
+            <a:off x="8242627" y="3050879"/>
+            <a:ext cx="409086" cy="246221"/>
+          </a:xfrm>
+          <a:prstGeom prst="rect">
+            <a:avLst/>
+          </a:prstGeom>
+          <a:noFill/>
+        </p:spPr>
+        <p:txBody>
+          <a:bodyPr wrap="none" rtlCol="0">
+            <a:spAutoFit/>
+          </a:bodyPr>
+          <a:lstStyle/>
+          <a:p>
+            <a:pPr algn="ctr"/>
+            <a:r>
+              <a:rPr lang="en-US" sz="1000" dirty="0" smtClean="0"/>
+              <a:t>ADV</a:t>
+            </a:r>
+            <a:endParaRPr lang="en-US" sz="1000" dirty="0"/>
+          </a:p>
+        </p:txBody>
+      </p:sp>
+      <p:sp>
+        <p:nvSpPr>
+          <p:cNvPr id="27" name="TextBox 26"/>
+          <p:cNvSpPr txBox="1"/>
+          <p:nvPr/>
+        </p:nvSpPr>
+        <p:spPr>
+          <a:xfrm>
+            <a:off x="6455132" y="4064244"/>
+            <a:ext cx="899605" cy="553998"/>
+          </a:xfrm>
+          <a:prstGeom prst="rect">
+            <a:avLst/>
+          </a:prstGeom>
+          <a:noFill/>
+        </p:spPr>
+        <p:txBody>
+          <a:bodyPr wrap="none" rtlCol="0">
+            <a:spAutoFit/>
+          </a:bodyPr>
+          <a:lstStyle/>
+          <a:p>
+            <a:pPr algn="ctr"/>
+            <a:r>
+              <a:rPr lang="en-US" sz="1000" dirty="0" smtClean="0"/>
+              <a:t>GATT</a:t>
+            </a:r>
+          </a:p>
+          <a:p>
+            <a:pPr algn="ctr"/>
+            <a:r>
+              <a:rPr lang="en-US" sz="1000" dirty="0" smtClean="0"/>
+              <a:t>CONNECTION</a:t>
+            </a:r>
+          </a:p>
+          <a:p>
+            <a:pPr algn="ctr"/>
+            <a:r>
+              <a:rPr lang="en-US" sz="1000" dirty="0" smtClean="0"/>
+              <a:t>STATUS_EVT</a:t>
+            </a:r>
+            <a:endParaRPr lang="en-US" sz="1000" dirty="0"/>
+          </a:p>
+        </p:txBody>
+      </p:sp>
+      <p:sp>
+        <p:nvSpPr>
+          <p:cNvPr id="28" name="TextBox 27"/>
+          <p:cNvSpPr txBox="1"/>
+          <p:nvPr/>
+        </p:nvSpPr>
+        <p:spPr>
+          <a:xfrm>
+            <a:off x="4574443" y="5058918"/>
+            <a:ext cx="1673856" cy="246221"/>
+          </a:xfrm>
+          <a:prstGeom prst="rect">
+            <a:avLst/>
+          </a:prstGeom>
+          <a:noFill/>
+        </p:spPr>
+        <p:txBody>
+          <a:bodyPr wrap="none" rtlCol="0">
+            <a:spAutoFit/>
+          </a:bodyPr>
+          <a:lstStyle/>
+          <a:p>
+            <a:pPr algn="ctr"/>
+            <a:r>
+              <a:rPr lang="en-US" sz="1000" smtClean="0"/>
+              <a:t>ble_subscriber_write_motor</a:t>
+            </a:r>
+            <a:endParaRPr lang="en-US" sz="1000" dirty="0"/>
+          </a:p>
+        </p:txBody>
+      </p:sp>
+      <p:sp>
+        <p:nvSpPr>
+          <p:cNvPr id="29" name="TextBox 28"/>
+          <p:cNvSpPr txBox="1"/>
+          <p:nvPr/>
+        </p:nvSpPr>
+        <p:spPr>
+          <a:xfrm>
+            <a:off x="4622533" y="3601029"/>
+            <a:ext cx="1577675" cy="246221"/>
+          </a:xfrm>
+          <a:prstGeom prst="rect">
+            <a:avLst/>
+          </a:prstGeom>
+          <a:noFill/>
+        </p:spPr>
+        <p:txBody>
+          <a:bodyPr wrap="none" rtlCol="0">
+            <a:spAutoFit/>
+          </a:bodyPr>
+          <a:lstStyle/>
+          <a:p>
+            <a:pPr algn="ctr"/>
+            <a:r>
+              <a:rPr lang="en-US" sz="1000" dirty="0" err="1" smtClean="0"/>
+              <a:t>wiced_bt_gatt_le_connect</a:t>
+            </a:r>
+            <a:endParaRPr lang="en-US" sz="1000" dirty="0"/>
+          </a:p>
+        </p:txBody>
+      </p:sp>
+      <p:sp>
+        <p:nvSpPr>
+          <p:cNvPr id="30" name="TextBox 29"/>
+          <p:cNvSpPr txBox="1"/>
+          <p:nvPr/>
+        </p:nvSpPr>
+        <p:spPr>
+          <a:xfrm>
+            <a:off x="7968513" y="3616977"/>
+            <a:ext cx="957313" cy="246221"/>
+          </a:xfrm>
+          <a:prstGeom prst="rect">
+            <a:avLst/>
+          </a:prstGeom>
+          <a:noFill/>
+        </p:spPr>
+        <p:txBody>
+          <a:bodyPr wrap="none" rtlCol="0">
+            <a:spAutoFit/>
+          </a:bodyPr>
+          <a:lstStyle/>
+          <a:p>
+            <a:pPr algn="ctr"/>
+            <a:r>
+              <a:rPr lang="en-US" sz="1000" dirty="0" smtClean="0"/>
+              <a:t>CONNECT_IND</a:t>
+            </a:r>
+            <a:endParaRPr lang="en-US" sz="1000" dirty="0"/>
+          </a:p>
+        </p:txBody>
+      </p:sp>
+      <p:sp>
+        <p:nvSpPr>
+          <p:cNvPr id="31" name="TextBox 30"/>
+          <p:cNvSpPr txBox="1"/>
+          <p:nvPr/>
+        </p:nvSpPr>
+        <p:spPr>
+          <a:xfrm>
+            <a:off x="7968511" y="4218133"/>
+            <a:ext cx="957313" cy="246221"/>
+          </a:xfrm>
+          <a:prstGeom prst="rect">
+            <a:avLst/>
+          </a:prstGeom>
+          <a:noFill/>
+        </p:spPr>
+        <p:txBody>
+          <a:bodyPr wrap="none" rtlCol="0">
+            <a:spAutoFit/>
+          </a:bodyPr>
+          <a:lstStyle/>
+          <a:p>
+            <a:pPr algn="ctr"/>
+            <a:r>
+              <a:rPr lang="en-US" sz="1000" dirty="0"/>
+              <a:t>CONNECT_IND</a:t>
+            </a:r>
+            <a:endParaRPr lang="en-US" sz="1000" dirty="0" smtClean="0"/>
+          </a:p>
+        </p:txBody>
+      </p:sp>
+      <p:sp>
+        <p:nvSpPr>
+          <p:cNvPr id="32" name="TextBox 31"/>
+          <p:cNvSpPr txBox="1"/>
+          <p:nvPr/>
+        </p:nvSpPr>
+        <p:spPr>
+          <a:xfrm>
+            <a:off x="4975995" y="4218133"/>
+            <a:ext cx="870751" cy="246221"/>
+          </a:xfrm>
+          <a:prstGeom prst="rect">
+            <a:avLst/>
+          </a:prstGeom>
+          <a:noFill/>
+        </p:spPr>
+        <p:txBody>
+          <a:bodyPr wrap="none" rtlCol="0">
+            <a:spAutoFit/>
+          </a:bodyPr>
+          <a:lstStyle/>
+          <a:p>
+            <a:pPr algn="ctr"/>
+            <a:r>
+              <a:rPr lang="en-US" sz="1000" dirty="0" err="1" smtClean="0"/>
+              <a:t>gatt_callback</a:t>
+            </a:r>
+            <a:endParaRPr lang="en-US" sz="1000" dirty="0"/>
+          </a:p>
+        </p:txBody>
+      </p:sp>
+      <p:sp>
+        <p:nvSpPr>
+          <p:cNvPr id="33" name="TextBox 32"/>
+          <p:cNvSpPr txBox="1"/>
+          <p:nvPr/>
+        </p:nvSpPr>
+        <p:spPr>
+          <a:xfrm>
+            <a:off x="7883554" y="5058918"/>
+            <a:ext cx="1127232" cy="246221"/>
+          </a:xfrm>
+          <a:prstGeom prst="rect">
+            <a:avLst/>
+          </a:prstGeom>
+          <a:noFill/>
+        </p:spPr>
+        <p:txBody>
+          <a:bodyPr wrap="none" rtlCol="0">
+            <a:spAutoFit/>
+          </a:bodyPr>
+          <a:lstStyle/>
+          <a:p>
+            <a:pPr algn="ctr"/>
+            <a:r>
+              <a:rPr lang="en-US" sz="1000" dirty="0"/>
+              <a:t>WRITE_CMD_REQ</a:t>
+            </a:r>
+            <a:endParaRPr lang="en-US" sz="1000" dirty="0"/>
+          </a:p>
+        </p:txBody>
+      </p:sp>
+      <p:sp>
+        <p:nvSpPr>
+          <p:cNvPr id="35" name="TextBox 34"/>
+          <p:cNvSpPr txBox="1"/>
+          <p:nvPr/>
+        </p:nvSpPr>
+        <p:spPr>
+          <a:xfrm>
+            <a:off x="4975995" y="5972936"/>
+            <a:ext cx="870751" cy="246221"/>
+          </a:xfrm>
+          <a:prstGeom prst="rect">
+            <a:avLst/>
+          </a:prstGeom>
+          <a:noFill/>
+        </p:spPr>
+        <p:txBody>
+          <a:bodyPr wrap="none" rtlCol="0">
+            <a:spAutoFit/>
+          </a:bodyPr>
+          <a:lstStyle/>
+          <a:p>
+            <a:pPr algn="ctr"/>
+            <a:r>
+              <a:rPr lang="en-US" sz="1000" dirty="0" err="1" smtClean="0"/>
+              <a:t>gatt_callback</a:t>
+            </a:r>
+            <a:endParaRPr lang="en-US" sz="1000" dirty="0"/>
+          </a:p>
+        </p:txBody>
+      </p:sp>
+      <p:sp>
+        <p:nvSpPr>
+          <p:cNvPr id="36" name="TextBox 35"/>
+          <p:cNvSpPr txBox="1"/>
+          <p:nvPr/>
+        </p:nvSpPr>
+        <p:spPr>
+          <a:xfrm>
+            <a:off x="8332870" y="5957547"/>
+            <a:ext cx="228600" cy="276999"/>
           </a:xfrm>
           <a:prstGeom prst="rect">
             <a:avLst/>
@@ -3389,443 +4032,6 @@
           <a:p>
             <a:pPr algn="ctr"/>
             <a:r>
-              <a:rPr lang="en-US" sz="1000" dirty="0" err="1"/>
-              <a:t>w</a:t>
-            </a:r>
-            <a:r>
-              <a:rPr lang="en-US" sz="1000" dirty="0" err="1" smtClean="0"/>
-              <a:t>iced_bt_stack_init</a:t>
-            </a:r>
-            <a:endParaRPr lang="en-US" sz="1000" dirty="0"/>
-          </a:p>
-        </p:txBody>
-      </p:sp>
-      <p:sp>
-        <p:nvSpPr>
-          <p:cNvPr id="22" name="TextBox 21"/>
-          <p:cNvSpPr txBox="1"/>
-          <p:nvPr/>
-        </p:nvSpPr>
-        <p:spPr>
-          <a:xfrm>
-            <a:off x="5465770" y="1547224"/>
-            <a:ext cx="1143000" cy="276999"/>
-          </a:xfrm>
-          <a:prstGeom prst="rect">
-            <a:avLst/>
-          </a:prstGeom>
-          <a:noFill/>
-        </p:spPr>
-        <p:txBody>
-          <a:bodyPr wrap="none" rtlCol="0">
-            <a:noAutofit/>
-          </a:bodyPr>
-          <a:lstStyle/>
-          <a:p>
-            <a:pPr algn="ctr"/>
-            <a:r>
-              <a:rPr lang="en-US" sz="1000" dirty="0" smtClean="0"/>
-              <a:t>BTM_ENABLED_EVT</a:t>
-            </a:r>
-            <a:endParaRPr lang="en-US" sz="1000" dirty="0"/>
-          </a:p>
-        </p:txBody>
-      </p:sp>
-      <p:sp>
-        <p:nvSpPr>
-          <p:cNvPr id="23" name="TextBox 22"/>
-          <p:cNvSpPr txBox="1"/>
-          <p:nvPr/>
-        </p:nvSpPr>
-        <p:spPr>
-          <a:xfrm>
-            <a:off x="3408097" y="2547384"/>
-            <a:ext cx="1371600" cy="276999"/>
-          </a:xfrm>
-          <a:prstGeom prst="rect">
-            <a:avLst/>
-          </a:prstGeom>
-          <a:noFill/>
-        </p:spPr>
-        <p:txBody>
-          <a:bodyPr wrap="none" rtlCol="0">
-            <a:noAutofit/>
-          </a:bodyPr>
-          <a:lstStyle/>
-          <a:p>
-            <a:pPr algn="ctr"/>
-            <a:r>
-              <a:rPr lang="en-US" sz="1000" smtClean="0"/>
-              <a:t>wiced_bt_ble_scan</a:t>
-            </a:r>
-            <a:endParaRPr lang="en-US" sz="1000" dirty="0"/>
-          </a:p>
-        </p:txBody>
-      </p:sp>
-      <p:sp>
-        <p:nvSpPr>
-          <p:cNvPr id="24" name="TextBox 23"/>
-          <p:cNvSpPr txBox="1"/>
-          <p:nvPr/>
-        </p:nvSpPr>
-        <p:spPr>
-          <a:xfrm>
-            <a:off x="3545257" y="1896151"/>
-            <a:ext cx="1097280" cy="276999"/>
-          </a:xfrm>
-          <a:prstGeom prst="rect">
-            <a:avLst/>
-          </a:prstGeom>
-          <a:noFill/>
-        </p:spPr>
-        <p:txBody>
-          <a:bodyPr wrap="none" rtlCol="0">
-            <a:noAutofit/>
-          </a:bodyPr>
-          <a:lstStyle/>
-          <a:p>
-            <a:pPr algn="ctr"/>
-            <a:r>
-              <a:rPr lang="en-US" sz="1000" dirty="0" err="1" smtClean="0"/>
-              <a:t>management_cback</a:t>
-            </a:r>
-            <a:endParaRPr lang="en-US" sz="1000" dirty="0"/>
-          </a:p>
-        </p:txBody>
-      </p:sp>
-      <p:sp>
-        <p:nvSpPr>
-          <p:cNvPr id="25" name="TextBox 24"/>
-          <p:cNvSpPr txBox="1"/>
-          <p:nvPr/>
-        </p:nvSpPr>
-        <p:spPr>
-          <a:xfrm>
-            <a:off x="3408097" y="2951138"/>
-            <a:ext cx="1371600" cy="276999"/>
-          </a:xfrm>
-          <a:prstGeom prst="rect">
-            <a:avLst/>
-          </a:prstGeom>
-          <a:noFill/>
-        </p:spPr>
-        <p:txBody>
-          <a:bodyPr wrap="none" rtlCol="0">
-            <a:noAutofit/>
-          </a:bodyPr>
-          <a:lstStyle/>
-          <a:p>
-            <a:pPr algn="ctr"/>
-            <a:r>
-              <a:rPr lang="en-US" sz="1000" dirty="0" err="1" smtClean="0"/>
-              <a:t>scan_result_cback</a:t>
-            </a:r>
-            <a:endParaRPr lang="en-US" sz="1000" dirty="0"/>
-          </a:p>
-        </p:txBody>
-      </p:sp>
-      <p:sp>
-        <p:nvSpPr>
-          <p:cNvPr id="26" name="TextBox 25"/>
-          <p:cNvSpPr txBox="1"/>
-          <p:nvPr/>
-        </p:nvSpPr>
-        <p:spPr>
-          <a:xfrm>
-            <a:off x="7346271" y="2951138"/>
-            <a:ext cx="685800" cy="276999"/>
-          </a:xfrm>
-          <a:prstGeom prst="rect">
-            <a:avLst/>
-          </a:prstGeom>
-          <a:noFill/>
-        </p:spPr>
-        <p:txBody>
-          <a:bodyPr wrap="none" rtlCol="0">
-            <a:noAutofit/>
-          </a:bodyPr>
-          <a:lstStyle/>
-          <a:p>
-            <a:pPr algn="ctr"/>
-            <a:r>
-              <a:rPr lang="en-US" sz="1000" dirty="0" smtClean="0"/>
-              <a:t>ADV Packet</a:t>
-            </a:r>
-            <a:endParaRPr lang="en-US" sz="1000" dirty="0"/>
-          </a:p>
-        </p:txBody>
-      </p:sp>
-      <p:sp>
-        <p:nvSpPr>
-          <p:cNvPr id="27" name="TextBox 26"/>
-          <p:cNvSpPr txBox="1"/>
-          <p:nvPr/>
-        </p:nvSpPr>
-        <p:spPr>
-          <a:xfrm>
-            <a:off x="4765381" y="4116905"/>
-            <a:ext cx="1828800" cy="276999"/>
-          </a:xfrm>
-          <a:prstGeom prst="rect">
-            <a:avLst/>
-          </a:prstGeom>
-          <a:noFill/>
-        </p:spPr>
-        <p:txBody>
-          <a:bodyPr wrap="none" rtlCol="0">
-            <a:noAutofit/>
-          </a:bodyPr>
-          <a:lstStyle/>
-          <a:p>
-            <a:pPr algn="ctr"/>
-            <a:r>
-              <a:rPr lang="en-US" sz="1000" dirty="0" smtClean="0"/>
-              <a:t>GATT_CONNECTION_STATUS_EVT</a:t>
-            </a:r>
-            <a:endParaRPr lang="en-US" sz="1000" dirty="0"/>
-          </a:p>
-        </p:txBody>
-      </p:sp>
-      <p:sp>
-        <p:nvSpPr>
-          <p:cNvPr id="28" name="TextBox 27"/>
-          <p:cNvSpPr txBox="1"/>
-          <p:nvPr/>
-        </p:nvSpPr>
-        <p:spPr>
-          <a:xfrm>
-            <a:off x="3293797" y="5046128"/>
-            <a:ext cx="1600200" cy="276999"/>
-          </a:xfrm>
-          <a:prstGeom prst="rect">
-            <a:avLst/>
-          </a:prstGeom>
-          <a:noFill/>
-        </p:spPr>
-        <p:txBody>
-          <a:bodyPr wrap="none" rtlCol="0">
-            <a:noAutofit/>
-          </a:bodyPr>
-          <a:lstStyle/>
-          <a:p>
-            <a:pPr algn="ctr"/>
-            <a:r>
-              <a:rPr lang="en-US" sz="1000" smtClean="0"/>
-              <a:t>ble_subscriber_write_motor</a:t>
-            </a:r>
-            <a:endParaRPr lang="en-US" sz="1000" dirty="0"/>
-          </a:p>
-        </p:txBody>
-      </p:sp>
-      <p:sp>
-        <p:nvSpPr>
-          <p:cNvPr id="29" name="TextBox 28"/>
-          <p:cNvSpPr txBox="1"/>
-          <p:nvPr/>
-        </p:nvSpPr>
-        <p:spPr>
-          <a:xfrm>
-            <a:off x="3179497" y="3499899"/>
-            <a:ext cx="1828800" cy="276999"/>
-          </a:xfrm>
-          <a:prstGeom prst="rect">
-            <a:avLst/>
-          </a:prstGeom>
-          <a:noFill/>
-        </p:spPr>
-        <p:txBody>
-          <a:bodyPr wrap="none" rtlCol="0">
-            <a:noAutofit/>
-          </a:bodyPr>
-          <a:lstStyle/>
-          <a:p>
-            <a:pPr algn="ctr"/>
-            <a:r>
-              <a:rPr lang="en-US" sz="1000" dirty="0" err="1" smtClean="0"/>
-              <a:t>wiced_bt_gatt_le_connect</a:t>
-            </a:r>
-            <a:endParaRPr lang="en-US" sz="1000" dirty="0"/>
-          </a:p>
-        </p:txBody>
-      </p:sp>
-      <p:sp>
-        <p:nvSpPr>
-          <p:cNvPr id="30" name="TextBox 29"/>
-          <p:cNvSpPr txBox="1"/>
-          <p:nvPr/>
-        </p:nvSpPr>
-        <p:spPr>
-          <a:xfrm>
-            <a:off x="7117671" y="3515847"/>
-            <a:ext cx="1143000" cy="276999"/>
-          </a:xfrm>
-          <a:prstGeom prst="rect">
-            <a:avLst/>
-          </a:prstGeom>
-          <a:noFill/>
-        </p:spPr>
-        <p:txBody>
-          <a:bodyPr wrap="none" rtlCol="0">
-            <a:noAutofit/>
-          </a:bodyPr>
-          <a:lstStyle/>
-          <a:p>
-            <a:pPr algn="ctr"/>
-            <a:r>
-              <a:rPr lang="en-US" sz="1000" smtClean="0"/>
-              <a:t>Connection Packet</a:t>
-            </a:r>
-            <a:endParaRPr lang="en-US" sz="1000" dirty="0"/>
-          </a:p>
-        </p:txBody>
-      </p:sp>
-      <p:sp>
-        <p:nvSpPr>
-          <p:cNvPr id="31" name="TextBox 30"/>
-          <p:cNvSpPr txBox="1"/>
-          <p:nvPr/>
-        </p:nvSpPr>
-        <p:spPr>
-          <a:xfrm>
-            <a:off x="6889071" y="3925209"/>
-            <a:ext cx="1600200" cy="276999"/>
-          </a:xfrm>
-          <a:prstGeom prst="rect">
-            <a:avLst/>
-          </a:prstGeom>
-          <a:noFill/>
-        </p:spPr>
-        <p:txBody>
-          <a:bodyPr wrap="none" rtlCol="0">
-            <a:noAutofit/>
-          </a:bodyPr>
-          <a:lstStyle/>
-          <a:p>
-            <a:pPr algn="ctr"/>
-            <a:r>
-              <a:rPr lang="en-US" sz="1000" dirty="0" smtClean="0"/>
-              <a:t>Connection Accepted Packet</a:t>
-            </a:r>
-          </a:p>
-        </p:txBody>
-      </p:sp>
-      <p:sp>
-        <p:nvSpPr>
-          <p:cNvPr id="32" name="TextBox 31"/>
-          <p:cNvSpPr txBox="1"/>
-          <p:nvPr/>
-        </p:nvSpPr>
-        <p:spPr>
-          <a:xfrm>
-            <a:off x="3636697" y="4367752"/>
-            <a:ext cx="914400" cy="276999"/>
-          </a:xfrm>
-          <a:prstGeom prst="rect">
-            <a:avLst/>
-          </a:prstGeom>
-          <a:noFill/>
-        </p:spPr>
-        <p:txBody>
-          <a:bodyPr wrap="none" rtlCol="0">
-            <a:noAutofit/>
-          </a:bodyPr>
-          <a:lstStyle/>
-          <a:p>
-            <a:pPr algn="ctr"/>
-            <a:r>
-              <a:rPr lang="en-US" sz="1000" dirty="0" err="1" smtClean="0"/>
-              <a:t>gatt_callback</a:t>
-            </a:r>
-            <a:endParaRPr lang="en-US" sz="1000" dirty="0"/>
-          </a:p>
-        </p:txBody>
-      </p:sp>
-      <p:sp>
-        <p:nvSpPr>
-          <p:cNvPr id="33" name="TextBox 32"/>
-          <p:cNvSpPr txBox="1"/>
-          <p:nvPr/>
-        </p:nvSpPr>
-        <p:spPr>
-          <a:xfrm>
-            <a:off x="7003371" y="5046249"/>
-            <a:ext cx="1371600" cy="276999"/>
-          </a:xfrm>
-          <a:prstGeom prst="rect">
-            <a:avLst/>
-          </a:prstGeom>
-          <a:noFill/>
-        </p:spPr>
-        <p:txBody>
-          <a:bodyPr wrap="none" rtlCol="0">
-            <a:noAutofit/>
-          </a:bodyPr>
-          <a:lstStyle/>
-          <a:p>
-            <a:pPr algn="ctr"/>
-            <a:r>
-              <a:rPr lang="en-US" sz="1000" dirty="0" smtClean="0"/>
-              <a:t>Write Data Packet</a:t>
-            </a:r>
-            <a:endParaRPr lang="en-US" sz="1000" dirty="0"/>
-          </a:p>
-        </p:txBody>
-      </p:sp>
-      <p:sp>
-        <p:nvSpPr>
-          <p:cNvPr id="35" name="TextBox 34"/>
-          <p:cNvSpPr txBox="1"/>
-          <p:nvPr/>
-        </p:nvSpPr>
-        <p:spPr>
-          <a:xfrm>
-            <a:off x="3636697" y="5850374"/>
-            <a:ext cx="914400" cy="276999"/>
-          </a:xfrm>
-          <a:prstGeom prst="rect">
-            <a:avLst/>
-          </a:prstGeom>
-          <a:noFill/>
-        </p:spPr>
-        <p:txBody>
-          <a:bodyPr wrap="none" rtlCol="0">
-            <a:noAutofit/>
-          </a:bodyPr>
-          <a:lstStyle/>
-          <a:p>
-            <a:pPr algn="ctr"/>
-            <a:r>
-              <a:rPr lang="en-US" sz="1000" dirty="0" err="1" smtClean="0"/>
-              <a:t>gatt_callback</a:t>
-            </a:r>
-            <a:endParaRPr lang="en-US" sz="1000" dirty="0"/>
-          </a:p>
-        </p:txBody>
-      </p:sp>
-      <p:sp>
-        <p:nvSpPr>
-          <p:cNvPr id="36" name="TextBox 35"/>
-          <p:cNvSpPr txBox="1"/>
-          <p:nvPr/>
-        </p:nvSpPr>
-        <p:spPr>
-          <a:xfrm>
-            <a:off x="7574871" y="5491578"/>
-            <a:ext cx="228600" cy="276999"/>
-          </a:xfrm>
-          <a:prstGeom prst="rect">
-            <a:avLst/>
-          </a:prstGeom>
-          <a:noFill/>
-        </p:spPr>
-        <p:txBody>
-          <a:bodyPr wrap="none" rtlCol="0">
-            <a:noAutofit/>
-          </a:bodyPr>
-          <a:lstStyle/>
-          <a:p>
-            <a:pPr algn="ctr"/>
-            <a:r>
               <a:rPr lang="en-US" sz="1000" dirty="0" smtClean="0"/>
               <a:t>X</a:t>
             </a:r>
@@ -3841,8 +4047,8 @@
         </p:nvSpPr>
         <p:spPr>
           <a:xfrm>
-            <a:off x="3408097" y="6363010"/>
-            <a:ext cx="1371600" cy="276999"/>
+            <a:off x="4818100" y="6385547"/>
+            <a:ext cx="1186542" cy="246221"/>
           </a:xfrm>
           <a:prstGeom prst="rect">
             <a:avLst/>
@@ -3851,7 +4057,7 @@
         </p:spPr>
         <p:txBody>
           <a:bodyPr wrap="none" rtlCol="0">
-            <a:noAutofit/>
+            <a:spAutoFit/>
           </a:bodyPr>
           <a:lstStyle/>
           <a:p>
@@ -3869,14 +4075,13 @@
           <p:cNvPr id="39" name="Straight Arrow Connector 38"/>
           <p:cNvCxnSpPr>
             <a:stCxn id="35" idx="2"/>
-            <a:endCxn id="37" idx="0"/>
           </p:cNvCxnSpPr>
           <p:nvPr/>
         </p:nvCxnSpPr>
         <p:spPr>
           <a:xfrm>
-            <a:off x="4093897" y="6127373"/>
-            <a:ext cx="0" cy="235637"/>
+            <a:off x="5411371" y="6219157"/>
+            <a:ext cx="0" cy="176990"/>
           </a:xfrm>
           <a:prstGeom prst="straightConnector1">
             <a:avLst/>
@@ -3911,8 +4116,8 @@
         </p:nvCxnSpPr>
         <p:spPr>
           <a:xfrm flipH="1">
-            <a:off x="4551097" y="5630078"/>
-            <a:ext cx="243628" cy="358796"/>
+            <a:off x="5846746" y="6096046"/>
+            <a:ext cx="608386" cy="1"/>
           </a:xfrm>
           <a:prstGeom prst="straightConnector1">
             <a:avLst/>
@@ -3947,8 +4152,8 @@
         </p:nvCxnSpPr>
         <p:spPr>
           <a:xfrm flipH="1">
-            <a:off x="4642537" y="1685724"/>
-            <a:ext cx="823233" cy="348927"/>
+            <a:off x="6030291" y="1757879"/>
+            <a:ext cx="386370" cy="271983"/>
           </a:xfrm>
           <a:prstGeom prst="straightConnector1">
             <a:avLst/>
@@ -3982,9 +4187,9 @@
           <p:nvPr/>
         </p:nvCxnSpPr>
         <p:spPr>
-          <a:xfrm>
-            <a:off x="4093897" y="2173150"/>
-            <a:ext cx="0" cy="374234"/>
+          <a:xfrm flipH="1">
+            <a:off x="5411371" y="2152972"/>
+            <a:ext cx="1" cy="405012"/>
           </a:xfrm>
           <a:prstGeom prst="straightConnector1">
             <a:avLst/>
@@ -4019,8 +4224,8 @@
         </p:nvCxnSpPr>
         <p:spPr>
           <a:xfrm>
-            <a:off x="5008297" y="3638399"/>
-            <a:ext cx="2109374" cy="15948"/>
+            <a:off x="6200208" y="3724140"/>
+            <a:ext cx="1768305" cy="15948"/>
           </a:xfrm>
           <a:prstGeom prst="straightConnector1">
             <a:avLst/>
@@ -4055,8 +4260,8 @@
         </p:nvCxnSpPr>
         <p:spPr>
           <a:xfrm>
-            <a:off x="4665397" y="1432809"/>
-            <a:ext cx="800373" cy="252915"/>
+            <a:off x="6025482" y="1428020"/>
+            <a:ext cx="391179" cy="329859"/>
           </a:xfrm>
           <a:prstGeom prst="straightConnector1">
             <a:avLst/>
@@ -4091,8 +4296,8 @@
         </p:nvCxnSpPr>
         <p:spPr>
           <a:xfrm flipH="1">
-            <a:off x="4779697" y="3089638"/>
-            <a:ext cx="2566574" cy="0"/>
+            <a:off x="5980597" y="3173990"/>
+            <a:ext cx="2262030" cy="1389"/>
           </a:xfrm>
           <a:prstGeom prst="straightConnector1">
             <a:avLst/>
@@ -4126,9 +4331,9 @@
           <p:nvPr/>
         </p:nvCxnSpPr>
         <p:spPr>
-          <a:xfrm flipH="1">
-            <a:off x="6594181" y="4063709"/>
-            <a:ext cx="294890" cy="191696"/>
+          <a:xfrm flipH="1" flipV="1">
+            <a:off x="7354737" y="4341243"/>
+            <a:ext cx="613774" cy="1"/>
           </a:xfrm>
           <a:prstGeom prst="straightConnector1">
             <a:avLst/>
@@ -4163,8 +4368,8 @@
         </p:nvCxnSpPr>
         <p:spPr>
           <a:xfrm flipH="1">
-            <a:off x="4551097" y="4255405"/>
-            <a:ext cx="214284" cy="250847"/>
+            <a:off x="5846746" y="4341243"/>
+            <a:ext cx="608386" cy="1"/>
           </a:xfrm>
           <a:prstGeom prst="straightConnector1">
             <a:avLst/>
@@ -4199,8 +4404,8 @@
         </p:nvCxnSpPr>
         <p:spPr>
           <a:xfrm>
-            <a:off x="4093897" y="3228137"/>
-            <a:ext cx="0" cy="271762"/>
+            <a:off x="5411371" y="3298489"/>
+            <a:ext cx="0" cy="302540"/>
           </a:xfrm>
           <a:prstGeom prst="straightConnector1">
             <a:avLst/>
@@ -4232,8 +4437,8 @@
         </p:nvSpPr>
         <p:spPr>
           <a:xfrm>
-            <a:off x="4794725" y="5491578"/>
-            <a:ext cx="1828800" cy="276999"/>
+            <a:off x="6455132" y="5819047"/>
+            <a:ext cx="899605" cy="553998"/>
           </a:xfrm>
           <a:prstGeom prst="rect">
             <a:avLst/>
@@ -4242,14 +4447,28 @@
         </p:spPr>
         <p:txBody>
           <a:bodyPr wrap="none" rtlCol="0">
-            <a:noAutofit/>
+            <a:spAutoFit/>
           </a:bodyPr>
           <a:lstStyle/>
           <a:p>
             <a:pPr algn="ctr"/>
             <a:r>
               <a:rPr lang="en-US" sz="1000" dirty="0" smtClean="0"/>
-              <a:t>GATT_CONNECTION_STATUS_EVT</a:t>
+              <a:t>GATT</a:t>
+            </a:r>
+          </a:p>
+          <a:p>
+            <a:pPr algn="ctr"/>
+            <a:r>
+              <a:rPr lang="en-US" sz="1000" dirty="0" smtClean="0"/>
+              <a:t>CONNECTION</a:t>
+            </a:r>
+          </a:p>
+          <a:p>
+            <a:pPr algn="ctr"/>
+            <a:r>
+              <a:rPr lang="en-US" sz="1000" dirty="0" smtClean="0"/>
+              <a:t>STATUS_EVT</a:t>
             </a:r>
             <a:endParaRPr lang="en-US" sz="1000" dirty="0"/>
           </a:p>
@@ -4265,9 +4484,9 @@
           <p:nvPr/>
         </p:nvCxnSpPr>
         <p:spPr>
-          <a:xfrm flipH="1">
-            <a:off x="6623525" y="5630078"/>
-            <a:ext cx="951346" cy="0"/>
+          <a:xfrm flipH="1" flipV="1">
+            <a:off x="7354737" y="6096046"/>
+            <a:ext cx="978133" cy="1"/>
           </a:xfrm>
           <a:prstGeom prst="straightConnector1">
             <a:avLst/>
@@ -4302,8 +4521,8 @@
         </p:nvCxnSpPr>
         <p:spPr>
           <a:xfrm>
-            <a:off x="4893997" y="5184628"/>
-            <a:ext cx="2109374" cy="121"/>
+            <a:off x="6248299" y="5182029"/>
+            <a:ext cx="1635255" cy="0"/>
           </a:xfrm>
           <a:prstGeom prst="straightConnector1">
             <a:avLst/>
@@ -4327,10 +4546,6179 @@
           </a:fontRef>
         </p:style>
       </p:cxnSp>
+      <p:sp>
+        <p:nvSpPr>
+          <p:cNvPr id="44" name="TextBox 43"/>
+          <p:cNvSpPr txBox="1"/>
+          <p:nvPr/>
+        </p:nvSpPr>
+        <p:spPr>
+          <a:xfrm>
+            <a:off x="3127037" y="1575873"/>
+            <a:ext cx="1189748" cy="246221"/>
+          </a:xfrm>
+          <a:prstGeom prst="rect">
+            <a:avLst/>
+          </a:prstGeom>
+          <a:noFill/>
+        </p:spPr>
+        <p:txBody>
+          <a:bodyPr wrap="none" rtlCol="0">
+            <a:spAutoFit/>
+          </a:bodyPr>
+          <a:lstStyle/>
+          <a:p>
+            <a:pPr algn="ctr"/>
+            <a:r>
+              <a:rPr lang="en-US" sz="1000" smtClean="0"/>
+              <a:t>wiced_network_up</a:t>
+            </a:r>
+            <a:endParaRPr lang="en-US" sz="1000" dirty="0"/>
+          </a:p>
+        </p:txBody>
+      </p:sp>
+      <p:sp>
+        <p:nvSpPr>
+          <p:cNvPr id="46" name="TextBox 45"/>
+          <p:cNvSpPr txBox="1"/>
+          <p:nvPr/>
+        </p:nvSpPr>
+        <p:spPr>
+          <a:xfrm>
+            <a:off x="2973148" y="2096184"/>
+            <a:ext cx="1497526" cy="246221"/>
+          </a:xfrm>
+          <a:prstGeom prst="rect">
+            <a:avLst/>
+          </a:prstGeom>
+          <a:noFill/>
+        </p:spPr>
+        <p:txBody>
+          <a:bodyPr wrap="none" rtlCol="0">
+            <a:spAutoFit/>
+          </a:bodyPr>
+          <a:lstStyle/>
+          <a:p>
+            <a:pPr algn="ctr"/>
+            <a:r>
+              <a:rPr lang="en-US" sz="1000" dirty="0" err="1"/>
+              <a:t>w</a:t>
+            </a:r>
+            <a:r>
+              <a:rPr lang="en-US" sz="1000" dirty="0" err="1" smtClean="0"/>
+              <a:t>iced_hostname_lookup</a:t>
+            </a:r>
+            <a:endParaRPr lang="en-US" sz="1000" dirty="0"/>
+          </a:p>
+        </p:txBody>
+      </p:sp>
+      <p:sp>
+        <p:nvSpPr>
+          <p:cNvPr id="48" name="TextBox 47"/>
+          <p:cNvSpPr txBox="1"/>
+          <p:nvPr/>
+        </p:nvSpPr>
+        <p:spPr>
+          <a:xfrm>
+            <a:off x="3207989" y="2607442"/>
+            <a:ext cx="1027845" cy="400110"/>
+          </a:xfrm>
+          <a:prstGeom prst="rect">
+            <a:avLst/>
+          </a:prstGeom>
+          <a:noFill/>
+        </p:spPr>
+        <p:txBody>
+          <a:bodyPr wrap="none" rtlCol="0">
+            <a:spAutoFit/>
+          </a:bodyPr>
+          <a:lstStyle/>
+          <a:p>
+            <a:pPr algn="ctr"/>
+            <a:r>
+              <a:rPr lang="en-US" sz="1000" dirty="0" err="1" smtClean="0"/>
+              <a:t>resrouce_get</a:t>
+            </a:r>
+            <a:endParaRPr lang="en-US" sz="1000" dirty="0" smtClean="0"/>
+          </a:p>
+          <a:p>
+            <a:pPr algn="ctr"/>
+            <a:r>
+              <a:rPr lang="en-US" sz="1000" dirty="0" err="1" smtClean="0"/>
+              <a:t>readonly_buffer</a:t>
+            </a:r>
+            <a:endParaRPr lang="en-US" sz="1000" dirty="0"/>
+          </a:p>
+        </p:txBody>
+      </p:sp>
+      <p:sp>
+        <p:nvSpPr>
+          <p:cNvPr id="50" name="TextBox 49"/>
+          <p:cNvSpPr txBox="1"/>
+          <p:nvPr/>
+        </p:nvSpPr>
+        <p:spPr>
+          <a:xfrm>
+            <a:off x="3227225" y="3227336"/>
+            <a:ext cx="989373" cy="246221"/>
+          </a:xfrm>
+          <a:prstGeom prst="rect">
+            <a:avLst/>
+          </a:prstGeom>
+          <a:noFill/>
+        </p:spPr>
+        <p:txBody>
+          <a:bodyPr wrap="none" rtlCol="0">
+            <a:spAutoFit/>
+          </a:bodyPr>
+          <a:lstStyle/>
+          <a:p>
+            <a:pPr algn="ctr"/>
+            <a:r>
+              <a:rPr lang="en-US" sz="1000" smtClean="0"/>
+              <a:t>wiced_aws_init</a:t>
+            </a:r>
+            <a:endParaRPr lang="en-US" sz="1000" dirty="0"/>
+          </a:p>
+        </p:txBody>
+      </p:sp>
+      <p:sp>
+        <p:nvSpPr>
+          <p:cNvPr id="51" name="TextBox 50"/>
+          <p:cNvSpPr txBox="1"/>
+          <p:nvPr/>
+        </p:nvSpPr>
+        <p:spPr>
+          <a:xfrm>
+            <a:off x="3102190" y="3747647"/>
+            <a:ext cx="1239442" cy="246221"/>
+          </a:xfrm>
+          <a:prstGeom prst="rect">
+            <a:avLst/>
+          </a:prstGeom>
+          <a:noFill/>
+        </p:spPr>
+        <p:txBody>
+          <a:bodyPr wrap="none" rtlCol="0">
+            <a:spAutoFit/>
+          </a:bodyPr>
+          <a:lstStyle/>
+          <a:p>
+            <a:pPr algn="ctr"/>
+            <a:r>
+              <a:rPr lang="en-US" sz="1000" smtClean="0"/>
+              <a:t>wiced_aws_connect</a:t>
+            </a:r>
+            <a:endParaRPr lang="en-US" sz="1000" dirty="0"/>
+          </a:p>
+        </p:txBody>
+      </p:sp>
+      <p:sp>
+        <p:nvSpPr>
+          <p:cNvPr id="52" name="TextBox 51"/>
+          <p:cNvSpPr txBox="1"/>
+          <p:nvPr/>
+        </p:nvSpPr>
+        <p:spPr>
+          <a:xfrm>
+            <a:off x="3064519" y="4322283"/>
+            <a:ext cx="1314784" cy="246221"/>
+          </a:xfrm>
+          <a:prstGeom prst="rect">
+            <a:avLst/>
+          </a:prstGeom>
+          <a:noFill/>
+        </p:spPr>
+        <p:txBody>
+          <a:bodyPr wrap="none" rtlCol="0">
+            <a:spAutoFit/>
+          </a:bodyPr>
+          <a:lstStyle/>
+          <a:p>
+            <a:pPr algn="ctr"/>
+            <a:r>
+              <a:rPr lang="en-US" sz="1000"/>
+              <a:t>w</a:t>
+            </a:r>
+            <a:r>
+              <a:rPr lang="en-US" sz="1000" smtClean="0"/>
+              <a:t>iced_aws_subscribe</a:t>
+            </a:r>
+            <a:endParaRPr lang="en-US" sz="1000" dirty="0"/>
+          </a:p>
+        </p:txBody>
+      </p:sp>
+      <p:sp>
+        <p:nvSpPr>
+          <p:cNvPr id="53" name="TextBox 52"/>
+          <p:cNvSpPr txBox="1"/>
+          <p:nvPr/>
+        </p:nvSpPr>
+        <p:spPr>
+          <a:xfrm>
+            <a:off x="3141464" y="5058918"/>
+            <a:ext cx="1160895" cy="246221"/>
+          </a:xfrm>
+          <a:prstGeom prst="rect">
+            <a:avLst/>
+          </a:prstGeom>
+          <a:noFill/>
+        </p:spPr>
+        <p:txBody>
+          <a:bodyPr wrap="none" rtlCol="0">
+            <a:spAutoFit/>
+          </a:bodyPr>
+          <a:lstStyle/>
+          <a:p>
+            <a:pPr algn="ctr"/>
+            <a:r>
+              <a:rPr lang="en-US" sz="1000" dirty="0" err="1" smtClean="0"/>
+              <a:t>aws_data_callback</a:t>
+            </a:r>
+            <a:endParaRPr lang="en-US" sz="1000" dirty="0"/>
+          </a:p>
+        </p:txBody>
+      </p:sp>
+      <p:sp>
+        <p:nvSpPr>
+          <p:cNvPr id="54" name="TextBox 53"/>
+          <p:cNvSpPr txBox="1"/>
+          <p:nvPr/>
+        </p:nvSpPr>
+        <p:spPr>
+          <a:xfrm>
+            <a:off x="1430647" y="4981973"/>
+            <a:ext cx="1362874" cy="400110"/>
+          </a:xfrm>
+          <a:prstGeom prst="rect">
+            <a:avLst/>
+          </a:prstGeom>
+          <a:noFill/>
+        </p:spPr>
+        <p:txBody>
+          <a:bodyPr wrap="none" rtlCol="0">
+            <a:spAutoFit/>
+          </a:bodyPr>
+          <a:lstStyle/>
+          <a:p>
+            <a:pPr algn="ctr"/>
+            <a:r>
+              <a:rPr lang="en-US" sz="1000" dirty="0"/>
+              <a:t>WICED_AWS_EVENT</a:t>
+            </a:r>
+            <a:r>
+              <a:rPr lang="en-US" sz="1000" dirty="0" smtClean="0"/>
+              <a:t>_</a:t>
+            </a:r>
+          </a:p>
+          <a:p>
+            <a:pPr algn="ctr"/>
+            <a:r>
+              <a:rPr lang="en-US" sz="1000" dirty="0" smtClean="0"/>
+              <a:t>TYPE_DATA_RECEIVED</a:t>
+            </a:r>
+            <a:endParaRPr lang="en-US" sz="1000" dirty="0"/>
+          </a:p>
+        </p:txBody>
+      </p:sp>
+      <p:cxnSp>
+        <p:nvCxnSpPr>
+          <p:cNvPr id="55" name="Straight Arrow Connector 54"/>
+          <p:cNvCxnSpPr>
+            <a:stCxn id="53" idx="3"/>
+            <a:endCxn id="28" idx="1"/>
+          </p:cNvCxnSpPr>
+          <p:nvPr/>
+        </p:nvCxnSpPr>
+        <p:spPr>
+          <a:xfrm>
+            <a:off x="4302359" y="5182029"/>
+            <a:ext cx="272084" cy="0"/>
+          </a:xfrm>
+          <a:prstGeom prst="straightConnector1">
+            <a:avLst/>
+          </a:prstGeom>
+          <a:ln>
+            <a:tailEnd type="triangle"/>
+          </a:ln>
+        </p:spPr>
+        <p:style>
+          <a:lnRef idx="1">
+            <a:schemeClr val="accent1"/>
+          </a:lnRef>
+          <a:fillRef idx="0">
+            <a:schemeClr val="accent1"/>
+          </a:fillRef>
+          <a:effectRef idx="0">
+            <a:schemeClr val="accent1"/>
+          </a:effectRef>
+          <a:fontRef idx="minor">
+            <a:schemeClr val="tx1"/>
+          </a:fontRef>
+        </p:style>
+      </p:cxnSp>
+      <p:cxnSp>
+        <p:nvCxnSpPr>
+          <p:cNvPr id="57" name="Straight Arrow Connector 56"/>
+          <p:cNvCxnSpPr>
+            <a:stCxn id="54" idx="3"/>
+            <a:endCxn id="53" idx="1"/>
+          </p:cNvCxnSpPr>
+          <p:nvPr/>
+        </p:nvCxnSpPr>
+        <p:spPr>
+          <a:xfrm>
+            <a:off x="2793521" y="5182028"/>
+            <a:ext cx="347943" cy="1"/>
+          </a:xfrm>
+          <a:prstGeom prst="straightConnector1">
+            <a:avLst/>
+          </a:prstGeom>
+          <a:ln>
+            <a:tailEnd type="triangle"/>
+          </a:ln>
+        </p:spPr>
+        <p:style>
+          <a:lnRef idx="1">
+            <a:schemeClr val="accent1"/>
+          </a:lnRef>
+          <a:fillRef idx="0">
+            <a:schemeClr val="accent1"/>
+          </a:fillRef>
+          <a:effectRef idx="0">
+            <a:schemeClr val="accent1"/>
+          </a:effectRef>
+          <a:fontRef idx="minor">
+            <a:schemeClr val="tx1"/>
+          </a:fontRef>
+        </p:style>
+      </p:cxnSp>
+      <p:cxnSp>
+        <p:nvCxnSpPr>
+          <p:cNvPr id="58" name="Straight Arrow Connector 57"/>
+          <p:cNvCxnSpPr>
+            <a:stCxn id="44" idx="2"/>
+            <a:endCxn id="46" idx="0"/>
+          </p:cNvCxnSpPr>
+          <p:nvPr/>
+        </p:nvCxnSpPr>
+        <p:spPr>
+          <a:xfrm>
+            <a:off x="3721911" y="1822094"/>
+            <a:ext cx="0" cy="274090"/>
+          </a:xfrm>
+          <a:prstGeom prst="straightConnector1">
+            <a:avLst/>
+          </a:prstGeom>
+          <a:ln>
+            <a:tailEnd type="triangle"/>
+          </a:ln>
+        </p:spPr>
+        <p:style>
+          <a:lnRef idx="1">
+            <a:schemeClr val="accent1"/>
+          </a:lnRef>
+          <a:fillRef idx="0">
+            <a:schemeClr val="accent1"/>
+          </a:fillRef>
+          <a:effectRef idx="0">
+            <a:schemeClr val="accent1"/>
+          </a:effectRef>
+          <a:fontRef idx="minor">
+            <a:schemeClr val="tx1"/>
+          </a:fontRef>
+        </p:style>
+      </p:cxnSp>
+      <p:cxnSp>
+        <p:nvCxnSpPr>
+          <p:cNvPr id="61" name="Straight Arrow Connector 60"/>
+          <p:cNvCxnSpPr>
+            <a:stCxn id="46" idx="2"/>
+            <a:endCxn id="48" idx="0"/>
+          </p:cNvCxnSpPr>
+          <p:nvPr/>
+        </p:nvCxnSpPr>
+        <p:spPr>
+          <a:xfrm>
+            <a:off x="3721911" y="2342405"/>
+            <a:ext cx="1" cy="265037"/>
+          </a:xfrm>
+          <a:prstGeom prst="straightConnector1">
+            <a:avLst/>
+          </a:prstGeom>
+          <a:ln>
+            <a:tailEnd type="triangle"/>
+          </a:ln>
+        </p:spPr>
+        <p:style>
+          <a:lnRef idx="1">
+            <a:schemeClr val="accent1"/>
+          </a:lnRef>
+          <a:fillRef idx="0">
+            <a:schemeClr val="accent1"/>
+          </a:fillRef>
+          <a:effectRef idx="0">
+            <a:schemeClr val="accent1"/>
+          </a:effectRef>
+          <a:fontRef idx="minor">
+            <a:schemeClr val="tx1"/>
+          </a:fontRef>
+        </p:style>
+      </p:cxnSp>
+      <p:cxnSp>
+        <p:nvCxnSpPr>
+          <p:cNvPr id="62" name="Straight Arrow Connector 61"/>
+          <p:cNvCxnSpPr>
+            <a:stCxn id="48" idx="2"/>
+            <a:endCxn id="50" idx="0"/>
+          </p:cNvCxnSpPr>
+          <p:nvPr/>
+        </p:nvCxnSpPr>
+        <p:spPr>
+          <a:xfrm>
+            <a:off x="3721912" y="3007552"/>
+            <a:ext cx="0" cy="219784"/>
+          </a:xfrm>
+          <a:prstGeom prst="straightConnector1">
+            <a:avLst/>
+          </a:prstGeom>
+          <a:ln>
+            <a:tailEnd type="triangle"/>
+          </a:ln>
+        </p:spPr>
+        <p:style>
+          <a:lnRef idx="1">
+            <a:schemeClr val="accent1"/>
+          </a:lnRef>
+          <a:fillRef idx="0">
+            <a:schemeClr val="accent1"/>
+          </a:fillRef>
+          <a:effectRef idx="0">
+            <a:schemeClr val="accent1"/>
+          </a:effectRef>
+          <a:fontRef idx="minor">
+            <a:schemeClr val="tx1"/>
+          </a:fontRef>
+        </p:style>
+      </p:cxnSp>
+      <p:cxnSp>
+        <p:nvCxnSpPr>
+          <p:cNvPr id="67" name="Straight Arrow Connector 66"/>
+          <p:cNvCxnSpPr>
+            <a:stCxn id="50" idx="2"/>
+            <a:endCxn id="51" idx="0"/>
+          </p:cNvCxnSpPr>
+          <p:nvPr/>
+        </p:nvCxnSpPr>
+        <p:spPr>
+          <a:xfrm flipH="1">
+            <a:off x="3721911" y="3473557"/>
+            <a:ext cx="1" cy="274090"/>
+          </a:xfrm>
+          <a:prstGeom prst="straightConnector1">
+            <a:avLst/>
+          </a:prstGeom>
+          <a:ln>
+            <a:tailEnd type="triangle"/>
+          </a:ln>
+        </p:spPr>
+        <p:style>
+          <a:lnRef idx="1">
+            <a:schemeClr val="accent1"/>
+          </a:lnRef>
+          <a:fillRef idx="0">
+            <a:schemeClr val="accent1"/>
+          </a:fillRef>
+          <a:effectRef idx="0">
+            <a:schemeClr val="accent1"/>
+          </a:effectRef>
+          <a:fontRef idx="minor">
+            <a:schemeClr val="tx1"/>
+          </a:fontRef>
+        </p:style>
+      </p:cxnSp>
+      <p:cxnSp>
+        <p:nvCxnSpPr>
+          <p:cNvPr id="68" name="Straight Arrow Connector 67"/>
+          <p:cNvCxnSpPr/>
+          <p:nvPr/>
+        </p:nvCxnSpPr>
+        <p:spPr>
+          <a:xfrm flipH="1">
+            <a:off x="425513" y="1716029"/>
+            <a:ext cx="2701525" cy="5500"/>
+          </a:xfrm>
+          <a:prstGeom prst="straightConnector1">
+            <a:avLst/>
+          </a:prstGeom>
+          <a:ln>
+            <a:headEnd type="triangle"/>
+            <a:tailEnd type="triangle"/>
+          </a:ln>
+        </p:spPr>
+        <p:style>
+          <a:lnRef idx="1">
+            <a:schemeClr val="accent1"/>
+          </a:lnRef>
+          <a:fillRef idx="0">
+            <a:schemeClr val="accent1"/>
+          </a:fillRef>
+          <a:effectRef idx="0">
+            <a:schemeClr val="accent1"/>
+          </a:effectRef>
+          <a:fontRef idx="minor">
+            <a:schemeClr val="tx1"/>
+          </a:fontRef>
+        </p:style>
+      </p:cxnSp>
+      <p:cxnSp>
+        <p:nvCxnSpPr>
+          <p:cNvPr id="71" name="Straight Arrow Connector 70"/>
+          <p:cNvCxnSpPr>
+            <a:stCxn id="51" idx="2"/>
+            <a:endCxn id="52" idx="0"/>
+          </p:cNvCxnSpPr>
+          <p:nvPr/>
+        </p:nvCxnSpPr>
+        <p:spPr>
+          <a:xfrm>
+            <a:off x="3721911" y="3993868"/>
+            <a:ext cx="0" cy="328415"/>
+          </a:xfrm>
+          <a:prstGeom prst="straightConnector1">
+            <a:avLst/>
+          </a:prstGeom>
+          <a:ln>
+            <a:tailEnd type="triangle"/>
+          </a:ln>
+        </p:spPr>
+        <p:style>
+          <a:lnRef idx="1">
+            <a:schemeClr val="accent1"/>
+          </a:lnRef>
+          <a:fillRef idx="0">
+            <a:schemeClr val="accent1"/>
+          </a:fillRef>
+          <a:effectRef idx="0">
+            <a:schemeClr val="accent1"/>
+          </a:effectRef>
+          <a:fontRef idx="minor">
+            <a:schemeClr val="tx1"/>
+          </a:fontRef>
+        </p:style>
+      </p:cxnSp>
+      <p:sp>
+        <p:nvSpPr>
+          <p:cNvPr id="79" name="TextBox 78"/>
+          <p:cNvSpPr txBox="1"/>
+          <p:nvPr/>
+        </p:nvSpPr>
+        <p:spPr>
+          <a:xfrm>
+            <a:off x="1282955" y="1301291"/>
+            <a:ext cx="1225014" cy="400110"/>
+          </a:xfrm>
+          <a:prstGeom prst="rect">
+            <a:avLst/>
+          </a:prstGeom>
+          <a:noFill/>
+        </p:spPr>
+        <p:txBody>
+          <a:bodyPr wrap="none" rtlCol="0">
+            <a:spAutoFit/>
+          </a:bodyPr>
+          <a:lstStyle/>
+          <a:p>
+            <a:pPr algn="ctr"/>
+            <a:r>
+              <a:rPr lang="en-US" sz="1000" dirty="0" err="1" smtClean="0"/>
+              <a:t>WiFi</a:t>
+            </a:r>
+            <a:r>
+              <a:rPr lang="en-US" sz="1000" dirty="0" smtClean="0"/>
+              <a:t> WPA2 Connect</a:t>
+            </a:r>
+          </a:p>
+          <a:p>
+            <a:pPr algn="ctr"/>
+            <a:r>
+              <a:rPr lang="en-US" sz="1000" dirty="0" smtClean="0"/>
+              <a:t>DHCP</a:t>
+            </a:r>
+            <a:r>
+              <a:rPr lang="mr-IN" sz="1000" dirty="0" smtClean="0"/>
+              <a:t>…</a:t>
+            </a:r>
+            <a:endParaRPr lang="en-US" sz="1000" dirty="0"/>
+          </a:p>
+        </p:txBody>
+      </p:sp>
+      <p:cxnSp>
+        <p:nvCxnSpPr>
+          <p:cNvPr id="81" name="Straight Arrow Connector 80"/>
+          <p:cNvCxnSpPr>
+            <a:stCxn id="46" idx="1"/>
+          </p:cNvCxnSpPr>
+          <p:nvPr/>
+        </p:nvCxnSpPr>
+        <p:spPr>
+          <a:xfrm flipH="1" flipV="1">
+            <a:off x="425514" y="2195893"/>
+            <a:ext cx="2547634" cy="23402"/>
+          </a:xfrm>
+          <a:prstGeom prst="straightConnector1">
+            <a:avLst/>
+          </a:prstGeom>
+          <a:ln>
+            <a:headEnd type="triangle"/>
+            <a:tailEnd type="triangle"/>
+          </a:ln>
+        </p:spPr>
+        <p:style>
+          <a:lnRef idx="1">
+            <a:schemeClr val="accent1"/>
+          </a:lnRef>
+          <a:fillRef idx="0">
+            <a:schemeClr val="accent1"/>
+          </a:fillRef>
+          <a:effectRef idx="0">
+            <a:schemeClr val="accent1"/>
+          </a:effectRef>
+          <a:fontRef idx="minor">
+            <a:schemeClr val="tx1"/>
+          </a:fontRef>
+        </p:style>
+      </p:cxnSp>
+      <p:sp>
+        <p:nvSpPr>
+          <p:cNvPr id="82" name="TextBox 81"/>
+          <p:cNvSpPr txBox="1"/>
+          <p:nvPr/>
+        </p:nvSpPr>
+        <p:spPr>
+          <a:xfrm>
+            <a:off x="1498324" y="1969983"/>
+            <a:ext cx="639920" cy="246221"/>
+          </a:xfrm>
+          <a:prstGeom prst="rect">
+            <a:avLst/>
+          </a:prstGeom>
+          <a:noFill/>
+        </p:spPr>
+        <p:txBody>
+          <a:bodyPr wrap="none" rtlCol="0">
+            <a:spAutoFit/>
+          </a:bodyPr>
+          <a:lstStyle/>
+          <a:p>
+            <a:pPr algn="ctr"/>
+            <a:r>
+              <a:rPr lang="mr-IN" sz="1000" dirty="0" smtClean="0"/>
+              <a:t>…</a:t>
+            </a:r>
+            <a:r>
+              <a:rPr lang="en-US" sz="1000" dirty="0" smtClean="0"/>
+              <a:t> DNS </a:t>
+            </a:r>
+            <a:r>
+              <a:rPr lang="mr-IN" sz="1000" dirty="0" smtClean="0"/>
+              <a:t>…</a:t>
+            </a:r>
+            <a:endParaRPr lang="en-US" sz="1000" dirty="0"/>
+          </a:p>
+        </p:txBody>
+      </p:sp>
+      <p:sp>
+        <p:nvSpPr>
+          <p:cNvPr id="84" name="TextBox 83"/>
+          <p:cNvSpPr txBox="1"/>
+          <p:nvPr/>
+        </p:nvSpPr>
+        <p:spPr>
+          <a:xfrm>
+            <a:off x="10372134" y="633639"/>
+            <a:ext cx="519694" cy="369332"/>
+          </a:xfrm>
+          <a:prstGeom prst="rect">
+            <a:avLst/>
+          </a:prstGeom>
+          <a:noFill/>
+        </p:spPr>
+        <p:txBody>
+          <a:bodyPr wrap="none" rtlCol="0">
+            <a:spAutoFit/>
+          </a:bodyPr>
+          <a:lstStyle/>
+          <a:p>
+            <a:pPr algn="ctr"/>
+            <a:r>
+              <a:rPr lang="en-US" u="sng" dirty="0" smtClean="0"/>
+              <a:t>BLE</a:t>
+            </a:r>
+            <a:endParaRPr lang="en-US" u="sng" dirty="0"/>
+          </a:p>
+        </p:txBody>
+      </p:sp>
+      <p:cxnSp>
+        <p:nvCxnSpPr>
+          <p:cNvPr id="85" name="Straight Arrow Connector 84"/>
+          <p:cNvCxnSpPr>
+            <a:stCxn id="51" idx="1"/>
+          </p:cNvCxnSpPr>
+          <p:nvPr/>
+        </p:nvCxnSpPr>
+        <p:spPr>
+          <a:xfrm flipH="1" flipV="1">
+            <a:off x="425513" y="3863198"/>
+            <a:ext cx="2676677" cy="7560"/>
+          </a:xfrm>
+          <a:prstGeom prst="straightConnector1">
+            <a:avLst/>
+          </a:prstGeom>
+          <a:ln>
+            <a:headEnd type="triangle"/>
+            <a:tailEnd type="triangle"/>
+          </a:ln>
+        </p:spPr>
+        <p:style>
+          <a:lnRef idx="1">
+            <a:schemeClr val="accent1"/>
+          </a:lnRef>
+          <a:fillRef idx="0">
+            <a:schemeClr val="accent1"/>
+          </a:fillRef>
+          <a:effectRef idx="0">
+            <a:schemeClr val="accent1"/>
+          </a:effectRef>
+          <a:fontRef idx="minor">
+            <a:schemeClr val="tx1"/>
+          </a:fontRef>
+        </p:style>
+      </p:cxnSp>
+      <p:cxnSp>
+        <p:nvCxnSpPr>
+          <p:cNvPr id="86" name="Straight Arrow Connector 85"/>
+          <p:cNvCxnSpPr>
+            <a:stCxn id="52" idx="1"/>
+          </p:cNvCxnSpPr>
+          <p:nvPr/>
+        </p:nvCxnSpPr>
+        <p:spPr>
+          <a:xfrm flipH="1" flipV="1">
+            <a:off x="425513" y="4438120"/>
+            <a:ext cx="2639006" cy="7274"/>
+          </a:xfrm>
+          <a:prstGeom prst="straightConnector1">
+            <a:avLst/>
+          </a:prstGeom>
+          <a:ln>
+            <a:headEnd type="none"/>
+            <a:tailEnd type="triangle"/>
+          </a:ln>
+        </p:spPr>
+        <p:style>
+          <a:lnRef idx="1">
+            <a:schemeClr val="accent1"/>
+          </a:lnRef>
+          <a:fillRef idx="0">
+            <a:schemeClr val="accent1"/>
+          </a:fillRef>
+          <a:effectRef idx="0">
+            <a:schemeClr val="accent1"/>
+          </a:effectRef>
+          <a:fontRef idx="minor">
+            <a:schemeClr val="tx1"/>
+          </a:fontRef>
+        </p:style>
+      </p:cxnSp>
+      <p:sp>
+        <p:nvSpPr>
+          <p:cNvPr id="90" name="TextBox 89"/>
+          <p:cNvSpPr txBox="1"/>
+          <p:nvPr/>
+        </p:nvSpPr>
+        <p:spPr>
+          <a:xfrm>
+            <a:off x="1344228" y="3489195"/>
+            <a:ext cx="966931" cy="400110"/>
+          </a:xfrm>
+          <a:prstGeom prst="rect">
+            <a:avLst/>
+          </a:prstGeom>
+          <a:noFill/>
+        </p:spPr>
+        <p:txBody>
+          <a:bodyPr wrap="none" rtlCol="0">
+            <a:spAutoFit/>
+          </a:bodyPr>
+          <a:lstStyle/>
+          <a:p>
+            <a:pPr algn="ctr"/>
+            <a:r>
+              <a:rPr lang="en-US" sz="1000" dirty="0" smtClean="0"/>
+              <a:t>TLS</a:t>
+            </a:r>
+          </a:p>
+          <a:p>
+            <a:pPr algn="ctr"/>
+            <a:r>
+              <a:rPr lang="en-US" sz="1000" dirty="0" smtClean="0"/>
+              <a:t>MQTT Connect</a:t>
+            </a:r>
+            <a:endParaRPr lang="en-US" sz="1000" dirty="0"/>
+          </a:p>
+        </p:txBody>
+      </p:sp>
+      <p:sp>
+        <p:nvSpPr>
+          <p:cNvPr id="91" name="TextBox 90"/>
+          <p:cNvSpPr txBox="1"/>
+          <p:nvPr/>
+        </p:nvSpPr>
+        <p:spPr>
+          <a:xfrm>
+            <a:off x="1340377" y="4191899"/>
+            <a:ext cx="1037463" cy="246221"/>
+          </a:xfrm>
+          <a:prstGeom prst="rect">
+            <a:avLst/>
+          </a:prstGeom>
+          <a:noFill/>
+        </p:spPr>
+        <p:txBody>
+          <a:bodyPr wrap="none" rtlCol="0">
+            <a:spAutoFit/>
+          </a:bodyPr>
+          <a:lstStyle/>
+          <a:p>
+            <a:pPr algn="ctr"/>
+            <a:r>
+              <a:rPr lang="en-US" sz="1000" dirty="0" smtClean="0"/>
+              <a:t>MQTT Subscribe</a:t>
+            </a:r>
+            <a:endParaRPr lang="en-US" sz="1000" dirty="0"/>
+          </a:p>
+        </p:txBody>
+      </p:sp>
+      <p:cxnSp>
+        <p:nvCxnSpPr>
+          <p:cNvPr id="100" name="Straight Connector 99"/>
+          <p:cNvCxnSpPr/>
+          <p:nvPr/>
+        </p:nvCxnSpPr>
+        <p:spPr>
+          <a:xfrm flipH="1">
+            <a:off x="1230401" y="460830"/>
+            <a:ext cx="52935" cy="5875670"/>
+          </a:xfrm>
+          <a:prstGeom prst="line">
+            <a:avLst/>
+          </a:prstGeom>
+        </p:spPr>
+        <p:style>
+          <a:lnRef idx="1">
+            <a:schemeClr val="accent1"/>
+          </a:lnRef>
+          <a:fillRef idx="0">
+            <a:schemeClr val="accent1"/>
+          </a:fillRef>
+          <a:effectRef idx="0">
+            <a:schemeClr val="accent1"/>
+          </a:effectRef>
+          <a:fontRef idx="minor">
+            <a:schemeClr val="tx1"/>
+          </a:fontRef>
+        </p:style>
+      </p:cxnSp>
+      <p:sp>
+        <p:nvSpPr>
+          <p:cNvPr id="103" name="TextBox 102"/>
+          <p:cNvSpPr txBox="1"/>
+          <p:nvPr/>
+        </p:nvSpPr>
+        <p:spPr>
+          <a:xfrm>
+            <a:off x="120641" y="253055"/>
+            <a:ext cx="1186543" cy="646331"/>
+          </a:xfrm>
+          <a:prstGeom prst="rect">
+            <a:avLst/>
+          </a:prstGeom>
+          <a:noFill/>
+        </p:spPr>
+        <p:txBody>
+          <a:bodyPr wrap="none" rtlCol="0">
+            <a:spAutoFit/>
+          </a:bodyPr>
+          <a:lstStyle/>
+          <a:p>
+            <a:pPr algn="ctr"/>
+            <a:r>
+              <a:rPr lang="en-US" u="sng" dirty="0" err="1" smtClean="0"/>
+              <a:t>WiFi</a:t>
+            </a:r>
+            <a:r>
+              <a:rPr lang="en-US" u="sng" dirty="0" smtClean="0"/>
+              <a:t> Radio</a:t>
+            </a:r>
+          </a:p>
+          <a:p>
+            <a:pPr algn="ctr"/>
+            <a:r>
+              <a:rPr lang="en-US" u="sng" dirty="0" smtClean="0"/>
+              <a:t>Waves</a:t>
+            </a:r>
+            <a:endParaRPr lang="en-US" u="sng" dirty="0"/>
+          </a:p>
+        </p:txBody>
+      </p:sp>
+      <p:cxnSp>
+        <p:nvCxnSpPr>
+          <p:cNvPr id="110" name="Straight Arrow Connector 109"/>
+          <p:cNvCxnSpPr>
+            <a:stCxn id="54" idx="1"/>
+          </p:cNvCxnSpPr>
+          <p:nvPr/>
+        </p:nvCxnSpPr>
+        <p:spPr>
+          <a:xfrm flipH="1">
+            <a:off x="425513" y="5182028"/>
+            <a:ext cx="1005134" cy="0"/>
+          </a:xfrm>
+          <a:prstGeom prst="straightConnector1">
+            <a:avLst/>
+          </a:prstGeom>
+          <a:ln>
+            <a:headEnd type="triangle"/>
+            <a:tailEnd type="none"/>
+          </a:ln>
+        </p:spPr>
+        <p:style>
+          <a:lnRef idx="1">
+            <a:schemeClr val="accent1"/>
+          </a:lnRef>
+          <a:fillRef idx="0">
+            <a:schemeClr val="accent1"/>
+          </a:fillRef>
+          <a:effectRef idx="0">
+            <a:schemeClr val="accent1"/>
+          </a:effectRef>
+          <a:fontRef idx="minor">
+            <a:schemeClr val="tx1"/>
+          </a:fontRef>
+        </p:style>
+      </p:cxnSp>
+      <p:sp>
+        <p:nvSpPr>
+          <p:cNvPr id="122" name="TextBox 121"/>
+          <p:cNvSpPr txBox="1"/>
+          <p:nvPr/>
+        </p:nvSpPr>
+        <p:spPr>
+          <a:xfrm>
+            <a:off x="10806207" y="1193816"/>
+            <a:ext cx="878767" cy="246221"/>
+          </a:xfrm>
+          <a:prstGeom prst="rect">
+            <a:avLst/>
+          </a:prstGeom>
+          <a:noFill/>
+        </p:spPr>
+        <p:txBody>
+          <a:bodyPr wrap="none" rtlCol="0">
+            <a:spAutoFit/>
+          </a:bodyPr>
+          <a:lstStyle/>
+          <a:p>
+            <a:pPr algn="ctr"/>
+            <a:r>
+              <a:rPr lang="en-US" sz="1000" dirty="0" err="1" smtClean="0"/>
+              <a:t>Cy_BLE_Start</a:t>
+            </a:r>
+            <a:endParaRPr lang="en-US" sz="1000" dirty="0"/>
+          </a:p>
+        </p:txBody>
+      </p:sp>
+      <p:sp>
+        <p:nvSpPr>
+          <p:cNvPr id="124" name="TextBox 123"/>
+          <p:cNvSpPr txBox="1"/>
+          <p:nvPr/>
+        </p:nvSpPr>
+        <p:spPr>
+          <a:xfrm>
+            <a:off x="9213230" y="1385771"/>
+            <a:ext cx="829074" cy="400110"/>
+          </a:xfrm>
+          <a:prstGeom prst="rect">
+            <a:avLst/>
+          </a:prstGeom>
+          <a:noFill/>
+        </p:spPr>
+        <p:txBody>
+          <a:bodyPr wrap="none" rtlCol="0">
+            <a:spAutoFit/>
+          </a:bodyPr>
+          <a:lstStyle/>
+          <a:p>
+            <a:pPr algn="ctr"/>
+            <a:r>
+              <a:rPr lang="en-US" sz="1000" dirty="0" smtClean="0"/>
+              <a:t>CY_BLE_EVT</a:t>
+            </a:r>
+          </a:p>
+          <a:p>
+            <a:pPr algn="ctr"/>
+            <a:r>
+              <a:rPr lang="en-US" sz="1000" dirty="0" smtClean="0"/>
+              <a:t>STACK_ON</a:t>
+            </a:r>
+            <a:endParaRPr lang="en-US" sz="1000" dirty="0"/>
+          </a:p>
+        </p:txBody>
+      </p:sp>
+      <p:sp>
+        <p:nvSpPr>
+          <p:cNvPr id="125" name="TextBox 124"/>
+          <p:cNvSpPr txBox="1"/>
+          <p:nvPr/>
+        </p:nvSpPr>
+        <p:spPr>
+          <a:xfrm>
+            <a:off x="10798993" y="1935654"/>
+            <a:ext cx="893194" cy="246221"/>
+          </a:xfrm>
+          <a:prstGeom prst="rect">
+            <a:avLst/>
+          </a:prstGeom>
+          <a:noFill/>
+        </p:spPr>
+        <p:txBody>
+          <a:bodyPr wrap="none" rtlCol="0">
+            <a:spAutoFit/>
+          </a:bodyPr>
+          <a:lstStyle/>
+          <a:p>
+            <a:pPr algn="ctr"/>
+            <a:r>
+              <a:rPr lang="en-US" sz="1000" dirty="0" err="1"/>
+              <a:t>E</a:t>
+            </a:r>
+            <a:r>
+              <a:rPr lang="en-US" sz="1000" dirty="0" err="1" smtClean="0"/>
+              <a:t>vent</a:t>
+            </a:r>
+            <a:r>
+              <a:rPr lang="en-US" sz="1000" dirty="0" err="1" smtClean="0"/>
+              <a:t>Handler</a:t>
+            </a:r>
+            <a:endParaRPr lang="en-US" sz="1000" dirty="0"/>
+          </a:p>
+        </p:txBody>
+      </p:sp>
+      <p:sp>
+        <p:nvSpPr>
+          <p:cNvPr id="126" name="TextBox 125"/>
+          <p:cNvSpPr txBox="1"/>
+          <p:nvPr/>
+        </p:nvSpPr>
+        <p:spPr>
+          <a:xfrm>
+            <a:off x="10673959" y="2973934"/>
+            <a:ext cx="1143262" cy="400110"/>
+          </a:xfrm>
+          <a:prstGeom prst="rect">
+            <a:avLst/>
+          </a:prstGeom>
+          <a:noFill/>
+        </p:spPr>
+        <p:txBody>
+          <a:bodyPr wrap="none" rtlCol="0">
+            <a:spAutoFit/>
+          </a:bodyPr>
+          <a:lstStyle/>
+          <a:p>
+            <a:pPr algn="ctr"/>
+            <a:r>
+              <a:rPr lang="en-US" sz="1000" dirty="0" err="1" smtClean="0"/>
+              <a:t>Cy_BLE_GAP</a:t>
+            </a:r>
+            <a:endParaRPr lang="en-US" sz="1000" dirty="0" smtClean="0"/>
+          </a:p>
+          <a:p>
+            <a:pPr algn="ctr"/>
+            <a:r>
+              <a:rPr lang="en-US" sz="1000" dirty="0" err="1" smtClean="0"/>
+              <a:t>StartAdvertisment</a:t>
+            </a:r>
+            <a:endParaRPr lang="en-US" sz="1000" dirty="0"/>
+          </a:p>
+        </p:txBody>
+      </p:sp>
+      <p:sp>
+        <p:nvSpPr>
+          <p:cNvPr id="128" name="TextBox 127"/>
+          <p:cNvSpPr txBox="1"/>
+          <p:nvPr/>
+        </p:nvSpPr>
+        <p:spPr>
+          <a:xfrm>
+            <a:off x="9122661" y="5782834"/>
+            <a:ext cx="1010213" cy="553998"/>
+          </a:xfrm>
+          <a:prstGeom prst="rect">
+            <a:avLst/>
+          </a:prstGeom>
+          <a:noFill/>
+        </p:spPr>
+        <p:txBody>
+          <a:bodyPr wrap="none" rtlCol="0">
+            <a:spAutoFit/>
+          </a:bodyPr>
+          <a:lstStyle/>
+          <a:p>
+            <a:pPr algn="ctr"/>
+            <a:r>
+              <a:rPr lang="en-US" sz="1000" dirty="0" smtClean="0"/>
+              <a:t>CY_BLE_EVT</a:t>
+            </a:r>
+          </a:p>
+          <a:p>
+            <a:pPr algn="ctr"/>
+            <a:r>
+              <a:rPr lang="en-US" sz="1000" dirty="0" smtClean="0"/>
+              <a:t>GAP_DEVICE</a:t>
+            </a:r>
+          </a:p>
+          <a:p>
+            <a:pPr algn="ctr"/>
+            <a:r>
+              <a:rPr lang="en-US" sz="1000" dirty="0" smtClean="0"/>
+              <a:t>DISCONNECTED</a:t>
+            </a:r>
+            <a:endParaRPr lang="en-US" sz="1000" dirty="0"/>
+          </a:p>
+        </p:txBody>
+      </p:sp>
+      <p:sp>
+        <p:nvSpPr>
+          <p:cNvPr id="129" name="TextBox 128"/>
+          <p:cNvSpPr txBox="1"/>
+          <p:nvPr/>
+        </p:nvSpPr>
+        <p:spPr>
+          <a:xfrm>
+            <a:off x="9224669" y="3466091"/>
+            <a:ext cx="1042272" cy="553998"/>
+          </a:xfrm>
+          <a:prstGeom prst="rect">
+            <a:avLst/>
+          </a:prstGeom>
+          <a:noFill/>
+        </p:spPr>
+        <p:txBody>
+          <a:bodyPr wrap="none" rtlCol="0">
+            <a:spAutoFit/>
+          </a:bodyPr>
+          <a:lstStyle/>
+          <a:p>
+            <a:pPr algn="ctr"/>
+            <a:r>
+              <a:rPr lang="en-US" sz="1000" dirty="0" smtClean="0"/>
+              <a:t>CY_BLE_EVT</a:t>
+            </a:r>
+          </a:p>
+          <a:p>
+            <a:pPr algn="ctr"/>
+            <a:r>
+              <a:rPr lang="en-US" sz="1000" dirty="0" smtClean="0"/>
+              <a:t>GATT_CONNECT</a:t>
+            </a:r>
+          </a:p>
+          <a:p>
+            <a:pPr algn="ctr"/>
+            <a:r>
+              <a:rPr lang="en-US" sz="1000" dirty="0" smtClean="0"/>
+              <a:t>IND</a:t>
+            </a:r>
+            <a:endParaRPr lang="en-US" sz="1000" dirty="0"/>
+          </a:p>
+        </p:txBody>
+      </p:sp>
+      <p:sp>
+        <p:nvSpPr>
+          <p:cNvPr id="130" name="TextBox 129"/>
+          <p:cNvSpPr txBox="1"/>
+          <p:nvPr/>
+        </p:nvSpPr>
+        <p:spPr>
+          <a:xfrm>
+            <a:off x="9164339" y="4895975"/>
+            <a:ext cx="926857" cy="553998"/>
+          </a:xfrm>
+          <a:prstGeom prst="rect">
+            <a:avLst/>
+          </a:prstGeom>
+          <a:noFill/>
+        </p:spPr>
+        <p:txBody>
+          <a:bodyPr wrap="none" rtlCol="0">
+            <a:spAutoFit/>
+          </a:bodyPr>
+          <a:lstStyle/>
+          <a:p>
+            <a:pPr algn="ctr"/>
+            <a:r>
+              <a:rPr lang="en-US" sz="1000" dirty="0" smtClean="0"/>
+              <a:t>CY_BLE_EVT</a:t>
+            </a:r>
+          </a:p>
+          <a:p>
+            <a:pPr algn="ctr"/>
+            <a:r>
+              <a:rPr lang="en-US" sz="1000" dirty="0" smtClean="0"/>
+              <a:t>GATTS_WRITE</a:t>
+            </a:r>
+          </a:p>
+          <a:p>
+            <a:pPr algn="ctr"/>
+            <a:r>
+              <a:rPr lang="en-US" sz="1000" dirty="0" smtClean="0"/>
+              <a:t>REQ</a:t>
+            </a:r>
+          </a:p>
+        </p:txBody>
+      </p:sp>
+      <p:cxnSp>
+        <p:nvCxnSpPr>
+          <p:cNvPr id="131" name="Straight Arrow Connector 130"/>
+          <p:cNvCxnSpPr>
+            <a:stCxn id="30" idx="3"/>
+            <a:endCxn id="129" idx="1"/>
+          </p:cNvCxnSpPr>
+          <p:nvPr/>
+        </p:nvCxnSpPr>
+        <p:spPr>
+          <a:xfrm>
+            <a:off x="8925826" y="3740088"/>
+            <a:ext cx="298843" cy="3002"/>
+          </a:xfrm>
+          <a:prstGeom prst="straightConnector1">
+            <a:avLst/>
+          </a:prstGeom>
+          <a:ln>
+            <a:tailEnd type="triangle"/>
+          </a:ln>
+        </p:spPr>
+        <p:style>
+          <a:lnRef idx="1">
+            <a:schemeClr val="accent1"/>
+          </a:lnRef>
+          <a:fillRef idx="0">
+            <a:schemeClr val="accent1"/>
+          </a:fillRef>
+          <a:effectRef idx="0">
+            <a:schemeClr val="accent1"/>
+          </a:effectRef>
+          <a:fontRef idx="minor">
+            <a:schemeClr val="tx1"/>
+          </a:fontRef>
+        </p:style>
+      </p:cxnSp>
+      <p:cxnSp>
+        <p:nvCxnSpPr>
+          <p:cNvPr id="135" name="Straight Arrow Connector 134"/>
+          <p:cNvCxnSpPr>
+            <a:stCxn id="124" idx="3"/>
+            <a:endCxn id="125" idx="1"/>
+          </p:cNvCxnSpPr>
+          <p:nvPr/>
+        </p:nvCxnSpPr>
+        <p:spPr>
+          <a:xfrm>
+            <a:off x="10042304" y="1585826"/>
+            <a:ext cx="756689" cy="472939"/>
+          </a:xfrm>
+          <a:prstGeom prst="straightConnector1">
+            <a:avLst/>
+          </a:prstGeom>
+          <a:ln>
+            <a:tailEnd type="triangle"/>
+          </a:ln>
+        </p:spPr>
+        <p:style>
+          <a:lnRef idx="1">
+            <a:schemeClr val="accent1"/>
+          </a:lnRef>
+          <a:fillRef idx="0">
+            <a:schemeClr val="accent1"/>
+          </a:fillRef>
+          <a:effectRef idx="0">
+            <a:schemeClr val="accent1"/>
+          </a:effectRef>
+          <a:fontRef idx="minor">
+            <a:schemeClr val="tx1"/>
+          </a:fontRef>
+        </p:style>
+      </p:cxnSp>
+      <p:cxnSp>
+        <p:nvCxnSpPr>
+          <p:cNvPr id="138" name="Straight Arrow Connector 137"/>
+          <p:cNvCxnSpPr>
+            <a:stCxn id="122" idx="1"/>
+            <a:endCxn id="124" idx="3"/>
+          </p:cNvCxnSpPr>
+          <p:nvPr/>
+        </p:nvCxnSpPr>
+        <p:spPr>
+          <a:xfrm flipH="1">
+            <a:off x="10042304" y="1316927"/>
+            <a:ext cx="763903" cy="268899"/>
+          </a:xfrm>
+          <a:prstGeom prst="straightConnector1">
+            <a:avLst/>
+          </a:prstGeom>
+          <a:ln>
+            <a:tailEnd type="triangle"/>
+          </a:ln>
+        </p:spPr>
+        <p:style>
+          <a:lnRef idx="1">
+            <a:schemeClr val="accent1"/>
+          </a:lnRef>
+          <a:fillRef idx="0">
+            <a:schemeClr val="accent1"/>
+          </a:fillRef>
+          <a:effectRef idx="0">
+            <a:schemeClr val="accent1"/>
+          </a:effectRef>
+          <a:fontRef idx="minor">
+            <a:schemeClr val="tx1"/>
+          </a:fontRef>
+        </p:style>
+      </p:cxnSp>
+      <p:cxnSp>
+        <p:nvCxnSpPr>
+          <p:cNvPr id="141" name="Straight Arrow Connector 140"/>
+          <p:cNvCxnSpPr>
+            <a:stCxn id="125" idx="2"/>
+            <a:endCxn id="126" idx="0"/>
+          </p:cNvCxnSpPr>
+          <p:nvPr/>
+        </p:nvCxnSpPr>
+        <p:spPr>
+          <a:xfrm>
+            <a:off x="11245590" y="2181875"/>
+            <a:ext cx="0" cy="792059"/>
+          </a:xfrm>
+          <a:prstGeom prst="straightConnector1">
+            <a:avLst/>
+          </a:prstGeom>
+          <a:ln>
+            <a:tailEnd type="triangle"/>
+          </a:ln>
+        </p:spPr>
+        <p:style>
+          <a:lnRef idx="1">
+            <a:schemeClr val="accent1"/>
+          </a:lnRef>
+          <a:fillRef idx="0">
+            <a:schemeClr val="accent1"/>
+          </a:fillRef>
+          <a:effectRef idx="0">
+            <a:schemeClr val="accent1"/>
+          </a:effectRef>
+          <a:fontRef idx="minor">
+            <a:schemeClr val="tx1"/>
+          </a:fontRef>
+        </p:style>
+      </p:cxnSp>
+      <p:cxnSp>
+        <p:nvCxnSpPr>
+          <p:cNvPr id="144" name="Straight Arrow Connector 143"/>
+          <p:cNvCxnSpPr>
+            <a:stCxn id="126" idx="1"/>
+            <a:endCxn id="26" idx="3"/>
+          </p:cNvCxnSpPr>
+          <p:nvPr/>
+        </p:nvCxnSpPr>
+        <p:spPr>
+          <a:xfrm flipH="1">
+            <a:off x="8651713" y="3173989"/>
+            <a:ext cx="2022246" cy="1"/>
+          </a:xfrm>
+          <a:prstGeom prst="straightConnector1">
+            <a:avLst/>
+          </a:prstGeom>
+          <a:ln>
+            <a:tailEnd type="triangle"/>
+          </a:ln>
+        </p:spPr>
+        <p:style>
+          <a:lnRef idx="1">
+            <a:schemeClr val="accent1"/>
+          </a:lnRef>
+          <a:fillRef idx="0">
+            <a:schemeClr val="accent1"/>
+          </a:fillRef>
+          <a:effectRef idx="0">
+            <a:schemeClr val="accent1"/>
+          </a:effectRef>
+          <a:fontRef idx="minor">
+            <a:schemeClr val="tx1"/>
+          </a:fontRef>
+        </p:style>
+      </p:cxnSp>
+      <p:sp>
+        <p:nvSpPr>
+          <p:cNvPr id="147" name="TextBox 146"/>
+          <p:cNvSpPr txBox="1"/>
+          <p:nvPr/>
+        </p:nvSpPr>
+        <p:spPr>
+          <a:xfrm>
+            <a:off x="10798993" y="3619980"/>
+            <a:ext cx="893194" cy="246221"/>
+          </a:xfrm>
+          <a:prstGeom prst="rect">
+            <a:avLst/>
+          </a:prstGeom>
+          <a:noFill/>
+        </p:spPr>
+        <p:txBody>
+          <a:bodyPr wrap="none" rtlCol="0">
+            <a:spAutoFit/>
+          </a:bodyPr>
+          <a:lstStyle/>
+          <a:p>
+            <a:pPr algn="ctr"/>
+            <a:r>
+              <a:rPr lang="en-US" sz="1000" dirty="0" err="1"/>
+              <a:t>E</a:t>
+            </a:r>
+            <a:r>
+              <a:rPr lang="en-US" sz="1000" dirty="0" err="1" smtClean="0"/>
+              <a:t>vent</a:t>
+            </a:r>
+            <a:r>
+              <a:rPr lang="en-US" sz="1000" dirty="0" err="1" smtClean="0"/>
+              <a:t>Handler</a:t>
+            </a:r>
+            <a:endParaRPr lang="en-US" sz="1000" dirty="0"/>
+          </a:p>
+        </p:txBody>
+      </p:sp>
+      <p:cxnSp>
+        <p:nvCxnSpPr>
+          <p:cNvPr id="148" name="Straight Arrow Connector 147"/>
+          <p:cNvCxnSpPr>
+            <a:stCxn id="129" idx="3"/>
+            <a:endCxn id="147" idx="1"/>
+          </p:cNvCxnSpPr>
+          <p:nvPr/>
+        </p:nvCxnSpPr>
+        <p:spPr>
+          <a:xfrm>
+            <a:off x="10266941" y="3743090"/>
+            <a:ext cx="532052" cy="1"/>
+          </a:xfrm>
+          <a:prstGeom prst="straightConnector1">
+            <a:avLst/>
+          </a:prstGeom>
+          <a:ln>
+            <a:tailEnd type="triangle"/>
+          </a:ln>
+        </p:spPr>
+        <p:style>
+          <a:lnRef idx="1">
+            <a:schemeClr val="accent1"/>
+          </a:lnRef>
+          <a:fillRef idx="0">
+            <a:schemeClr val="accent1"/>
+          </a:fillRef>
+          <a:effectRef idx="0">
+            <a:schemeClr val="accent1"/>
+          </a:effectRef>
+          <a:fontRef idx="minor">
+            <a:schemeClr val="tx1"/>
+          </a:fontRef>
+        </p:style>
+      </p:cxnSp>
+      <p:sp>
+        <p:nvSpPr>
+          <p:cNvPr id="152" name="TextBox 151"/>
+          <p:cNvSpPr txBox="1"/>
+          <p:nvPr/>
+        </p:nvSpPr>
+        <p:spPr>
+          <a:xfrm>
+            <a:off x="10798993" y="5049864"/>
+            <a:ext cx="893194" cy="246221"/>
+          </a:xfrm>
+          <a:prstGeom prst="rect">
+            <a:avLst/>
+          </a:prstGeom>
+          <a:noFill/>
+        </p:spPr>
+        <p:txBody>
+          <a:bodyPr wrap="none" rtlCol="0">
+            <a:spAutoFit/>
+          </a:bodyPr>
+          <a:lstStyle/>
+          <a:p>
+            <a:pPr algn="ctr"/>
+            <a:r>
+              <a:rPr lang="en-US" sz="1000" dirty="0" err="1"/>
+              <a:t>E</a:t>
+            </a:r>
+            <a:r>
+              <a:rPr lang="en-US" sz="1000" dirty="0" err="1" smtClean="0"/>
+              <a:t>vent</a:t>
+            </a:r>
+            <a:r>
+              <a:rPr lang="en-US" sz="1000" dirty="0" err="1" smtClean="0"/>
+              <a:t>Handler</a:t>
+            </a:r>
+            <a:endParaRPr lang="en-US" sz="1000" dirty="0"/>
+          </a:p>
+        </p:txBody>
+      </p:sp>
+      <p:sp>
+        <p:nvSpPr>
+          <p:cNvPr id="153" name="TextBox 152"/>
+          <p:cNvSpPr txBox="1"/>
+          <p:nvPr/>
+        </p:nvSpPr>
+        <p:spPr>
+          <a:xfrm>
+            <a:off x="10798993" y="5936723"/>
+            <a:ext cx="893194" cy="246221"/>
+          </a:xfrm>
+          <a:prstGeom prst="rect">
+            <a:avLst/>
+          </a:prstGeom>
+          <a:noFill/>
+        </p:spPr>
+        <p:txBody>
+          <a:bodyPr wrap="none" rtlCol="0">
+            <a:spAutoFit/>
+          </a:bodyPr>
+          <a:lstStyle/>
+          <a:p>
+            <a:pPr algn="ctr"/>
+            <a:r>
+              <a:rPr lang="en-US" sz="1000" dirty="0" err="1"/>
+              <a:t>E</a:t>
+            </a:r>
+            <a:r>
+              <a:rPr lang="en-US" sz="1000" dirty="0" err="1" smtClean="0"/>
+              <a:t>vent</a:t>
+            </a:r>
+            <a:r>
+              <a:rPr lang="en-US" sz="1000" dirty="0" err="1" smtClean="0"/>
+              <a:t>Handler</a:t>
+            </a:r>
+            <a:endParaRPr lang="en-US" sz="1000" dirty="0"/>
+          </a:p>
+        </p:txBody>
+      </p:sp>
+      <p:cxnSp>
+        <p:nvCxnSpPr>
+          <p:cNvPr id="154" name="Straight Arrow Connector 153"/>
+          <p:cNvCxnSpPr>
+            <a:stCxn id="130" idx="3"/>
+            <a:endCxn id="152" idx="1"/>
+          </p:cNvCxnSpPr>
+          <p:nvPr/>
+        </p:nvCxnSpPr>
+        <p:spPr>
+          <a:xfrm>
+            <a:off x="10091196" y="5172974"/>
+            <a:ext cx="707797" cy="1"/>
+          </a:xfrm>
+          <a:prstGeom prst="straightConnector1">
+            <a:avLst/>
+          </a:prstGeom>
+          <a:ln>
+            <a:tailEnd type="triangle"/>
+          </a:ln>
+        </p:spPr>
+        <p:style>
+          <a:lnRef idx="1">
+            <a:schemeClr val="accent1"/>
+          </a:lnRef>
+          <a:fillRef idx="0">
+            <a:schemeClr val="accent1"/>
+          </a:fillRef>
+          <a:effectRef idx="0">
+            <a:schemeClr val="accent1"/>
+          </a:effectRef>
+          <a:fontRef idx="minor">
+            <a:schemeClr val="tx1"/>
+          </a:fontRef>
+        </p:style>
+      </p:cxnSp>
+      <p:sp>
+        <p:nvSpPr>
+          <p:cNvPr id="157" name="TextBox 156"/>
+          <p:cNvSpPr txBox="1"/>
+          <p:nvPr/>
+        </p:nvSpPr>
+        <p:spPr>
+          <a:xfrm>
+            <a:off x="10799795" y="5454234"/>
+            <a:ext cx="891591" cy="246221"/>
+          </a:xfrm>
+          <a:prstGeom prst="rect">
+            <a:avLst/>
+          </a:prstGeom>
+          <a:noFill/>
+        </p:spPr>
+        <p:txBody>
+          <a:bodyPr wrap="none" rtlCol="0">
+            <a:spAutoFit/>
+          </a:bodyPr>
+          <a:lstStyle/>
+          <a:p>
+            <a:pPr algn="ctr"/>
+            <a:r>
+              <a:rPr lang="en-US" sz="1000" dirty="0" smtClean="0"/>
+              <a:t>Change PWM</a:t>
+            </a:r>
+            <a:endParaRPr lang="en-US" sz="1000" dirty="0"/>
+          </a:p>
+        </p:txBody>
+      </p:sp>
+      <p:sp>
+        <p:nvSpPr>
+          <p:cNvPr id="159" name="TextBox 158"/>
+          <p:cNvSpPr txBox="1"/>
+          <p:nvPr/>
+        </p:nvSpPr>
+        <p:spPr>
+          <a:xfrm>
+            <a:off x="10673959" y="6337785"/>
+            <a:ext cx="1143262" cy="400110"/>
+          </a:xfrm>
+          <a:prstGeom prst="rect">
+            <a:avLst/>
+          </a:prstGeom>
+          <a:noFill/>
+        </p:spPr>
+        <p:txBody>
+          <a:bodyPr wrap="none" rtlCol="0">
+            <a:spAutoFit/>
+          </a:bodyPr>
+          <a:lstStyle/>
+          <a:p>
+            <a:pPr algn="ctr"/>
+            <a:r>
+              <a:rPr lang="en-US" sz="1000" dirty="0" err="1" smtClean="0"/>
+              <a:t>Cy_BLE_GAP</a:t>
+            </a:r>
+            <a:endParaRPr lang="en-US" sz="1000" dirty="0" smtClean="0"/>
+          </a:p>
+          <a:p>
+            <a:pPr algn="ctr"/>
+            <a:r>
+              <a:rPr lang="en-US" sz="1000" dirty="0" err="1" smtClean="0"/>
+              <a:t>StartAdvertisment</a:t>
+            </a:r>
+            <a:endParaRPr lang="en-US" sz="1000" dirty="0"/>
+          </a:p>
+        </p:txBody>
+      </p:sp>
+      <p:cxnSp>
+        <p:nvCxnSpPr>
+          <p:cNvPr id="160" name="Straight Arrow Connector 159"/>
+          <p:cNvCxnSpPr>
+            <a:stCxn id="128" idx="3"/>
+            <a:endCxn id="153" idx="1"/>
+          </p:cNvCxnSpPr>
+          <p:nvPr/>
+        </p:nvCxnSpPr>
+        <p:spPr>
+          <a:xfrm>
+            <a:off x="10132874" y="6059833"/>
+            <a:ext cx="666119" cy="1"/>
+          </a:xfrm>
+          <a:prstGeom prst="straightConnector1">
+            <a:avLst/>
+          </a:prstGeom>
+          <a:ln>
+            <a:tailEnd type="triangle"/>
+          </a:ln>
+        </p:spPr>
+        <p:style>
+          <a:lnRef idx="1">
+            <a:schemeClr val="accent1"/>
+          </a:lnRef>
+          <a:fillRef idx="0">
+            <a:schemeClr val="accent1"/>
+          </a:fillRef>
+          <a:effectRef idx="0">
+            <a:schemeClr val="accent1"/>
+          </a:effectRef>
+          <a:fontRef idx="minor">
+            <a:schemeClr val="tx1"/>
+          </a:fontRef>
+        </p:style>
+      </p:cxnSp>
+      <p:cxnSp>
+        <p:nvCxnSpPr>
+          <p:cNvPr id="163" name="Straight Arrow Connector 162"/>
+          <p:cNvCxnSpPr>
+            <a:stCxn id="153" idx="2"/>
+            <a:endCxn id="159" idx="0"/>
+          </p:cNvCxnSpPr>
+          <p:nvPr/>
+        </p:nvCxnSpPr>
+        <p:spPr>
+          <a:xfrm>
+            <a:off x="11245590" y="6182944"/>
+            <a:ext cx="0" cy="154841"/>
+          </a:xfrm>
+          <a:prstGeom prst="straightConnector1">
+            <a:avLst/>
+          </a:prstGeom>
+          <a:ln>
+            <a:tailEnd type="triangle"/>
+          </a:ln>
+        </p:spPr>
+        <p:style>
+          <a:lnRef idx="1">
+            <a:schemeClr val="accent1"/>
+          </a:lnRef>
+          <a:fillRef idx="0">
+            <a:schemeClr val="accent1"/>
+          </a:fillRef>
+          <a:effectRef idx="0">
+            <a:schemeClr val="accent1"/>
+          </a:effectRef>
+          <a:fontRef idx="minor">
+            <a:schemeClr val="tx1"/>
+          </a:fontRef>
+        </p:style>
+      </p:cxnSp>
+      <p:cxnSp>
+        <p:nvCxnSpPr>
+          <p:cNvPr id="167" name="Straight Arrow Connector 166"/>
+          <p:cNvCxnSpPr>
+            <a:stCxn id="152" idx="2"/>
+            <a:endCxn id="157" idx="0"/>
+          </p:cNvCxnSpPr>
+          <p:nvPr/>
+        </p:nvCxnSpPr>
+        <p:spPr>
+          <a:xfrm>
+            <a:off x="11245590" y="5296085"/>
+            <a:ext cx="1" cy="158149"/>
+          </a:xfrm>
+          <a:prstGeom prst="straightConnector1">
+            <a:avLst/>
+          </a:prstGeom>
+          <a:ln>
+            <a:tailEnd type="triangle"/>
+          </a:ln>
+        </p:spPr>
+        <p:style>
+          <a:lnRef idx="1">
+            <a:schemeClr val="accent1"/>
+          </a:lnRef>
+          <a:fillRef idx="0">
+            <a:schemeClr val="accent1"/>
+          </a:fillRef>
+          <a:effectRef idx="0">
+            <a:schemeClr val="accent1"/>
+          </a:effectRef>
+          <a:fontRef idx="minor">
+            <a:schemeClr val="tx1"/>
+          </a:fontRef>
+        </p:style>
+      </p:cxnSp>
+      <p:cxnSp>
+        <p:nvCxnSpPr>
+          <p:cNvPr id="178" name="Straight Arrow Connector 177"/>
+          <p:cNvCxnSpPr>
+            <a:stCxn id="33" idx="3"/>
+            <a:endCxn id="130" idx="1"/>
+          </p:cNvCxnSpPr>
+          <p:nvPr/>
+        </p:nvCxnSpPr>
+        <p:spPr>
+          <a:xfrm flipV="1">
+            <a:off x="9010786" y="5172974"/>
+            <a:ext cx="153553" cy="9055"/>
+          </a:xfrm>
+          <a:prstGeom prst="straightConnector1">
+            <a:avLst/>
+          </a:prstGeom>
+          <a:ln>
+            <a:tailEnd type="triangle"/>
+          </a:ln>
+        </p:spPr>
+        <p:style>
+          <a:lnRef idx="1">
+            <a:schemeClr val="accent1"/>
+          </a:lnRef>
+          <a:fillRef idx="0">
+            <a:schemeClr val="accent1"/>
+          </a:fillRef>
+          <a:effectRef idx="0">
+            <a:schemeClr val="accent1"/>
+          </a:effectRef>
+          <a:fontRef idx="minor">
+            <a:schemeClr val="tx1"/>
+          </a:fontRef>
+        </p:style>
+      </p:cxnSp>
+      <p:cxnSp>
+        <p:nvCxnSpPr>
+          <p:cNvPr id="181" name="Straight Arrow Connector 180"/>
+          <p:cNvCxnSpPr>
+            <a:stCxn id="129" idx="2"/>
+            <a:endCxn id="31" idx="3"/>
+          </p:cNvCxnSpPr>
+          <p:nvPr/>
+        </p:nvCxnSpPr>
+        <p:spPr>
+          <a:xfrm flipH="1">
+            <a:off x="8925824" y="4020089"/>
+            <a:ext cx="819981" cy="321155"/>
+          </a:xfrm>
+          <a:prstGeom prst="straightConnector1">
+            <a:avLst/>
+          </a:prstGeom>
+          <a:ln>
+            <a:tailEnd type="triangle"/>
+          </a:ln>
+        </p:spPr>
+        <p:style>
+          <a:lnRef idx="1">
+            <a:schemeClr val="accent1"/>
+          </a:lnRef>
+          <a:fillRef idx="0">
+            <a:schemeClr val="accent1"/>
+          </a:fillRef>
+          <a:effectRef idx="0">
+            <a:schemeClr val="accent1"/>
+          </a:effectRef>
+          <a:fontRef idx="minor">
+            <a:schemeClr val="tx1"/>
+          </a:fontRef>
+        </p:style>
+      </p:cxnSp>
+      <p:sp>
+        <p:nvSpPr>
+          <p:cNvPr id="185" name="TextBox 184"/>
+          <p:cNvSpPr txBox="1"/>
+          <p:nvPr/>
+        </p:nvSpPr>
+        <p:spPr>
+          <a:xfrm>
+            <a:off x="3375083" y="1112391"/>
+            <a:ext cx="692818" cy="246221"/>
+          </a:xfrm>
+          <a:prstGeom prst="rect">
+            <a:avLst/>
+          </a:prstGeom>
+          <a:noFill/>
+        </p:spPr>
+        <p:txBody>
+          <a:bodyPr wrap="none" rtlCol="0">
+            <a:spAutoFit/>
+          </a:bodyPr>
+          <a:lstStyle/>
+          <a:p>
+            <a:pPr algn="ctr"/>
+            <a:r>
+              <a:rPr lang="en-US" sz="1000" smtClean="0"/>
+              <a:t>aws_start</a:t>
+            </a:r>
+            <a:endParaRPr lang="en-US" sz="1000" dirty="0"/>
+          </a:p>
+        </p:txBody>
+      </p:sp>
+      <p:sp>
+        <p:nvSpPr>
+          <p:cNvPr id="186" name="TextBox 185"/>
+          <p:cNvSpPr txBox="1"/>
+          <p:nvPr/>
+        </p:nvSpPr>
+        <p:spPr>
+          <a:xfrm>
+            <a:off x="4021826" y="666772"/>
+            <a:ext cx="1066318" cy="246221"/>
+          </a:xfrm>
+          <a:prstGeom prst="rect">
+            <a:avLst/>
+          </a:prstGeom>
+          <a:noFill/>
+        </p:spPr>
+        <p:txBody>
+          <a:bodyPr wrap="none" rtlCol="0">
+            <a:spAutoFit/>
+          </a:bodyPr>
+          <a:lstStyle/>
+          <a:p>
+            <a:pPr algn="ctr"/>
+            <a:r>
+              <a:rPr lang="en-US" sz="1000"/>
+              <a:t>a</a:t>
+            </a:r>
+            <a:r>
+              <a:rPr lang="en-US" sz="1000" smtClean="0"/>
+              <a:t>pplication_start</a:t>
+            </a:r>
+            <a:endParaRPr lang="en-US" sz="1000" dirty="0"/>
+          </a:p>
+        </p:txBody>
+      </p:sp>
+      <p:cxnSp>
+        <p:nvCxnSpPr>
+          <p:cNvPr id="187" name="Straight Arrow Connector 186"/>
+          <p:cNvCxnSpPr>
+            <a:stCxn id="185" idx="2"/>
+            <a:endCxn id="44" idx="0"/>
+          </p:cNvCxnSpPr>
+          <p:nvPr/>
+        </p:nvCxnSpPr>
+        <p:spPr>
+          <a:xfrm>
+            <a:off x="3721492" y="1358612"/>
+            <a:ext cx="419" cy="217261"/>
+          </a:xfrm>
+          <a:prstGeom prst="straightConnector1">
+            <a:avLst/>
+          </a:prstGeom>
+          <a:ln>
+            <a:tailEnd type="triangle"/>
+          </a:ln>
+        </p:spPr>
+        <p:style>
+          <a:lnRef idx="1">
+            <a:schemeClr val="accent1"/>
+          </a:lnRef>
+          <a:fillRef idx="0">
+            <a:schemeClr val="accent1"/>
+          </a:fillRef>
+          <a:effectRef idx="0">
+            <a:schemeClr val="accent1"/>
+          </a:effectRef>
+          <a:fontRef idx="minor">
+            <a:schemeClr val="tx1"/>
+          </a:fontRef>
+        </p:style>
+      </p:cxnSp>
+      <p:cxnSp>
+        <p:nvCxnSpPr>
+          <p:cNvPr id="190" name="Straight Arrow Connector 189"/>
+          <p:cNvCxnSpPr>
+            <a:stCxn id="186" idx="2"/>
+            <a:endCxn id="185" idx="0"/>
+          </p:cNvCxnSpPr>
+          <p:nvPr/>
+        </p:nvCxnSpPr>
+        <p:spPr>
+          <a:xfrm flipH="1">
+            <a:off x="3721492" y="912993"/>
+            <a:ext cx="833493" cy="199398"/>
+          </a:xfrm>
+          <a:prstGeom prst="straightConnector1">
+            <a:avLst/>
+          </a:prstGeom>
+          <a:ln>
+            <a:tailEnd type="triangle"/>
+          </a:ln>
+        </p:spPr>
+        <p:style>
+          <a:lnRef idx="1">
+            <a:schemeClr val="accent1"/>
+          </a:lnRef>
+          <a:fillRef idx="0">
+            <a:schemeClr val="accent1"/>
+          </a:fillRef>
+          <a:effectRef idx="0">
+            <a:schemeClr val="accent1"/>
+          </a:effectRef>
+          <a:fontRef idx="minor">
+            <a:schemeClr val="tx1"/>
+          </a:fontRef>
+        </p:style>
+      </p:cxnSp>
+      <p:cxnSp>
+        <p:nvCxnSpPr>
+          <p:cNvPr id="193" name="Straight Arrow Connector 192"/>
+          <p:cNvCxnSpPr>
+            <a:stCxn id="186" idx="2"/>
+            <a:endCxn id="21" idx="0"/>
+          </p:cNvCxnSpPr>
+          <p:nvPr/>
+        </p:nvCxnSpPr>
+        <p:spPr>
+          <a:xfrm>
+            <a:off x="4554985" y="912993"/>
+            <a:ext cx="856387" cy="391916"/>
+          </a:xfrm>
+          <a:prstGeom prst="straightConnector1">
+            <a:avLst/>
+          </a:prstGeom>
+          <a:ln>
+            <a:tailEnd type="triangle"/>
+          </a:ln>
+        </p:spPr>
+        <p:style>
+          <a:lnRef idx="1">
+            <a:schemeClr val="accent1"/>
+          </a:lnRef>
+          <a:fillRef idx="0">
+            <a:schemeClr val="accent1"/>
+          </a:fillRef>
+          <a:effectRef idx="0">
+            <a:schemeClr val="accent1"/>
+          </a:effectRef>
+          <a:fontRef idx="minor">
+            <a:schemeClr val="tx1"/>
+          </a:fontRef>
+        </p:style>
+      </p:cxnSp>
+      <p:sp>
+        <p:nvSpPr>
+          <p:cNvPr id="196" name="TextBox 195"/>
+          <p:cNvSpPr txBox="1"/>
+          <p:nvPr/>
+        </p:nvSpPr>
+        <p:spPr>
+          <a:xfrm>
+            <a:off x="98015" y="4912725"/>
+            <a:ext cx="1164101" cy="246221"/>
+          </a:xfrm>
+          <a:prstGeom prst="rect">
+            <a:avLst/>
+          </a:prstGeom>
+          <a:noFill/>
+        </p:spPr>
+        <p:txBody>
+          <a:bodyPr wrap="none" rtlCol="0">
+            <a:spAutoFit/>
+          </a:bodyPr>
+          <a:lstStyle/>
+          <a:p>
+            <a:pPr algn="ctr"/>
+            <a:r>
+              <a:rPr lang="en-US" sz="1000" dirty="0" smtClean="0"/>
+              <a:t>MOTOR_POSITION</a:t>
+            </a:r>
+            <a:endParaRPr lang="en-US" sz="1000" dirty="0"/>
+          </a:p>
+        </p:txBody>
+      </p:sp>
+      <p:sp>
+        <p:nvSpPr>
+          <p:cNvPr id="197" name="TextBox 196"/>
+          <p:cNvSpPr txBox="1"/>
+          <p:nvPr/>
+        </p:nvSpPr>
+        <p:spPr>
+          <a:xfrm>
+            <a:off x="50496" y="4158075"/>
+            <a:ext cx="1164101" cy="246221"/>
+          </a:xfrm>
+          <a:prstGeom prst="rect">
+            <a:avLst/>
+          </a:prstGeom>
+          <a:noFill/>
+        </p:spPr>
+        <p:txBody>
+          <a:bodyPr wrap="none" rtlCol="0">
+            <a:spAutoFit/>
+          </a:bodyPr>
+          <a:lstStyle/>
+          <a:p>
+            <a:pPr algn="ctr"/>
+            <a:r>
+              <a:rPr lang="en-US" sz="1000" dirty="0" smtClean="0"/>
+              <a:t>MOTOR_POSITION</a:t>
+            </a:r>
+            <a:endParaRPr lang="en-US" sz="1000" dirty="0"/>
+          </a:p>
+        </p:txBody>
+      </p:sp>
     </p:spTree>
     <p:extLst>
       <p:ext uri="{BB962C8B-B14F-4D97-AF65-F5344CB8AC3E}">
         <p14:creationId xmlns:p14="http://schemas.microsoft.com/office/powerpoint/2010/main" val="1916422653"/>
+      </p:ext>
+    </p:extLst>
+  </p:cSld>
+  <p:clrMapOvr>
+    <a:masterClrMapping/>
+  </p:clrMapOvr>
+  <p:timing>
+    <p:tnLst>
+      <p:par>
+        <p:cTn id="1" dur="indefinite" restart="never" nodeType="tmRoot"/>
+      </p:par>
+    </p:tnLst>
+  </p:timing>
+</p:sld>
+</file>
+
+<file path=ppt/slides/slide2.xml><?xml version="1.0" encoding="utf-8"?>
+<p:sld xmlns:a="http://schemas.openxmlformats.org/drawingml/2006/main" xmlns:r="http://schemas.openxmlformats.org/officeDocument/2006/relationships" xmlns:p="http://schemas.openxmlformats.org/presentationml/2006/main">
+  <p:cSld>
+    <p:spTree>
+      <p:nvGrpSpPr>
+        <p:cNvPr id="1" name=""/>
+        <p:cNvGrpSpPr/>
+        <p:nvPr/>
+      </p:nvGrpSpPr>
+      <p:grpSpPr>
+        <a:xfrm>
+          <a:off x="0" y="0"/>
+          <a:ext cx="0" cy="0"/>
+          <a:chOff x="0" y="0"/>
+          <a:chExt cx="0" cy="0"/>
+        </a:xfrm>
+      </p:grpSpPr>
+      <p:sp>
+        <p:nvSpPr>
+          <p:cNvPr id="4" name="TextBox 3"/>
+          <p:cNvSpPr txBox="1"/>
+          <p:nvPr/>
+        </p:nvSpPr>
+        <p:spPr>
+          <a:xfrm>
+            <a:off x="7452538" y="75985"/>
+            <a:ext cx="1447833" cy="369332"/>
+          </a:xfrm>
+          <a:prstGeom prst="rect">
+            <a:avLst/>
+          </a:prstGeom>
+          <a:noFill/>
+        </p:spPr>
+        <p:txBody>
+          <a:bodyPr wrap="none" rtlCol="0">
+            <a:spAutoFit/>
+          </a:bodyPr>
+          <a:lstStyle/>
+          <a:p>
+            <a:pPr algn="ctr"/>
+            <a:r>
+              <a:rPr lang="en-US" u="sng" dirty="0" smtClean="0"/>
+              <a:t>BLE </a:t>
+            </a:r>
+            <a:r>
+              <a:rPr lang="en-US" u="sng" dirty="0" smtClean="0"/>
+              <a:t>Publisher</a:t>
+            </a:r>
+            <a:endParaRPr lang="en-US" u="sng" dirty="0"/>
+          </a:p>
+        </p:txBody>
+      </p:sp>
+      <p:sp>
+        <p:nvSpPr>
+          <p:cNvPr id="15" name="TextBox 14"/>
+          <p:cNvSpPr txBox="1"/>
+          <p:nvPr/>
+        </p:nvSpPr>
+        <p:spPr>
+          <a:xfrm>
+            <a:off x="989269" y="75985"/>
+            <a:ext cx="1952009" cy="369332"/>
+          </a:xfrm>
+          <a:prstGeom prst="rect">
+            <a:avLst/>
+          </a:prstGeom>
+          <a:noFill/>
+        </p:spPr>
+        <p:txBody>
+          <a:bodyPr wrap="none" rtlCol="0">
+            <a:spAutoFit/>
+          </a:bodyPr>
+          <a:lstStyle/>
+          <a:p>
+            <a:pPr algn="ctr"/>
+            <a:r>
+              <a:rPr lang="en-US" u="sng" dirty="0" smtClean="0"/>
+              <a:t>P6 </a:t>
+            </a:r>
+            <a:r>
+              <a:rPr lang="en-US" u="sng" smtClean="0"/>
+              <a:t>Remote Control</a:t>
+            </a:r>
+            <a:endParaRPr lang="en-US" u="sng" dirty="0"/>
+          </a:p>
+        </p:txBody>
+      </p:sp>
+      <p:sp>
+        <p:nvSpPr>
+          <p:cNvPr id="21" name="TextBox 20"/>
+          <p:cNvSpPr txBox="1"/>
+          <p:nvPr/>
+        </p:nvSpPr>
+        <p:spPr>
+          <a:xfrm>
+            <a:off x="7456662" y="1106986"/>
+            <a:ext cx="1228221" cy="246221"/>
+          </a:xfrm>
+          <a:prstGeom prst="rect">
+            <a:avLst/>
+          </a:prstGeom>
+          <a:noFill/>
+        </p:spPr>
+        <p:txBody>
+          <a:bodyPr wrap="none" rtlCol="0">
+            <a:spAutoFit/>
+          </a:bodyPr>
+          <a:lstStyle/>
+          <a:p>
+            <a:pPr algn="ctr"/>
+            <a:r>
+              <a:rPr lang="en-US" sz="1000" dirty="0" err="1"/>
+              <a:t>w</a:t>
+            </a:r>
+            <a:r>
+              <a:rPr lang="en-US" sz="1000" dirty="0" err="1" smtClean="0"/>
+              <a:t>iced_bt_stack_init</a:t>
+            </a:r>
+            <a:endParaRPr lang="en-US" sz="1000" dirty="0"/>
+          </a:p>
+        </p:txBody>
+      </p:sp>
+      <p:sp>
+        <p:nvSpPr>
+          <p:cNvPr id="22" name="TextBox 21"/>
+          <p:cNvSpPr txBox="1"/>
+          <p:nvPr/>
+        </p:nvSpPr>
+        <p:spPr>
+          <a:xfrm>
+            <a:off x="6067678" y="1171491"/>
+            <a:ext cx="976549" cy="400110"/>
+          </a:xfrm>
+          <a:prstGeom prst="rect">
+            <a:avLst/>
+          </a:prstGeom>
+          <a:noFill/>
+        </p:spPr>
+        <p:txBody>
+          <a:bodyPr wrap="none" rtlCol="0">
+            <a:spAutoFit/>
+          </a:bodyPr>
+          <a:lstStyle/>
+          <a:p>
+            <a:pPr algn="ctr"/>
+            <a:r>
+              <a:rPr lang="en-US" sz="1000" dirty="0" smtClean="0"/>
+              <a:t>BTM_ENABLED</a:t>
+            </a:r>
+          </a:p>
+          <a:p>
+            <a:pPr algn="ctr"/>
+            <a:r>
+              <a:rPr lang="en-US" sz="1000" dirty="0" smtClean="0"/>
+              <a:t>EVT</a:t>
+            </a:r>
+            <a:endParaRPr lang="en-US" sz="1000" dirty="0"/>
+          </a:p>
+        </p:txBody>
+      </p:sp>
+      <p:sp>
+        <p:nvSpPr>
+          <p:cNvPr id="23" name="TextBox 22"/>
+          <p:cNvSpPr txBox="1"/>
+          <p:nvPr/>
+        </p:nvSpPr>
+        <p:spPr>
+          <a:xfrm>
+            <a:off x="7369298" y="1877456"/>
+            <a:ext cx="1402949" cy="246221"/>
+          </a:xfrm>
+          <a:prstGeom prst="rect">
+            <a:avLst/>
+          </a:prstGeom>
+          <a:noFill/>
+        </p:spPr>
+        <p:txBody>
+          <a:bodyPr wrap="none" rtlCol="0">
+            <a:spAutoFit/>
+          </a:bodyPr>
+          <a:lstStyle/>
+          <a:p>
+            <a:pPr algn="ctr"/>
+            <a:r>
+              <a:rPr lang="en-US" sz="1000" dirty="0" err="1"/>
+              <a:t>w</a:t>
+            </a:r>
+            <a:r>
+              <a:rPr lang="en-US" sz="1000" dirty="0" err="1" smtClean="0"/>
+              <a:t>iced_bt_gatt_register</a:t>
+            </a:r>
+            <a:endParaRPr lang="en-US" sz="1000" dirty="0"/>
+          </a:p>
+        </p:txBody>
+      </p:sp>
+      <p:sp>
+        <p:nvSpPr>
+          <p:cNvPr id="24" name="TextBox 23"/>
+          <p:cNvSpPr txBox="1"/>
+          <p:nvPr/>
+        </p:nvSpPr>
+        <p:spPr>
+          <a:xfrm>
+            <a:off x="7451853" y="1454826"/>
+            <a:ext cx="1237839" cy="246221"/>
+          </a:xfrm>
+          <a:prstGeom prst="rect">
+            <a:avLst/>
+          </a:prstGeom>
+          <a:noFill/>
+        </p:spPr>
+        <p:txBody>
+          <a:bodyPr wrap="none" rtlCol="0">
+            <a:spAutoFit/>
+          </a:bodyPr>
+          <a:lstStyle/>
+          <a:p>
+            <a:pPr algn="ctr"/>
+            <a:r>
+              <a:rPr lang="en-US" sz="1000" dirty="0" err="1" smtClean="0"/>
+              <a:t>management_cback</a:t>
+            </a:r>
+            <a:endParaRPr lang="en-US" sz="1000" dirty="0"/>
+          </a:p>
+        </p:txBody>
+      </p:sp>
+      <p:sp>
+        <p:nvSpPr>
+          <p:cNvPr id="25" name="TextBox 24"/>
+          <p:cNvSpPr txBox="1"/>
+          <p:nvPr/>
+        </p:nvSpPr>
+        <p:spPr>
+          <a:xfrm>
+            <a:off x="7386129" y="2320942"/>
+            <a:ext cx="1369286" cy="246221"/>
+          </a:xfrm>
+          <a:prstGeom prst="rect">
+            <a:avLst/>
+          </a:prstGeom>
+          <a:noFill/>
+        </p:spPr>
+        <p:txBody>
+          <a:bodyPr wrap="none" rtlCol="0">
+            <a:spAutoFit/>
+          </a:bodyPr>
+          <a:lstStyle/>
+          <a:p>
+            <a:pPr algn="ctr"/>
+            <a:r>
+              <a:rPr lang="en-US" sz="1000" dirty="0" err="1" smtClean="0"/>
+              <a:t>wiced_bt_gatt_db_init</a:t>
+            </a:r>
+            <a:endParaRPr lang="en-US" sz="1000" dirty="0"/>
+          </a:p>
+        </p:txBody>
+      </p:sp>
+      <p:sp>
+        <p:nvSpPr>
+          <p:cNvPr id="28" name="TextBox 27"/>
+          <p:cNvSpPr txBox="1"/>
+          <p:nvPr/>
+        </p:nvSpPr>
+        <p:spPr>
+          <a:xfrm>
+            <a:off x="7511164" y="5555259"/>
+            <a:ext cx="1119217" cy="400110"/>
+          </a:xfrm>
+          <a:prstGeom prst="rect">
+            <a:avLst/>
+          </a:prstGeom>
+          <a:noFill/>
+        </p:spPr>
+        <p:txBody>
+          <a:bodyPr wrap="none" rtlCol="0">
+            <a:spAutoFit/>
+          </a:bodyPr>
+          <a:lstStyle/>
+          <a:p>
+            <a:pPr algn="ctr"/>
+            <a:r>
+              <a:rPr lang="en-US" sz="1000" dirty="0" err="1"/>
+              <a:t>g</a:t>
+            </a:r>
+            <a:r>
+              <a:rPr lang="en-US" sz="1000" dirty="0" err="1" smtClean="0"/>
+              <a:t>att_server_write</a:t>
+            </a:r>
+            <a:endParaRPr lang="en-US" sz="1000" dirty="0" smtClean="0"/>
+          </a:p>
+          <a:p>
+            <a:pPr algn="ctr"/>
+            <a:r>
+              <a:rPr lang="en-US" sz="1000" dirty="0" err="1" smtClean="0"/>
+              <a:t>request_handler</a:t>
+            </a:r>
+            <a:endParaRPr lang="en-US" sz="1000" dirty="0"/>
+          </a:p>
+        </p:txBody>
+      </p:sp>
+      <p:sp>
+        <p:nvSpPr>
+          <p:cNvPr id="32" name="TextBox 31"/>
+          <p:cNvSpPr txBox="1"/>
+          <p:nvPr/>
+        </p:nvSpPr>
+        <p:spPr>
+          <a:xfrm>
+            <a:off x="7573681" y="3275633"/>
+            <a:ext cx="994182" cy="400110"/>
+          </a:xfrm>
+          <a:prstGeom prst="rect">
+            <a:avLst/>
+          </a:prstGeom>
+          <a:noFill/>
+        </p:spPr>
+        <p:txBody>
+          <a:bodyPr wrap="none" rtlCol="0">
+            <a:spAutoFit/>
+          </a:bodyPr>
+          <a:lstStyle/>
+          <a:p>
+            <a:pPr algn="ctr"/>
+            <a:r>
+              <a:rPr lang="en-US" sz="1000" dirty="0" err="1"/>
+              <a:t>w</a:t>
+            </a:r>
+            <a:r>
+              <a:rPr lang="en-US" sz="1000" dirty="0" err="1" smtClean="0"/>
+              <a:t>iced_bt_start</a:t>
+            </a:r>
+            <a:endParaRPr lang="en-US" sz="1000" dirty="0" smtClean="0"/>
+          </a:p>
+          <a:p>
+            <a:pPr algn="ctr"/>
+            <a:r>
+              <a:rPr lang="en-US" sz="1000" dirty="0" smtClean="0"/>
+              <a:t>advertisements</a:t>
+            </a:r>
+            <a:endParaRPr lang="en-US" sz="1000" dirty="0"/>
+          </a:p>
+        </p:txBody>
+      </p:sp>
+      <p:cxnSp>
+        <p:nvCxnSpPr>
+          <p:cNvPr id="47" name="Straight Arrow Connector 46"/>
+          <p:cNvCxnSpPr>
+            <a:stCxn id="24" idx="2"/>
+            <a:endCxn id="23" idx="0"/>
+          </p:cNvCxnSpPr>
+          <p:nvPr/>
+        </p:nvCxnSpPr>
+        <p:spPr>
+          <a:xfrm>
+            <a:off x="8070773" y="1701047"/>
+            <a:ext cx="0" cy="176409"/>
+          </a:xfrm>
+          <a:prstGeom prst="straightConnector1">
+            <a:avLst/>
+          </a:prstGeom>
+          <a:ln>
+            <a:tailEnd type="triangle"/>
+          </a:ln>
+        </p:spPr>
+        <p:style>
+          <a:lnRef idx="1">
+            <a:schemeClr val="accent1"/>
+          </a:lnRef>
+          <a:fillRef idx="0">
+            <a:schemeClr val="accent1"/>
+          </a:fillRef>
+          <a:effectRef idx="0">
+            <a:schemeClr val="accent1"/>
+          </a:effectRef>
+          <a:fontRef idx="minor">
+            <a:schemeClr val="tx1"/>
+          </a:fontRef>
+        </p:style>
+      </p:cxnSp>
+      <p:cxnSp>
+        <p:nvCxnSpPr>
+          <p:cNvPr id="80" name="Straight Arrow Connector 79"/>
+          <p:cNvCxnSpPr>
+            <a:stCxn id="25" idx="2"/>
+            <a:endCxn id="149" idx="0"/>
+          </p:cNvCxnSpPr>
+          <p:nvPr/>
+        </p:nvCxnSpPr>
+        <p:spPr>
+          <a:xfrm>
+            <a:off x="8070772" y="2567163"/>
+            <a:ext cx="0" cy="160992"/>
+          </a:xfrm>
+          <a:prstGeom prst="straightConnector1">
+            <a:avLst/>
+          </a:prstGeom>
+          <a:ln>
+            <a:tailEnd type="triangle"/>
+          </a:ln>
+        </p:spPr>
+        <p:style>
+          <a:lnRef idx="1">
+            <a:schemeClr val="accent1"/>
+          </a:lnRef>
+          <a:fillRef idx="0">
+            <a:schemeClr val="accent1"/>
+          </a:fillRef>
+          <a:effectRef idx="0">
+            <a:schemeClr val="accent1"/>
+          </a:effectRef>
+          <a:fontRef idx="minor">
+            <a:schemeClr val="tx1"/>
+          </a:fontRef>
+        </p:style>
+      </p:cxnSp>
+      <p:sp>
+        <p:nvSpPr>
+          <p:cNvPr id="44" name="TextBox 43"/>
+          <p:cNvSpPr txBox="1"/>
+          <p:nvPr/>
+        </p:nvSpPr>
+        <p:spPr>
+          <a:xfrm>
+            <a:off x="9373905" y="1680232"/>
+            <a:ext cx="1189748" cy="246221"/>
+          </a:xfrm>
+          <a:prstGeom prst="rect">
+            <a:avLst/>
+          </a:prstGeom>
+          <a:noFill/>
+        </p:spPr>
+        <p:txBody>
+          <a:bodyPr wrap="none" rtlCol="0">
+            <a:spAutoFit/>
+          </a:bodyPr>
+          <a:lstStyle/>
+          <a:p>
+            <a:pPr algn="ctr"/>
+            <a:r>
+              <a:rPr lang="en-US" sz="1000" smtClean="0"/>
+              <a:t>wiced_network_up</a:t>
+            </a:r>
+            <a:endParaRPr lang="en-US" sz="1000" dirty="0"/>
+          </a:p>
+        </p:txBody>
+      </p:sp>
+      <p:sp>
+        <p:nvSpPr>
+          <p:cNvPr id="48" name="TextBox 47"/>
+          <p:cNvSpPr txBox="1"/>
+          <p:nvPr/>
+        </p:nvSpPr>
+        <p:spPr>
+          <a:xfrm>
+            <a:off x="9454857" y="2711801"/>
+            <a:ext cx="1027845" cy="400110"/>
+          </a:xfrm>
+          <a:prstGeom prst="rect">
+            <a:avLst/>
+          </a:prstGeom>
+          <a:noFill/>
+        </p:spPr>
+        <p:txBody>
+          <a:bodyPr wrap="none" rtlCol="0">
+            <a:spAutoFit/>
+          </a:bodyPr>
+          <a:lstStyle/>
+          <a:p>
+            <a:pPr algn="ctr"/>
+            <a:r>
+              <a:rPr lang="en-US" sz="1000" dirty="0" err="1" smtClean="0"/>
+              <a:t>resource_get</a:t>
+            </a:r>
+            <a:endParaRPr lang="en-US" sz="1000" dirty="0" smtClean="0"/>
+          </a:p>
+          <a:p>
+            <a:pPr algn="ctr"/>
+            <a:r>
+              <a:rPr lang="en-US" sz="1000" dirty="0" err="1" smtClean="0"/>
+              <a:t>readonly_buffer</a:t>
+            </a:r>
+            <a:endParaRPr lang="en-US" sz="1000" dirty="0"/>
+          </a:p>
+        </p:txBody>
+      </p:sp>
+      <p:sp>
+        <p:nvSpPr>
+          <p:cNvPr id="50" name="TextBox 49"/>
+          <p:cNvSpPr txBox="1"/>
+          <p:nvPr/>
+        </p:nvSpPr>
+        <p:spPr>
+          <a:xfrm>
+            <a:off x="9474093" y="3331695"/>
+            <a:ext cx="989373" cy="246221"/>
+          </a:xfrm>
+          <a:prstGeom prst="rect">
+            <a:avLst/>
+          </a:prstGeom>
+          <a:noFill/>
+        </p:spPr>
+        <p:txBody>
+          <a:bodyPr wrap="none" rtlCol="0">
+            <a:spAutoFit/>
+          </a:bodyPr>
+          <a:lstStyle/>
+          <a:p>
+            <a:pPr algn="ctr"/>
+            <a:r>
+              <a:rPr lang="en-US" sz="1000" smtClean="0"/>
+              <a:t>wiced_aws_init</a:t>
+            </a:r>
+            <a:endParaRPr lang="en-US" sz="1000" dirty="0"/>
+          </a:p>
+        </p:txBody>
+      </p:sp>
+      <p:sp>
+        <p:nvSpPr>
+          <p:cNvPr id="53" name="TextBox 52"/>
+          <p:cNvSpPr txBox="1"/>
+          <p:nvPr/>
+        </p:nvSpPr>
+        <p:spPr>
+          <a:xfrm>
+            <a:off x="9369897" y="6247014"/>
+            <a:ext cx="1197765" cy="246221"/>
+          </a:xfrm>
+          <a:prstGeom prst="rect">
+            <a:avLst/>
+          </a:prstGeom>
+          <a:noFill/>
+        </p:spPr>
+        <p:txBody>
+          <a:bodyPr wrap="none" rtlCol="0">
+            <a:spAutoFit/>
+          </a:bodyPr>
+          <a:lstStyle/>
+          <a:p>
+            <a:pPr algn="ctr"/>
+            <a:r>
+              <a:rPr lang="en-US" sz="1000" dirty="0" err="1"/>
+              <a:t>w</a:t>
+            </a:r>
+            <a:r>
+              <a:rPr lang="en-US" sz="1000" dirty="0" err="1" smtClean="0"/>
+              <a:t>iced_aws_publish</a:t>
+            </a:r>
+            <a:endParaRPr lang="en-US" sz="1000" dirty="0"/>
+          </a:p>
+        </p:txBody>
+      </p:sp>
+      <p:cxnSp>
+        <p:nvCxnSpPr>
+          <p:cNvPr id="58" name="Straight Arrow Connector 57"/>
+          <p:cNvCxnSpPr>
+            <a:stCxn id="44" idx="2"/>
+            <a:endCxn id="114" idx="0"/>
+          </p:cNvCxnSpPr>
+          <p:nvPr/>
+        </p:nvCxnSpPr>
+        <p:spPr>
+          <a:xfrm>
+            <a:off x="9968779" y="1926453"/>
+            <a:ext cx="0" cy="266647"/>
+          </a:xfrm>
+          <a:prstGeom prst="straightConnector1">
+            <a:avLst/>
+          </a:prstGeom>
+          <a:ln>
+            <a:tailEnd type="triangle"/>
+          </a:ln>
+        </p:spPr>
+        <p:style>
+          <a:lnRef idx="1">
+            <a:schemeClr val="accent1"/>
+          </a:lnRef>
+          <a:fillRef idx="0">
+            <a:schemeClr val="accent1"/>
+          </a:fillRef>
+          <a:effectRef idx="0">
+            <a:schemeClr val="accent1"/>
+          </a:effectRef>
+          <a:fontRef idx="minor">
+            <a:schemeClr val="tx1"/>
+          </a:fontRef>
+        </p:style>
+      </p:cxnSp>
+      <p:cxnSp>
+        <p:nvCxnSpPr>
+          <p:cNvPr id="61" name="Straight Arrow Connector 60"/>
+          <p:cNvCxnSpPr>
+            <a:stCxn id="114" idx="2"/>
+            <a:endCxn id="48" idx="0"/>
+          </p:cNvCxnSpPr>
+          <p:nvPr/>
+        </p:nvCxnSpPr>
+        <p:spPr>
+          <a:xfrm>
+            <a:off x="9968779" y="2439321"/>
+            <a:ext cx="1" cy="272480"/>
+          </a:xfrm>
+          <a:prstGeom prst="straightConnector1">
+            <a:avLst/>
+          </a:prstGeom>
+          <a:ln>
+            <a:tailEnd type="triangle"/>
+          </a:ln>
+        </p:spPr>
+        <p:style>
+          <a:lnRef idx="1">
+            <a:schemeClr val="accent1"/>
+          </a:lnRef>
+          <a:fillRef idx="0">
+            <a:schemeClr val="accent1"/>
+          </a:fillRef>
+          <a:effectRef idx="0">
+            <a:schemeClr val="accent1"/>
+          </a:effectRef>
+          <a:fontRef idx="minor">
+            <a:schemeClr val="tx1"/>
+          </a:fontRef>
+        </p:style>
+      </p:cxnSp>
+      <p:cxnSp>
+        <p:nvCxnSpPr>
+          <p:cNvPr id="62" name="Straight Arrow Connector 61"/>
+          <p:cNvCxnSpPr>
+            <a:stCxn id="48" idx="2"/>
+            <a:endCxn id="50" idx="0"/>
+          </p:cNvCxnSpPr>
+          <p:nvPr/>
+        </p:nvCxnSpPr>
+        <p:spPr>
+          <a:xfrm>
+            <a:off x="9968780" y="3111911"/>
+            <a:ext cx="0" cy="219784"/>
+          </a:xfrm>
+          <a:prstGeom prst="straightConnector1">
+            <a:avLst/>
+          </a:prstGeom>
+          <a:ln>
+            <a:tailEnd type="triangle"/>
+          </a:ln>
+        </p:spPr>
+        <p:style>
+          <a:lnRef idx="1">
+            <a:schemeClr val="accent1"/>
+          </a:lnRef>
+          <a:fillRef idx="0">
+            <a:schemeClr val="accent1"/>
+          </a:fillRef>
+          <a:effectRef idx="0">
+            <a:schemeClr val="accent1"/>
+          </a:effectRef>
+          <a:fontRef idx="minor">
+            <a:schemeClr val="tx1"/>
+          </a:fontRef>
+        </p:style>
+      </p:cxnSp>
+      <p:cxnSp>
+        <p:nvCxnSpPr>
+          <p:cNvPr id="67" name="Straight Arrow Connector 66"/>
+          <p:cNvCxnSpPr>
+            <a:stCxn id="50" idx="2"/>
+            <a:endCxn id="115" idx="0"/>
+          </p:cNvCxnSpPr>
+          <p:nvPr/>
+        </p:nvCxnSpPr>
+        <p:spPr>
+          <a:xfrm flipH="1">
+            <a:off x="9968779" y="3577916"/>
+            <a:ext cx="1" cy="313456"/>
+          </a:xfrm>
+          <a:prstGeom prst="straightConnector1">
+            <a:avLst/>
+          </a:prstGeom>
+          <a:ln>
+            <a:tailEnd type="triangle"/>
+          </a:ln>
+        </p:spPr>
+        <p:style>
+          <a:lnRef idx="1">
+            <a:schemeClr val="accent1"/>
+          </a:lnRef>
+          <a:fillRef idx="0">
+            <a:schemeClr val="accent1"/>
+          </a:fillRef>
+          <a:effectRef idx="0">
+            <a:schemeClr val="accent1"/>
+          </a:effectRef>
+          <a:fontRef idx="minor">
+            <a:schemeClr val="tx1"/>
+          </a:fontRef>
+        </p:style>
+      </p:cxnSp>
+      <p:sp>
+        <p:nvSpPr>
+          <p:cNvPr id="103" name="TextBox 102"/>
+          <p:cNvSpPr txBox="1"/>
+          <p:nvPr/>
+        </p:nvSpPr>
+        <p:spPr>
+          <a:xfrm>
+            <a:off x="11000413" y="355730"/>
+            <a:ext cx="1186543" cy="646331"/>
+          </a:xfrm>
+          <a:prstGeom prst="rect">
+            <a:avLst/>
+          </a:prstGeom>
+          <a:noFill/>
+        </p:spPr>
+        <p:txBody>
+          <a:bodyPr wrap="none" rtlCol="0">
+            <a:spAutoFit/>
+          </a:bodyPr>
+          <a:lstStyle/>
+          <a:p>
+            <a:pPr algn="ctr"/>
+            <a:r>
+              <a:rPr lang="en-US" u="sng" dirty="0" err="1" smtClean="0"/>
+              <a:t>WiFi</a:t>
+            </a:r>
+            <a:r>
+              <a:rPr lang="en-US" u="sng" dirty="0" smtClean="0"/>
+              <a:t> Radio</a:t>
+            </a:r>
+          </a:p>
+          <a:p>
+            <a:pPr algn="ctr"/>
+            <a:r>
+              <a:rPr lang="en-US" u="sng" dirty="0" smtClean="0"/>
+              <a:t>Waves</a:t>
+            </a:r>
+            <a:endParaRPr lang="en-US" u="sng" dirty="0"/>
+          </a:p>
+        </p:txBody>
+      </p:sp>
+      <p:sp>
+        <p:nvSpPr>
+          <p:cNvPr id="185" name="TextBox 184"/>
+          <p:cNvSpPr txBox="1"/>
+          <p:nvPr/>
+        </p:nvSpPr>
+        <p:spPr>
+          <a:xfrm>
+            <a:off x="9622370" y="1165157"/>
+            <a:ext cx="692818" cy="246221"/>
+          </a:xfrm>
+          <a:prstGeom prst="rect">
+            <a:avLst/>
+          </a:prstGeom>
+          <a:noFill/>
+        </p:spPr>
+        <p:txBody>
+          <a:bodyPr wrap="none" rtlCol="0">
+            <a:spAutoFit/>
+          </a:bodyPr>
+          <a:lstStyle/>
+          <a:p>
+            <a:pPr algn="ctr"/>
+            <a:r>
+              <a:rPr lang="en-US" sz="1000" dirty="0" err="1" smtClean="0"/>
+              <a:t>aws_start</a:t>
+            </a:r>
+            <a:endParaRPr lang="en-US" sz="1000" dirty="0"/>
+          </a:p>
+        </p:txBody>
+      </p:sp>
+      <p:sp>
+        <p:nvSpPr>
+          <p:cNvPr id="186" name="TextBox 185"/>
+          <p:cNvSpPr txBox="1"/>
+          <p:nvPr/>
+        </p:nvSpPr>
+        <p:spPr>
+          <a:xfrm>
+            <a:off x="8595566" y="531180"/>
+            <a:ext cx="1066318" cy="246221"/>
+          </a:xfrm>
+          <a:prstGeom prst="rect">
+            <a:avLst/>
+          </a:prstGeom>
+          <a:noFill/>
+        </p:spPr>
+        <p:txBody>
+          <a:bodyPr wrap="none" rtlCol="0">
+            <a:spAutoFit/>
+          </a:bodyPr>
+          <a:lstStyle/>
+          <a:p>
+            <a:pPr algn="ctr"/>
+            <a:r>
+              <a:rPr lang="en-US" sz="1000"/>
+              <a:t>a</a:t>
+            </a:r>
+            <a:r>
+              <a:rPr lang="en-US" sz="1000" smtClean="0"/>
+              <a:t>pplication_start</a:t>
+            </a:r>
+            <a:endParaRPr lang="en-US" sz="1000" dirty="0"/>
+          </a:p>
+        </p:txBody>
+      </p:sp>
+      <p:cxnSp>
+        <p:nvCxnSpPr>
+          <p:cNvPr id="187" name="Straight Arrow Connector 186"/>
+          <p:cNvCxnSpPr>
+            <a:endCxn id="44" idx="0"/>
+          </p:cNvCxnSpPr>
+          <p:nvPr/>
+        </p:nvCxnSpPr>
+        <p:spPr>
+          <a:xfrm>
+            <a:off x="9966940" y="1462971"/>
+            <a:ext cx="1839" cy="217261"/>
+          </a:xfrm>
+          <a:prstGeom prst="straightConnector1">
+            <a:avLst/>
+          </a:prstGeom>
+          <a:ln>
+            <a:tailEnd type="triangle"/>
+          </a:ln>
+        </p:spPr>
+        <p:style>
+          <a:lnRef idx="1">
+            <a:schemeClr val="accent1"/>
+          </a:lnRef>
+          <a:fillRef idx="0">
+            <a:schemeClr val="accent1"/>
+          </a:fillRef>
+          <a:effectRef idx="0">
+            <a:schemeClr val="accent1"/>
+          </a:effectRef>
+          <a:fontRef idx="minor">
+            <a:schemeClr val="tx1"/>
+          </a:fontRef>
+        </p:style>
+      </p:cxnSp>
+      <p:cxnSp>
+        <p:nvCxnSpPr>
+          <p:cNvPr id="193" name="Straight Arrow Connector 192"/>
+          <p:cNvCxnSpPr>
+            <a:stCxn id="186" idx="2"/>
+            <a:endCxn id="21" idx="0"/>
+          </p:cNvCxnSpPr>
+          <p:nvPr/>
+        </p:nvCxnSpPr>
+        <p:spPr>
+          <a:xfrm flipH="1">
+            <a:off x="8070773" y="777401"/>
+            <a:ext cx="1057952" cy="329585"/>
+          </a:xfrm>
+          <a:prstGeom prst="straightConnector1">
+            <a:avLst/>
+          </a:prstGeom>
+          <a:ln>
+            <a:tailEnd type="triangle"/>
+          </a:ln>
+        </p:spPr>
+        <p:style>
+          <a:lnRef idx="1">
+            <a:schemeClr val="accent1"/>
+          </a:lnRef>
+          <a:fillRef idx="0">
+            <a:schemeClr val="accent1"/>
+          </a:fillRef>
+          <a:effectRef idx="0">
+            <a:schemeClr val="accent1"/>
+          </a:effectRef>
+          <a:fontRef idx="minor">
+            <a:schemeClr val="tx1"/>
+          </a:fontRef>
+        </p:style>
+      </p:cxnSp>
+      <p:cxnSp>
+        <p:nvCxnSpPr>
+          <p:cNvPr id="101" name="Straight Arrow Connector 100"/>
+          <p:cNvCxnSpPr>
+            <a:endCxn id="44" idx="3"/>
+          </p:cNvCxnSpPr>
+          <p:nvPr/>
+        </p:nvCxnSpPr>
+        <p:spPr>
+          <a:xfrm flipH="1">
+            <a:off x="10563653" y="1803342"/>
+            <a:ext cx="1280296" cy="1"/>
+          </a:xfrm>
+          <a:prstGeom prst="straightConnector1">
+            <a:avLst/>
+          </a:prstGeom>
+          <a:ln>
+            <a:headEnd type="triangle"/>
+            <a:tailEnd type="triangle"/>
+          </a:ln>
+        </p:spPr>
+        <p:style>
+          <a:lnRef idx="1">
+            <a:schemeClr val="accent1"/>
+          </a:lnRef>
+          <a:fillRef idx="0">
+            <a:schemeClr val="accent1"/>
+          </a:fillRef>
+          <a:effectRef idx="0">
+            <a:schemeClr val="accent1"/>
+          </a:effectRef>
+          <a:fontRef idx="minor">
+            <a:schemeClr val="tx1"/>
+          </a:fontRef>
+        </p:style>
+      </p:cxnSp>
+      <p:sp>
+        <p:nvSpPr>
+          <p:cNvPr id="102" name="TextBox 101"/>
+          <p:cNvSpPr txBox="1"/>
+          <p:nvPr/>
+        </p:nvSpPr>
+        <p:spPr>
+          <a:xfrm>
+            <a:off x="10904420" y="1419124"/>
+            <a:ext cx="1225014" cy="400110"/>
+          </a:xfrm>
+          <a:prstGeom prst="rect">
+            <a:avLst/>
+          </a:prstGeom>
+          <a:noFill/>
+        </p:spPr>
+        <p:txBody>
+          <a:bodyPr wrap="none" rtlCol="0">
+            <a:spAutoFit/>
+          </a:bodyPr>
+          <a:lstStyle/>
+          <a:p>
+            <a:pPr algn="ctr"/>
+            <a:r>
+              <a:rPr lang="en-US" sz="1000" dirty="0" err="1" smtClean="0"/>
+              <a:t>WiFi</a:t>
+            </a:r>
+            <a:r>
+              <a:rPr lang="en-US" sz="1000" dirty="0" smtClean="0"/>
+              <a:t> WPA2 Connect</a:t>
+            </a:r>
+          </a:p>
+          <a:p>
+            <a:pPr algn="ctr"/>
+            <a:r>
+              <a:rPr lang="en-US" sz="1000" dirty="0" smtClean="0"/>
+              <a:t>DHCP</a:t>
+            </a:r>
+            <a:r>
+              <a:rPr lang="mr-IN" sz="1000" dirty="0" smtClean="0"/>
+              <a:t>…</a:t>
+            </a:r>
+            <a:endParaRPr lang="en-US" sz="1000" dirty="0"/>
+          </a:p>
+        </p:txBody>
+      </p:sp>
+      <p:cxnSp>
+        <p:nvCxnSpPr>
+          <p:cNvPr id="104" name="Straight Arrow Connector 103"/>
+          <p:cNvCxnSpPr>
+            <a:endCxn id="114" idx="3"/>
+          </p:cNvCxnSpPr>
+          <p:nvPr/>
+        </p:nvCxnSpPr>
+        <p:spPr>
+          <a:xfrm flipH="1">
+            <a:off x="10717542" y="2305119"/>
+            <a:ext cx="1126408" cy="11092"/>
+          </a:xfrm>
+          <a:prstGeom prst="straightConnector1">
+            <a:avLst/>
+          </a:prstGeom>
+          <a:ln>
+            <a:headEnd type="triangle"/>
+            <a:tailEnd type="triangle"/>
+          </a:ln>
+        </p:spPr>
+        <p:style>
+          <a:lnRef idx="1">
+            <a:schemeClr val="accent1"/>
+          </a:lnRef>
+          <a:fillRef idx="0">
+            <a:schemeClr val="accent1"/>
+          </a:fillRef>
+          <a:effectRef idx="0">
+            <a:schemeClr val="accent1"/>
+          </a:effectRef>
+          <a:fontRef idx="minor">
+            <a:schemeClr val="tx1"/>
+          </a:fontRef>
+        </p:style>
+      </p:cxnSp>
+      <p:sp>
+        <p:nvSpPr>
+          <p:cNvPr id="105" name="TextBox 104"/>
+          <p:cNvSpPr txBox="1"/>
+          <p:nvPr/>
+        </p:nvSpPr>
+        <p:spPr>
+          <a:xfrm>
+            <a:off x="11196967" y="2045069"/>
+            <a:ext cx="639920" cy="246221"/>
+          </a:xfrm>
+          <a:prstGeom prst="rect">
+            <a:avLst/>
+          </a:prstGeom>
+          <a:noFill/>
+        </p:spPr>
+        <p:txBody>
+          <a:bodyPr wrap="none" rtlCol="0">
+            <a:spAutoFit/>
+          </a:bodyPr>
+          <a:lstStyle/>
+          <a:p>
+            <a:pPr algn="ctr"/>
+            <a:r>
+              <a:rPr lang="mr-IN" sz="1000" dirty="0" smtClean="0"/>
+              <a:t>…</a:t>
+            </a:r>
+            <a:r>
+              <a:rPr lang="en-US" sz="1000" dirty="0" smtClean="0"/>
+              <a:t> DNS </a:t>
+            </a:r>
+            <a:r>
+              <a:rPr lang="mr-IN" sz="1000" dirty="0" smtClean="0"/>
+              <a:t>…</a:t>
+            </a:r>
+            <a:endParaRPr lang="en-US" sz="1000" dirty="0"/>
+          </a:p>
+        </p:txBody>
+      </p:sp>
+      <p:cxnSp>
+        <p:nvCxnSpPr>
+          <p:cNvPr id="106" name="Straight Arrow Connector 105"/>
+          <p:cNvCxnSpPr>
+            <a:endCxn id="115" idx="3"/>
+          </p:cNvCxnSpPr>
+          <p:nvPr/>
+        </p:nvCxnSpPr>
+        <p:spPr>
+          <a:xfrm flipH="1">
+            <a:off x="10588500" y="4014482"/>
+            <a:ext cx="1255450" cy="1"/>
+          </a:xfrm>
+          <a:prstGeom prst="straightConnector1">
+            <a:avLst/>
+          </a:prstGeom>
+          <a:ln>
+            <a:headEnd type="triangle"/>
+            <a:tailEnd type="triangle"/>
+          </a:ln>
+        </p:spPr>
+        <p:style>
+          <a:lnRef idx="1">
+            <a:schemeClr val="accent1"/>
+          </a:lnRef>
+          <a:fillRef idx="0">
+            <a:schemeClr val="accent1"/>
+          </a:fillRef>
+          <a:effectRef idx="0">
+            <a:schemeClr val="accent1"/>
+          </a:effectRef>
+          <a:fontRef idx="minor">
+            <a:schemeClr val="tx1"/>
+          </a:fontRef>
+        </p:style>
+      </p:cxnSp>
+      <p:cxnSp>
+        <p:nvCxnSpPr>
+          <p:cNvPr id="107" name="Straight Arrow Connector 106"/>
+          <p:cNvCxnSpPr>
+            <a:stCxn id="53" idx="3"/>
+          </p:cNvCxnSpPr>
+          <p:nvPr/>
+        </p:nvCxnSpPr>
+        <p:spPr>
+          <a:xfrm flipV="1">
+            <a:off x="10567662" y="6361217"/>
+            <a:ext cx="1276287" cy="8908"/>
+          </a:xfrm>
+          <a:prstGeom prst="straightConnector1">
+            <a:avLst/>
+          </a:prstGeom>
+          <a:ln>
+            <a:headEnd type="none"/>
+            <a:tailEnd type="triangle"/>
+          </a:ln>
+        </p:spPr>
+        <p:style>
+          <a:lnRef idx="1">
+            <a:schemeClr val="accent1"/>
+          </a:lnRef>
+          <a:fillRef idx="0">
+            <a:schemeClr val="accent1"/>
+          </a:fillRef>
+          <a:effectRef idx="0">
+            <a:schemeClr val="accent1"/>
+          </a:effectRef>
+          <a:fontRef idx="minor">
+            <a:schemeClr val="tx1"/>
+          </a:fontRef>
+        </p:style>
+      </p:cxnSp>
+      <p:sp>
+        <p:nvSpPr>
+          <p:cNvPr id="108" name="TextBox 107"/>
+          <p:cNvSpPr txBox="1"/>
+          <p:nvPr/>
+        </p:nvSpPr>
+        <p:spPr>
+          <a:xfrm>
+            <a:off x="11033462" y="3623881"/>
+            <a:ext cx="966931" cy="400110"/>
+          </a:xfrm>
+          <a:prstGeom prst="rect">
+            <a:avLst/>
+          </a:prstGeom>
+          <a:noFill/>
+        </p:spPr>
+        <p:txBody>
+          <a:bodyPr wrap="none" rtlCol="0">
+            <a:spAutoFit/>
+          </a:bodyPr>
+          <a:lstStyle/>
+          <a:p>
+            <a:pPr algn="ctr"/>
+            <a:r>
+              <a:rPr lang="en-US" sz="1000" dirty="0" smtClean="0"/>
+              <a:t>TLS</a:t>
+            </a:r>
+          </a:p>
+          <a:p>
+            <a:pPr algn="ctr"/>
+            <a:r>
+              <a:rPr lang="en-US" sz="1000" dirty="0" smtClean="0"/>
+              <a:t>MQTT Connect</a:t>
+            </a:r>
+            <a:endParaRPr lang="en-US" sz="1000" dirty="0"/>
+          </a:p>
+        </p:txBody>
+      </p:sp>
+      <p:sp>
+        <p:nvSpPr>
+          <p:cNvPr id="109" name="TextBox 108"/>
+          <p:cNvSpPr txBox="1"/>
+          <p:nvPr/>
+        </p:nvSpPr>
+        <p:spPr>
+          <a:xfrm>
+            <a:off x="11062316" y="6114996"/>
+            <a:ext cx="909223" cy="246221"/>
+          </a:xfrm>
+          <a:prstGeom prst="rect">
+            <a:avLst/>
+          </a:prstGeom>
+          <a:noFill/>
+        </p:spPr>
+        <p:txBody>
+          <a:bodyPr wrap="none" rtlCol="0">
+            <a:spAutoFit/>
+          </a:bodyPr>
+          <a:lstStyle/>
+          <a:p>
+            <a:pPr algn="ctr"/>
+            <a:r>
+              <a:rPr lang="en-US" sz="1000" dirty="0" smtClean="0"/>
+              <a:t>MQTT Publish</a:t>
+            </a:r>
+            <a:endParaRPr lang="en-US" sz="1000" dirty="0"/>
+          </a:p>
+        </p:txBody>
+      </p:sp>
+      <p:sp>
+        <p:nvSpPr>
+          <p:cNvPr id="113" name="TextBox 112"/>
+          <p:cNvSpPr txBox="1"/>
+          <p:nvPr/>
+        </p:nvSpPr>
+        <p:spPr>
+          <a:xfrm>
+            <a:off x="10934877" y="6397784"/>
+            <a:ext cx="1164101" cy="246221"/>
+          </a:xfrm>
+          <a:prstGeom prst="rect">
+            <a:avLst/>
+          </a:prstGeom>
+          <a:noFill/>
+        </p:spPr>
+        <p:txBody>
+          <a:bodyPr wrap="none" rtlCol="0">
+            <a:spAutoFit/>
+          </a:bodyPr>
+          <a:lstStyle/>
+          <a:p>
+            <a:pPr algn="ctr"/>
+            <a:r>
+              <a:rPr lang="en-US" sz="1000" dirty="0" smtClean="0"/>
+              <a:t>MOTOR_POSITION</a:t>
+            </a:r>
+            <a:endParaRPr lang="en-US" sz="1000" dirty="0"/>
+          </a:p>
+        </p:txBody>
+      </p:sp>
+      <p:sp>
+        <p:nvSpPr>
+          <p:cNvPr id="114" name="TextBox 113"/>
+          <p:cNvSpPr txBox="1"/>
+          <p:nvPr/>
+        </p:nvSpPr>
+        <p:spPr>
+          <a:xfrm>
+            <a:off x="9220016" y="2193100"/>
+            <a:ext cx="1497526" cy="246221"/>
+          </a:xfrm>
+          <a:prstGeom prst="rect">
+            <a:avLst/>
+          </a:prstGeom>
+          <a:noFill/>
+        </p:spPr>
+        <p:txBody>
+          <a:bodyPr wrap="none" rtlCol="0">
+            <a:spAutoFit/>
+          </a:bodyPr>
+          <a:lstStyle/>
+          <a:p>
+            <a:pPr algn="ctr"/>
+            <a:r>
+              <a:rPr lang="en-US" sz="1000" dirty="0" err="1"/>
+              <a:t>w</a:t>
+            </a:r>
+            <a:r>
+              <a:rPr lang="en-US" sz="1000" dirty="0" err="1" smtClean="0"/>
+              <a:t>iced_hostname_lookup</a:t>
+            </a:r>
+            <a:endParaRPr lang="en-US" sz="1000" dirty="0"/>
+          </a:p>
+        </p:txBody>
+      </p:sp>
+      <p:sp>
+        <p:nvSpPr>
+          <p:cNvPr id="115" name="TextBox 114"/>
+          <p:cNvSpPr txBox="1"/>
+          <p:nvPr/>
+        </p:nvSpPr>
+        <p:spPr>
+          <a:xfrm>
+            <a:off x="9349058" y="3891372"/>
+            <a:ext cx="1239442" cy="246221"/>
+          </a:xfrm>
+          <a:prstGeom prst="rect">
+            <a:avLst/>
+          </a:prstGeom>
+          <a:noFill/>
+        </p:spPr>
+        <p:txBody>
+          <a:bodyPr wrap="none" rtlCol="0">
+            <a:spAutoFit/>
+          </a:bodyPr>
+          <a:lstStyle/>
+          <a:p>
+            <a:pPr algn="ctr"/>
+            <a:r>
+              <a:rPr lang="en-US" sz="1000" dirty="0" err="1" smtClean="0"/>
+              <a:t>wiced_aws_connect</a:t>
+            </a:r>
+            <a:endParaRPr lang="en-US" sz="1000" dirty="0"/>
+          </a:p>
+        </p:txBody>
+      </p:sp>
+      <p:cxnSp>
+        <p:nvCxnSpPr>
+          <p:cNvPr id="136" name="Straight Arrow Connector 135"/>
+          <p:cNvCxnSpPr>
+            <a:stCxn id="186" idx="2"/>
+            <a:endCxn id="185" idx="0"/>
+          </p:cNvCxnSpPr>
+          <p:nvPr/>
+        </p:nvCxnSpPr>
+        <p:spPr>
+          <a:xfrm>
+            <a:off x="9128725" y="777401"/>
+            <a:ext cx="840054" cy="387756"/>
+          </a:xfrm>
+          <a:prstGeom prst="straightConnector1">
+            <a:avLst/>
+          </a:prstGeom>
+          <a:ln>
+            <a:tailEnd type="triangle"/>
+          </a:ln>
+        </p:spPr>
+        <p:style>
+          <a:lnRef idx="1">
+            <a:schemeClr val="accent1"/>
+          </a:lnRef>
+          <a:fillRef idx="0">
+            <a:schemeClr val="accent1"/>
+          </a:fillRef>
+          <a:effectRef idx="0">
+            <a:schemeClr val="accent1"/>
+          </a:effectRef>
+          <a:fontRef idx="minor">
+            <a:schemeClr val="tx1"/>
+          </a:fontRef>
+        </p:style>
+      </p:cxnSp>
+      <p:sp>
+        <p:nvSpPr>
+          <p:cNvPr id="139" name="TextBox 138"/>
+          <p:cNvSpPr txBox="1"/>
+          <p:nvPr/>
+        </p:nvSpPr>
+        <p:spPr>
+          <a:xfrm>
+            <a:off x="9510961" y="5630410"/>
+            <a:ext cx="915636" cy="246221"/>
+          </a:xfrm>
+          <a:prstGeom prst="rect">
+            <a:avLst/>
+          </a:prstGeom>
+          <a:noFill/>
+        </p:spPr>
+        <p:txBody>
+          <a:bodyPr wrap="none" rtlCol="0">
+            <a:spAutoFit/>
+          </a:bodyPr>
+          <a:lstStyle/>
+          <a:p>
+            <a:pPr algn="ctr"/>
+            <a:r>
+              <a:rPr lang="en-US" sz="1000" dirty="0" err="1"/>
+              <a:t>r</a:t>
+            </a:r>
+            <a:r>
+              <a:rPr lang="en-US" sz="1000" dirty="0" err="1" smtClean="0"/>
+              <a:t>obot_publish</a:t>
+            </a:r>
+            <a:endParaRPr lang="en-US" sz="1000" dirty="0"/>
+          </a:p>
+        </p:txBody>
+      </p:sp>
+      <p:cxnSp>
+        <p:nvCxnSpPr>
+          <p:cNvPr id="140" name="Straight Arrow Connector 139"/>
+          <p:cNvCxnSpPr>
+            <a:stCxn id="139" idx="2"/>
+            <a:endCxn id="53" idx="0"/>
+          </p:cNvCxnSpPr>
+          <p:nvPr/>
+        </p:nvCxnSpPr>
+        <p:spPr>
+          <a:xfrm>
+            <a:off x="9968779" y="5876631"/>
+            <a:ext cx="1" cy="370383"/>
+          </a:xfrm>
+          <a:prstGeom prst="straightConnector1">
+            <a:avLst/>
+          </a:prstGeom>
+          <a:ln>
+            <a:tailEnd type="triangle"/>
+          </a:ln>
+        </p:spPr>
+        <p:style>
+          <a:lnRef idx="1">
+            <a:schemeClr val="accent1"/>
+          </a:lnRef>
+          <a:fillRef idx="0">
+            <a:schemeClr val="accent1"/>
+          </a:fillRef>
+          <a:effectRef idx="0">
+            <a:schemeClr val="accent1"/>
+          </a:effectRef>
+          <a:fontRef idx="minor">
+            <a:schemeClr val="tx1"/>
+          </a:fontRef>
+        </p:style>
+      </p:cxnSp>
+      <p:cxnSp>
+        <p:nvCxnSpPr>
+          <p:cNvPr id="143" name="Straight Arrow Connector 142"/>
+          <p:cNvCxnSpPr>
+            <a:stCxn id="21" idx="1"/>
+            <a:endCxn id="22" idx="3"/>
+          </p:cNvCxnSpPr>
+          <p:nvPr/>
+        </p:nvCxnSpPr>
+        <p:spPr>
+          <a:xfrm flipH="1">
+            <a:off x="7044227" y="1230097"/>
+            <a:ext cx="412435" cy="141449"/>
+          </a:xfrm>
+          <a:prstGeom prst="straightConnector1">
+            <a:avLst/>
+          </a:prstGeom>
+          <a:ln>
+            <a:tailEnd type="triangle"/>
+          </a:ln>
+        </p:spPr>
+        <p:style>
+          <a:lnRef idx="1">
+            <a:schemeClr val="accent1"/>
+          </a:lnRef>
+          <a:fillRef idx="0">
+            <a:schemeClr val="accent1"/>
+          </a:fillRef>
+          <a:effectRef idx="0">
+            <a:schemeClr val="accent1"/>
+          </a:effectRef>
+          <a:fontRef idx="minor">
+            <a:schemeClr val="tx1"/>
+          </a:fontRef>
+        </p:style>
+      </p:cxnSp>
+      <p:cxnSp>
+        <p:nvCxnSpPr>
+          <p:cNvPr id="146" name="Straight Arrow Connector 145"/>
+          <p:cNvCxnSpPr>
+            <a:stCxn id="22" idx="3"/>
+            <a:endCxn id="24" idx="1"/>
+          </p:cNvCxnSpPr>
+          <p:nvPr/>
+        </p:nvCxnSpPr>
+        <p:spPr>
+          <a:xfrm>
+            <a:off x="7044227" y="1371546"/>
+            <a:ext cx="407626" cy="206391"/>
+          </a:xfrm>
+          <a:prstGeom prst="straightConnector1">
+            <a:avLst/>
+          </a:prstGeom>
+          <a:ln>
+            <a:tailEnd type="triangle"/>
+          </a:ln>
+        </p:spPr>
+        <p:style>
+          <a:lnRef idx="1">
+            <a:schemeClr val="accent1"/>
+          </a:lnRef>
+          <a:fillRef idx="0">
+            <a:schemeClr val="accent1"/>
+          </a:fillRef>
+          <a:effectRef idx="0">
+            <a:schemeClr val="accent1"/>
+          </a:effectRef>
+          <a:fontRef idx="minor">
+            <a:schemeClr val="tx1"/>
+          </a:fontRef>
+        </p:style>
+      </p:cxnSp>
+      <p:sp>
+        <p:nvSpPr>
+          <p:cNvPr id="149" name="TextBox 148"/>
+          <p:cNvSpPr txBox="1"/>
+          <p:nvPr/>
+        </p:nvSpPr>
+        <p:spPr>
+          <a:xfrm>
+            <a:off x="7384526" y="2728155"/>
+            <a:ext cx="1372492" cy="400110"/>
+          </a:xfrm>
+          <a:prstGeom prst="rect">
+            <a:avLst/>
+          </a:prstGeom>
+          <a:noFill/>
+        </p:spPr>
+        <p:txBody>
+          <a:bodyPr wrap="none" rtlCol="0">
+            <a:spAutoFit/>
+          </a:bodyPr>
+          <a:lstStyle/>
+          <a:p>
+            <a:pPr algn="ctr"/>
+            <a:r>
+              <a:rPr lang="en-US" sz="1000" dirty="0" err="1"/>
+              <a:t>w</a:t>
+            </a:r>
+            <a:r>
+              <a:rPr lang="en-US" sz="1000" dirty="0" err="1" smtClean="0"/>
+              <a:t>iced_bt_ble_set_raw</a:t>
+            </a:r>
+            <a:endParaRPr lang="en-US" sz="1000" dirty="0"/>
+          </a:p>
+          <a:p>
+            <a:pPr algn="ctr"/>
+            <a:r>
+              <a:rPr lang="en-US" sz="1000" dirty="0"/>
+              <a:t>a</a:t>
+            </a:r>
+            <a:r>
+              <a:rPr lang="en-US" sz="1000" dirty="0" smtClean="0"/>
+              <a:t>dvertisement</a:t>
+            </a:r>
+            <a:r>
+              <a:rPr lang="en-US" sz="1000" dirty="0" smtClean="0"/>
+              <a:t> data</a:t>
+            </a:r>
+            <a:endParaRPr lang="en-US" sz="1000" dirty="0" smtClean="0"/>
+          </a:p>
+        </p:txBody>
+      </p:sp>
+      <p:sp>
+        <p:nvSpPr>
+          <p:cNvPr id="151" name="TextBox 150"/>
+          <p:cNvSpPr txBox="1"/>
+          <p:nvPr/>
+        </p:nvSpPr>
+        <p:spPr>
+          <a:xfrm>
+            <a:off x="5986726" y="4962849"/>
+            <a:ext cx="1138452" cy="400110"/>
+          </a:xfrm>
+          <a:prstGeom prst="rect">
+            <a:avLst/>
+          </a:prstGeom>
+          <a:noFill/>
+        </p:spPr>
+        <p:txBody>
+          <a:bodyPr wrap="none" rtlCol="0">
+            <a:spAutoFit/>
+          </a:bodyPr>
+          <a:lstStyle/>
+          <a:p>
+            <a:pPr algn="ctr"/>
+            <a:r>
+              <a:rPr lang="en-US" sz="1000" dirty="0" smtClean="0"/>
+              <a:t>GATT_ATTRIBUTE</a:t>
+            </a:r>
+          </a:p>
+          <a:p>
+            <a:pPr algn="ctr"/>
+            <a:r>
+              <a:rPr lang="en-US" sz="1000" dirty="0" smtClean="0"/>
+              <a:t>REQUEST_EVENT</a:t>
+            </a:r>
+            <a:endParaRPr lang="en-US" sz="1000" dirty="0"/>
+          </a:p>
+        </p:txBody>
+      </p:sp>
+      <p:sp>
+        <p:nvSpPr>
+          <p:cNvPr id="155" name="TextBox 154"/>
+          <p:cNvSpPr txBox="1"/>
+          <p:nvPr/>
+        </p:nvSpPr>
+        <p:spPr>
+          <a:xfrm>
+            <a:off x="5934628" y="3698314"/>
+            <a:ext cx="1242648" cy="400110"/>
+          </a:xfrm>
+          <a:prstGeom prst="rect">
+            <a:avLst/>
+          </a:prstGeom>
+          <a:noFill/>
+        </p:spPr>
+        <p:txBody>
+          <a:bodyPr wrap="none" rtlCol="0">
+            <a:spAutoFit/>
+          </a:bodyPr>
+          <a:lstStyle/>
+          <a:p>
+            <a:pPr algn="ctr"/>
+            <a:r>
+              <a:rPr lang="en-US" sz="1000" dirty="0" smtClean="0"/>
+              <a:t>GATT_CONNECTION</a:t>
+            </a:r>
+          </a:p>
+          <a:p>
+            <a:pPr algn="ctr"/>
+            <a:r>
+              <a:rPr lang="en-US" sz="1000" dirty="0" smtClean="0"/>
+              <a:t>STATUS_EVENT</a:t>
+            </a:r>
+            <a:endParaRPr lang="en-US" sz="1000" dirty="0"/>
+          </a:p>
+        </p:txBody>
+      </p:sp>
+      <p:cxnSp>
+        <p:nvCxnSpPr>
+          <p:cNvPr id="156" name="Straight Arrow Connector 155"/>
+          <p:cNvCxnSpPr>
+            <a:stCxn id="23" idx="2"/>
+            <a:endCxn id="25" idx="0"/>
+          </p:cNvCxnSpPr>
+          <p:nvPr/>
+        </p:nvCxnSpPr>
+        <p:spPr>
+          <a:xfrm flipH="1">
+            <a:off x="8070772" y="2123677"/>
+            <a:ext cx="1" cy="197265"/>
+          </a:xfrm>
+          <a:prstGeom prst="straightConnector1">
+            <a:avLst/>
+          </a:prstGeom>
+          <a:ln>
+            <a:tailEnd type="triangle"/>
+          </a:ln>
+        </p:spPr>
+        <p:style>
+          <a:lnRef idx="1">
+            <a:schemeClr val="accent1"/>
+          </a:lnRef>
+          <a:fillRef idx="0">
+            <a:schemeClr val="accent1"/>
+          </a:fillRef>
+          <a:effectRef idx="0">
+            <a:schemeClr val="accent1"/>
+          </a:effectRef>
+          <a:fontRef idx="minor">
+            <a:schemeClr val="tx1"/>
+          </a:fontRef>
+        </p:style>
+      </p:cxnSp>
+      <p:cxnSp>
+        <p:nvCxnSpPr>
+          <p:cNvPr id="158" name="Straight Arrow Connector 157"/>
+          <p:cNvCxnSpPr>
+            <a:stCxn id="149" idx="2"/>
+            <a:endCxn id="32" idx="0"/>
+          </p:cNvCxnSpPr>
+          <p:nvPr/>
+        </p:nvCxnSpPr>
+        <p:spPr>
+          <a:xfrm>
+            <a:off x="8070772" y="3128265"/>
+            <a:ext cx="0" cy="147368"/>
+          </a:xfrm>
+          <a:prstGeom prst="straightConnector1">
+            <a:avLst/>
+          </a:prstGeom>
+          <a:ln>
+            <a:tailEnd type="triangle"/>
+          </a:ln>
+        </p:spPr>
+        <p:style>
+          <a:lnRef idx="1">
+            <a:schemeClr val="accent1"/>
+          </a:lnRef>
+          <a:fillRef idx="0">
+            <a:schemeClr val="accent1"/>
+          </a:fillRef>
+          <a:effectRef idx="0">
+            <a:schemeClr val="accent1"/>
+          </a:effectRef>
+          <a:fontRef idx="minor">
+            <a:schemeClr val="tx1"/>
+          </a:fontRef>
+        </p:style>
+      </p:cxnSp>
+      <p:sp>
+        <p:nvSpPr>
+          <p:cNvPr id="164" name="TextBox 163"/>
+          <p:cNvSpPr txBox="1"/>
+          <p:nvPr/>
+        </p:nvSpPr>
+        <p:spPr>
+          <a:xfrm>
+            <a:off x="5934628" y="6033330"/>
+            <a:ext cx="1242648" cy="400110"/>
+          </a:xfrm>
+          <a:prstGeom prst="rect">
+            <a:avLst/>
+          </a:prstGeom>
+          <a:noFill/>
+        </p:spPr>
+        <p:txBody>
+          <a:bodyPr wrap="none" rtlCol="0">
+            <a:spAutoFit/>
+          </a:bodyPr>
+          <a:lstStyle/>
+          <a:p>
+            <a:pPr algn="ctr"/>
+            <a:r>
+              <a:rPr lang="en-US" sz="1000" dirty="0" smtClean="0"/>
+              <a:t>GATT_CONNECTION</a:t>
+            </a:r>
+          </a:p>
+          <a:p>
+            <a:pPr algn="ctr"/>
+            <a:r>
+              <a:rPr lang="en-US" sz="1000" dirty="0" smtClean="0"/>
+              <a:t>STATUS_EVENT</a:t>
+            </a:r>
+            <a:endParaRPr lang="en-US" sz="1000" dirty="0"/>
+          </a:p>
+        </p:txBody>
+      </p:sp>
+      <p:cxnSp>
+        <p:nvCxnSpPr>
+          <p:cNvPr id="168" name="Straight Arrow Connector 167"/>
+          <p:cNvCxnSpPr>
+            <a:stCxn id="28" idx="3"/>
+            <a:endCxn id="139" idx="1"/>
+          </p:cNvCxnSpPr>
+          <p:nvPr/>
+        </p:nvCxnSpPr>
+        <p:spPr>
+          <a:xfrm flipV="1">
+            <a:off x="8630381" y="5753521"/>
+            <a:ext cx="880580" cy="1793"/>
+          </a:xfrm>
+          <a:prstGeom prst="straightConnector1">
+            <a:avLst/>
+          </a:prstGeom>
+          <a:ln>
+            <a:tailEnd type="triangle"/>
+          </a:ln>
+        </p:spPr>
+        <p:style>
+          <a:lnRef idx="1">
+            <a:schemeClr val="accent1"/>
+          </a:lnRef>
+          <a:fillRef idx="0">
+            <a:schemeClr val="accent1"/>
+          </a:fillRef>
+          <a:effectRef idx="0">
+            <a:schemeClr val="accent1"/>
+          </a:effectRef>
+          <a:fontRef idx="minor">
+            <a:schemeClr val="tx1"/>
+          </a:fontRef>
+        </p:style>
+      </p:cxnSp>
+      <p:sp>
+        <p:nvSpPr>
+          <p:cNvPr id="170" name="TextBox 169"/>
+          <p:cNvSpPr txBox="1"/>
+          <p:nvPr/>
+        </p:nvSpPr>
+        <p:spPr>
+          <a:xfrm>
+            <a:off x="7610550" y="5039793"/>
+            <a:ext cx="920445" cy="246221"/>
+          </a:xfrm>
+          <a:prstGeom prst="rect">
+            <a:avLst/>
+          </a:prstGeom>
+          <a:noFill/>
+        </p:spPr>
+        <p:txBody>
+          <a:bodyPr wrap="none" rtlCol="0">
+            <a:spAutoFit/>
+          </a:bodyPr>
+          <a:lstStyle/>
+          <a:p>
+            <a:pPr algn="ctr"/>
+            <a:r>
+              <a:rPr lang="en-US" sz="1000" dirty="0" err="1"/>
+              <a:t>g</a:t>
+            </a:r>
+            <a:r>
+              <a:rPr lang="en-US" sz="1000" dirty="0" err="1" smtClean="0"/>
+              <a:t>atts_callback</a:t>
+            </a:r>
+            <a:endParaRPr lang="en-US" sz="1000" dirty="0"/>
+          </a:p>
+        </p:txBody>
+      </p:sp>
+      <p:cxnSp>
+        <p:nvCxnSpPr>
+          <p:cNvPr id="171" name="Straight Arrow Connector 170"/>
+          <p:cNvCxnSpPr>
+            <a:stCxn id="170" idx="2"/>
+            <a:endCxn id="28" idx="0"/>
+          </p:cNvCxnSpPr>
+          <p:nvPr/>
+        </p:nvCxnSpPr>
+        <p:spPr>
+          <a:xfrm>
+            <a:off x="8070773" y="5286014"/>
+            <a:ext cx="0" cy="269245"/>
+          </a:xfrm>
+          <a:prstGeom prst="straightConnector1">
+            <a:avLst/>
+          </a:prstGeom>
+          <a:ln>
+            <a:tailEnd type="triangle"/>
+          </a:ln>
+        </p:spPr>
+        <p:style>
+          <a:lnRef idx="1">
+            <a:schemeClr val="accent1"/>
+          </a:lnRef>
+          <a:fillRef idx="0">
+            <a:schemeClr val="accent1"/>
+          </a:fillRef>
+          <a:effectRef idx="0">
+            <a:schemeClr val="accent1"/>
+          </a:effectRef>
+          <a:fontRef idx="minor">
+            <a:schemeClr val="tx1"/>
+          </a:fontRef>
+        </p:style>
+      </p:cxnSp>
+      <p:cxnSp>
+        <p:nvCxnSpPr>
+          <p:cNvPr id="174" name="Straight Arrow Connector 173"/>
+          <p:cNvCxnSpPr>
+            <a:stCxn id="151" idx="3"/>
+            <a:endCxn id="170" idx="1"/>
+          </p:cNvCxnSpPr>
+          <p:nvPr/>
+        </p:nvCxnSpPr>
+        <p:spPr>
+          <a:xfrm>
+            <a:off x="7125178" y="5162904"/>
+            <a:ext cx="485372" cy="0"/>
+          </a:xfrm>
+          <a:prstGeom prst="straightConnector1">
+            <a:avLst/>
+          </a:prstGeom>
+          <a:ln>
+            <a:tailEnd type="triangle"/>
+          </a:ln>
+        </p:spPr>
+        <p:style>
+          <a:lnRef idx="1">
+            <a:schemeClr val="accent1"/>
+          </a:lnRef>
+          <a:fillRef idx="0">
+            <a:schemeClr val="accent1"/>
+          </a:fillRef>
+          <a:effectRef idx="0">
+            <a:schemeClr val="accent1"/>
+          </a:effectRef>
+          <a:fontRef idx="minor">
+            <a:schemeClr val="tx1"/>
+          </a:fontRef>
+        </p:style>
+      </p:cxnSp>
+      <p:sp>
+        <p:nvSpPr>
+          <p:cNvPr id="177" name="TextBox 176"/>
+          <p:cNvSpPr txBox="1"/>
+          <p:nvPr/>
+        </p:nvSpPr>
+        <p:spPr>
+          <a:xfrm>
+            <a:off x="4526349" y="322151"/>
+            <a:ext cx="1104790" cy="646331"/>
+          </a:xfrm>
+          <a:prstGeom prst="rect">
+            <a:avLst/>
+          </a:prstGeom>
+          <a:noFill/>
+        </p:spPr>
+        <p:txBody>
+          <a:bodyPr wrap="none" rtlCol="0">
+            <a:spAutoFit/>
+          </a:bodyPr>
+          <a:lstStyle/>
+          <a:p>
+            <a:pPr algn="ctr"/>
+            <a:r>
+              <a:rPr lang="en-US" u="sng" dirty="0" smtClean="0"/>
+              <a:t>BLE Radio</a:t>
+            </a:r>
+          </a:p>
+          <a:p>
+            <a:pPr algn="ctr"/>
+            <a:r>
+              <a:rPr lang="en-US" u="sng" dirty="0" smtClean="0"/>
+              <a:t>Waves</a:t>
+            </a:r>
+            <a:endParaRPr lang="en-US" u="sng" dirty="0"/>
+          </a:p>
+        </p:txBody>
+      </p:sp>
+      <p:cxnSp>
+        <p:nvCxnSpPr>
+          <p:cNvPr id="179" name="Straight Connector 178"/>
+          <p:cNvCxnSpPr/>
+          <p:nvPr/>
+        </p:nvCxnSpPr>
+        <p:spPr>
+          <a:xfrm flipH="1">
+            <a:off x="4419725" y="686046"/>
+            <a:ext cx="52935" cy="5875670"/>
+          </a:xfrm>
+          <a:prstGeom prst="line">
+            <a:avLst/>
+          </a:prstGeom>
+        </p:spPr>
+        <p:style>
+          <a:lnRef idx="1">
+            <a:schemeClr val="accent1"/>
+          </a:lnRef>
+          <a:fillRef idx="0">
+            <a:schemeClr val="accent1"/>
+          </a:fillRef>
+          <a:effectRef idx="0">
+            <a:schemeClr val="accent1"/>
+          </a:effectRef>
+          <a:fontRef idx="minor">
+            <a:schemeClr val="tx1"/>
+          </a:fontRef>
+        </p:style>
+      </p:cxnSp>
+      <p:cxnSp>
+        <p:nvCxnSpPr>
+          <p:cNvPr id="180" name="Straight Connector 179"/>
+          <p:cNvCxnSpPr/>
+          <p:nvPr/>
+        </p:nvCxnSpPr>
+        <p:spPr>
+          <a:xfrm flipH="1">
+            <a:off x="5733136" y="675446"/>
+            <a:ext cx="16112" cy="5886270"/>
+          </a:xfrm>
+          <a:prstGeom prst="line">
+            <a:avLst/>
+          </a:prstGeom>
+        </p:spPr>
+        <p:style>
+          <a:lnRef idx="1">
+            <a:schemeClr val="accent1"/>
+          </a:lnRef>
+          <a:fillRef idx="0">
+            <a:schemeClr val="accent1"/>
+          </a:fillRef>
+          <a:effectRef idx="0">
+            <a:schemeClr val="accent1"/>
+          </a:effectRef>
+          <a:fontRef idx="minor">
+            <a:schemeClr val="tx1"/>
+          </a:fontRef>
+        </p:style>
+      </p:cxnSp>
+      <p:sp>
+        <p:nvSpPr>
+          <p:cNvPr id="182" name="TextBox 181"/>
+          <p:cNvSpPr txBox="1"/>
+          <p:nvPr/>
+        </p:nvSpPr>
+        <p:spPr>
+          <a:xfrm>
+            <a:off x="4933369" y="2536671"/>
+            <a:ext cx="409086" cy="246221"/>
+          </a:xfrm>
+          <a:prstGeom prst="rect">
+            <a:avLst/>
+          </a:prstGeom>
+          <a:noFill/>
+        </p:spPr>
+        <p:txBody>
+          <a:bodyPr wrap="none" rtlCol="0">
+            <a:spAutoFit/>
+          </a:bodyPr>
+          <a:lstStyle/>
+          <a:p>
+            <a:pPr algn="ctr"/>
+            <a:r>
+              <a:rPr lang="en-US" sz="1000" dirty="0" smtClean="0"/>
+              <a:t>ADV</a:t>
+            </a:r>
+            <a:endParaRPr lang="en-US" sz="1000" dirty="0"/>
+          </a:p>
+        </p:txBody>
+      </p:sp>
+      <p:sp>
+        <p:nvSpPr>
+          <p:cNvPr id="183" name="TextBox 182"/>
+          <p:cNvSpPr txBox="1"/>
+          <p:nvPr/>
+        </p:nvSpPr>
+        <p:spPr>
+          <a:xfrm>
+            <a:off x="4659256" y="3775259"/>
+            <a:ext cx="957313" cy="246221"/>
+          </a:xfrm>
+          <a:prstGeom prst="rect">
+            <a:avLst/>
+          </a:prstGeom>
+          <a:noFill/>
+        </p:spPr>
+        <p:txBody>
+          <a:bodyPr wrap="none" rtlCol="0">
+            <a:spAutoFit/>
+          </a:bodyPr>
+          <a:lstStyle/>
+          <a:p>
+            <a:pPr algn="ctr"/>
+            <a:r>
+              <a:rPr lang="en-US" sz="1000" dirty="0" smtClean="0"/>
+              <a:t>CONNECT_IND</a:t>
+            </a:r>
+            <a:endParaRPr lang="en-US" sz="1000" dirty="0"/>
+          </a:p>
+        </p:txBody>
+      </p:sp>
+      <p:sp>
+        <p:nvSpPr>
+          <p:cNvPr id="184" name="TextBox 183"/>
+          <p:cNvSpPr txBox="1"/>
+          <p:nvPr/>
+        </p:nvSpPr>
+        <p:spPr>
+          <a:xfrm>
+            <a:off x="4659256" y="4321058"/>
+            <a:ext cx="957313" cy="246221"/>
+          </a:xfrm>
+          <a:prstGeom prst="rect">
+            <a:avLst/>
+          </a:prstGeom>
+          <a:noFill/>
+        </p:spPr>
+        <p:txBody>
+          <a:bodyPr wrap="none" rtlCol="0">
+            <a:spAutoFit/>
+          </a:bodyPr>
+          <a:lstStyle/>
+          <a:p>
+            <a:pPr algn="ctr"/>
+            <a:r>
+              <a:rPr lang="en-US" sz="1000" dirty="0"/>
+              <a:t>CONNECT_IND</a:t>
+            </a:r>
+            <a:endParaRPr lang="en-US" sz="1000" dirty="0" smtClean="0"/>
+          </a:p>
+        </p:txBody>
+      </p:sp>
+      <p:sp>
+        <p:nvSpPr>
+          <p:cNvPr id="188" name="TextBox 187"/>
+          <p:cNvSpPr txBox="1"/>
+          <p:nvPr/>
+        </p:nvSpPr>
+        <p:spPr>
+          <a:xfrm>
+            <a:off x="4574296" y="5039793"/>
+            <a:ext cx="1127232" cy="246221"/>
+          </a:xfrm>
+          <a:prstGeom prst="rect">
+            <a:avLst/>
+          </a:prstGeom>
+          <a:noFill/>
+        </p:spPr>
+        <p:txBody>
+          <a:bodyPr wrap="square" rtlCol="0">
+            <a:spAutoFit/>
+          </a:bodyPr>
+          <a:lstStyle/>
+          <a:p>
+            <a:pPr algn="ctr"/>
+            <a:r>
+              <a:rPr lang="en-US" sz="1000" dirty="0"/>
+              <a:t>WRITE_CMD_REQ</a:t>
+            </a:r>
+            <a:endParaRPr lang="en-US" sz="1000" dirty="0"/>
+          </a:p>
+        </p:txBody>
+      </p:sp>
+      <p:sp>
+        <p:nvSpPr>
+          <p:cNvPr id="189" name="TextBox 188"/>
+          <p:cNvSpPr txBox="1"/>
+          <p:nvPr/>
+        </p:nvSpPr>
+        <p:spPr>
+          <a:xfrm>
+            <a:off x="5023612" y="6094886"/>
+            <a:ext cx="228600" cy="276999"/>
+          </a:xfrm>
+          <a:prstGeom prst="rect">
+            <a:avLst/>
+          </a:prstGeom>
+          <a:noFill/>
+        </p:spPr>
+        <p:txBody>
+          <a:bodyPr wrap="none" rtlCol="0">
+            <a:noAutofit/>
+          </a:bodyPr>
+          <a:lstStyle/>
+          <a:p>
+            <a:pPr algn="ctr"/>
+            <a:r>
+              <a:rPr lang="en-US" sz="1000" dirty="0" smtClean="0"/>
+              <a:t>X</a:t>
+            </a:r>
+            <a:endParaRPr lang="en-US" sz="1000" dirty="0"/>
+          </a:p>
+        </p:txBody>
+      </p:sp>
+      <p:cxnSp>
+        <p:nvCxnSpPr>
+          <p:cNvPr id="191" name="Straight Arrow Connector 190"/>
+          <p:cNvCxnSpPr>
+            <a:stCxn id="188" idx="3"/>
+          </p:cNvCxnSpPr>
+          <p:nvPr/>
+        </p:nvCxnSpPr>
+        <p:spPr>
+          <a:xfrm>
+            <a:off x="5701528" y="5162904"/>
+            <a:ext cx="350510" cy="0"/>
+          </a:xfrm>
+          <a:prstGeom prst="straightConnector1">
+            <a:avLst/>
+          </a:prstGeom>
+          <a:ln>
+            <a:tailEnd type="triangle"/>
+          </a:ln>
+        </p:spPr>
+        <p:style>
+          <a:lnRef idx="1">
+            <a:schemeClr val="accent1"/>
+          </a:lnRef>
+          <a:fillRef idx="0">
+            <a:schemeClr val="accent1"/>
+          </a:fillRef>
+          <a:effectRef idx="0">
+            <a:schemeClr val="accent1"/>
+          </a:effectRef>
+          <a:fontRef idx="minor">
+            <a:schemeClr val="tx1"/>
+          </a:fontRef>
+        </p:style>
+      </p:cxnSp>
+      <p:cxnSp>
+        <p:nvCxnSpPr>
+          <p:cNvPr id="192" name="Straight Arrow Connector 191"/>
+          <p:cNvCxnSpPr>
+            <a:endCxn id="182" idx="3"/>
+          </p:cNvCxnSpPr>
+          <p:nvPr/>
+        </p:nvCxnSpPr>
+        <p:spPr>
+          <a:xfrm flipH="1" flipV="1">
+            <a:off x="5342455" y="2659782"/>
+            <a:ext cx="2231226" cy="833840"/>
+          </a:xfrm>
+          <a:prstGeom prst="straightConnector1">
+            <a:avLst/>
+          </a:prstGeom>
+          <a:ln>
+            <a:tailEnd type="triangle"/>
+          </a:ln>
+        </p:spPr>
+        <p:style>
+          <a:lnRef idx="1">
+            <a:schemeClr val="accent1"/>
+          </a:lnRef>
+          <a:fillRef idx="0">
+            <a:schemeClr val="accent1"/>
+          </a:fillRef>
+          <a:effectRef idx="0">
+            <a:schemeClr val="accent1"/>
+          </a:effectRef>
+          <a:fontRef idx="minor">
+            <a:schemeClr val="tx1"/>
+          </a:fontRef>
+        </p:style>
+      </p:cxnSp>
+      <p:sp>
+        <p:nvSpPr>
+          <p:cNvPr id="199" name="TextBox 198"/>
+          <p:cNvSpPr txBox="1"/>
+          <p:nvPr/>
+        </p:nvSpPr>
+        <p:spPr>
+          <a:xfrm>
+            <a:off x="7610550" y="3775259"/>
+            <a:ext cx="920445" cy="246221"/>
+          </a:xfrm>
+          <a:prstGeom prst="rect">
+            <a:avLst/>
+          </a:prstGeom>
+          <a:noFill/>
+        </p:spPr>
+        <p:txBody>
+          <a:bodyPr wrap="none" rtlCol="0">
+            <a:spAutoFit/>
+          </a:bodyPr>
+          <a:lstStyle/>
+          <a:p>
+            <a:pPr algn="ctr"/>
+            <a:r>
+              <a:rPr lang="en-US" sz="1000" dirty="0" err="1"/>
+              <a:t>g</a:t>
+            </a:r>
+            <a:r>
+              <a:rPr lang="en-US" sz="1000" dirty="0" err="1" smtClean="0"/>
+              <a:t>atts_callback</a:t>
+            </a:r>
+            <a:endParaRPr lang="en-US" sz="1000" dirty="0"/>
+          </a:p>
+        </p:txBody>
+      </p:sp>
+      <p:cxnSp>
+        <p:nvCxnSpPr>
+          <p:cNvPr id="200" name="Straight Arrow Connector 199"/>
+          <p:cNvCxnSpPr>
+            <a:stCxn id="155" idx="1"/>
+            <a:endCxn id="183" idx="3"/>
+          </p:cNvCxnSpPr>
+          <p:nvPr/>
+        </p:nvCxnSpPr>
+        <p:spPr>
+          <a:xfrm flipH="1">
+            <a:off x="5616569" y="3898369"/>
+            <a:ext cx="318059" cy="1"/>
+          </a:xfrm>
+          <a:prstGeom prst="straightConnector1">
+            <a:avLst/>
+          </a:prstGeom>
+          <a:ln>
+            <a:headEnd type="triangle"/>
+            <a:tailEnd type="none"/>
+          </a:ln>
+        </p:spPr>
+        <p:style>
+          <a:lnRef idx="1">
+            <a:schemeClr val="accent1"/>
+          </a:lnRef>
+          <a:fillRef idx="0">
+            <a:schemeClr val="accent1"/>
+          </a:fillRef>
+          <a:effectRef idx="0">
+            <a:schemeClr val="accent1"/>
+          </a:effectRef>
+          <a:fontRef idx="minor">
+            <a:schemeClr val="tx1"/>
+          </a:fontRef>
+        </p:style>
+      </p:cxnSp>
+      <p:cxnSp>
+        <p:nvCxnSpPr>
+          <p:cNvPr id="203" name="Straight Arrow Connector 202"/>
+          <p:cNvCxnSpPr>
+            <a:stCxn id="155" idx="1"/>
+            <a:endCxn id="184" idx="3"/>
+          </p:cNvCxnSpPr>
+          <p:nvPr/>
+        </p:nvCxnSpPr>
+        <p:spPr>
+          <a:xfrm flipH="1">
+            <a:off x="5616569" y="3898369"/>
+            <a:ext cx="318059" cy="545800"/>
+          </a:xfrm>
+          <a:prstGeom prst="straightConnector1">
+            <a:avLst/>
+          </a:prstGeom>
+          <a:ln>
+            <a:tailEnd type="triangle"/>
+          </a:ln>
+        </p:spPr>
+        <p:style>
+          <a:lnRef idx="1">
+            <a:schemeClr val="accent1"/>
+          </a:lnRef>
+          <a:fillRef idx="0">
+            <a:schemeClr val="accent1"/>
+          </a:fillRef>
+          <a:effectRef idx="0">
+            <a:schemeClr val="accent1"/>
+          </a:effectRef>
+          <a:fontRef idx="minor">
+            <a:schemeClr val="tx1"/>
+          </a:fontRef>
+        </p:style>
+      </p:cxnSp>
+      <p:sp>
+        <p:nvSpPr>
+          <p:cNvPr id="207" name="TextBox 206"/>
+          <p:cNvSpPr txBox="1"/>
+          <p:nvPr/>
+        </p:nvSpPr>
+        <p:spPr>
+          <a:xfrm>
+            <a:off x="7427006" y="4232220"/>
+            <a:ext cx="1287533" cy="246221"/>
+          </a:xfrm>
+          <a:prstGeom prst="rect">
+            <a:avLst/>
+          </a:prstGeom>
+          <a:noFill/>
+        </p:spPr>
+        <p:txBody>
+          <a:bodyPr wrap="none" rtlCol="0">
+            <a:spAutoFit/>
+          </a:bodyPr>
+          <a:lstStyle/>
+          <a:p>
+            <a:pPr algn="ctr"/>
+            <a:r>
+              <a:rPr lang="en-US" sz="1000" dirty="0" err="1"/>
+              <a:t>g</a:t>
+            </a:r>
+            <a:r>
+              <a:rPr lang="en-US" sz="1000" dirty="0" err="1" smtClean="0"/>
+              <a:t>atts_connection_up</a:t>
+            </a:r>
+            <a:endParaRPr lang="en-US" sz="1000" dirty="0"/>
+          </a:p>
+        </p:txBody>
+      </p:sp>
+      <p:cxnSp>
+        <p:nvCxnSpPr>
+          <p:cNvPr id="208" name="Straight Arrow Connector 207"/>
+          <p:cNvCxnSpPr>
+            <a:stCxn id="199" idx="2"/>
+            <a:endCxn id="207" idx="0"/>
+          </p:cNvCxnSpPr>
+          <p:nvPr/>
+        </p:nvCxnSpPr>
+        <p:spPr>
+          <a:xfrm>
+            <a:off x="8070773" y="4021480"/>
+            <a:ext cx="0" cy="210740"/>
+          </a:xfrm>
+          <a:prstGeom prst="straightConnector1">
+            <a:avLst/>
+          </a:prstGeom>
+          <a:ln>
+            <a:tailEnd type="triangle"/>
+          </a:ln>
+        </p:spPr>
+        <p:style>
+          <a:lnRef idx="1">
+            <a:schemeClr val="accent1"/>
+          </a:lnRef>
+          <a:fillRef idx="0">
+            <a:schemeClr val="accent1"/>
+          </a:fillRef>
+          <a:effectRef idx="0">
+            <a:schemeClr val="accent1"/>
+          </a:effectRef>
+          <a:fontRef idx="minor">
+            <a:schemeClr val="tx1"/>
+          </a:fontRef>
+        </p:style>
+      </p:cxnSp>
+      <p:sp>
+        <p:nvSpPr>
+          <p:cNvPr id="214" name="TextBox 213"/>
+          <p:cNvSpPr txBox="1"/>
+          <p:nvPr/>
+        </p:nvSpPr>
+        <p:spPr>
+          <a:xfrm>
+            <a:off x="7526392" y="6033330"/>
+            <a:ext cx="1088760" cy="400110"/>
+          </a:xfrm>
+          <a:prstGeom prst="rect">
+            <a:avLst/>
+          </a:prstGeom>
+          <a:noFill/>
+        </p:spPr>
+        <p:txBody>
+          <a:bodyPr wrap="none" rtlCol="0">
+            <a:spAutoFit/>
+          </a:bodyPr>
+          <a:lstStyle/>
+          <a:p>
+            <a:pPr algn="ctr"/>
+            <a:r>
+              <a:rPr lang="en-US" sz="1000" dirty="0" err="1" smtClean="0"/>
+              <a:t>gatts_connection</a:t>
+            </a:r>
+            <a:endParaRPr lang="en-US" sz="1000" dirty="0" smtClean="0"/>
+          </a:p>
+          <a:p>
+            <a:pPr algn="ctr"/>
+            <a:r>
+              <a:rPr lang="en-US" sz="1000" dirty="0" smtClean="0"/>
+              <a:t>down</a:t>
+            </a:r>
+            <a:endParaRPr lang="en-US" sz="1000" dirty="0"/>
+          </a:p>
+        </p:txBody>
+      </p:sp>
+      <p:sp>
+        <p:nvSpPr>
+          <p:cNvPr id="215" name="TextBox 214"/>
+          <p:cNvSpPr txBox="1"/>
+          <p:nvPr/>
+        </p:nvSpPr>
+        <p:spPr>
+          <a:xfrm>
+            <a:off x="7148885" y="6533466"/>
+            <a:ext cx="1843774" cy="246221"/>
+          </a:xfrm>
+          <a:prstGeom prst="rect">
+            <a:avLst/>
+          </a:prstGeom>
+          <a:noFill/>
+        </p:spPr>
+        <p:txBody>
+          <a:bodyPr wrap="none" rtlCol="0">
+            <a:spAutoFit/>
+          </a:bodyPr>
+          <a:lstStyle/>
+          <a:p>
+            <a:pPr algn="ctr"/>
+            <a:r>
+              <a:rPr lang="en-US" sz="1000" dirty="0" err="1" smtClean="0"/>
+              <a:t>w</a:t>
+            </a:r>
+            <a:r>
+              <a:rPr lang="en-US" sz="1000" dirty="0" err="1" smtClean="0"/>
+              <a:t>iced_bt_start_</a:t>
+            </a:r>
+            <a:r>
+              <a:rPr lang="en-US" sz="1000" dirty="0" err="1" smtClean="0"/>
+              <a:t>advertisements</a:t>
+            </a:r>
+            <a:endParaRPr lang="en-US" sz="1000" dirty="0"/>
+          </a:p>
+        </p:txBody>
+      </p:sp>
+      <p:cxnSp>
+        <p:nvCxnSpPr>
+          <p:cNvPr id="218" name="Straight Arrow Connector 217"/>
+          <p:cNvCxnSpPr>
+            <a:stCxn id="214" idx="2"/>
+            <a:endCxn id="215" idx="0"/>
+          </p:cNvCxnSpPr>
+          <p:nvPr/>
+        </p:nvCxnSpPr>
+        <p:spPr>
+          <a:xfrm>
+            <a:off x="8070772" y="6433440"/>
+            <a:ext cx="0" cy="100026"/>
+          </a:xfrm>
+          <a:prstGeom prst="straightConnector1">
+            <a:avLst/>
+          </a:prstGeom>
+          <a:ln>
+            <a:tailEnd type="triangle"/>
+          </a:ln>
+        </p:spPr>
+        <p:style>
+          <a:lnRef idx="1">
+            <a:schemeClr val="accent1"/>
+          </a:lnRef>
+          <a:fillRef idx="0">
+            <a:schemeClr val="accent1"/>
+          </a:fillRef>
+          <a:effectRef idx="0">
+            <a:schemeClr val="accent1"/>
+          </a:effectRef>
+          <a:fontRef idx="minor">
+            <a:schemeClr val="tx1"/>
+          </a:fontRef>
+        </p:style>
+      </p:cxnSp>
+      <p:cxnSp>
+        <p:nvCxnSpPr>
+          <p:cNvPr id="222" name="Straight Arrow Connector 221"/>
+          <p:cNvCxnSpPr>
+            <a:stCxn id="164" idx="3"/>
+            <a:endCxn id="214" idx="1"/>
+          </p:cNvCxnSpPr>
+          <p:nvPr/>
+        </p:nvCxnSpPr>
+        <p:spPr>
+          <a:xfrm>
+            <a:off x="7177276" y="6233385"/>
+            <a:ext cx="349116" cy="0"/>
+          </a:xfrm>
+          <a:prstGeom prst="straightConnector1">
+            <a:avLst/>
+          </a:prstGeom>
+          <a:ln>
+            <a:tailEnd type="triangle"/>
+          </a:ln>
+        </p:spPr>
+        <p:style>
+          <a:lnRef idx="1">
+            <a:schemeClr val="accent1"/>
+          </a:lnRef>
+          <a:fillRef idx="0">
+            <a:schemeClr val="accent1"/>
+          </a:fillRef>
+          <a:effectRef idx="0">
+            <a:schemeClr val="accent1"/>
+          </a:effectRef>
+          <a:fontRef idx="minor">
+            <a:schemeClr val="tx1"/>
+          </a:fontRef>
+        </p:style>
+      </p:cxnSp>
+      <p:cxnSp>
+        <p:nvCxnSpPr>
+          <p:cNvPr id="225" name="Straight Arrow Connector 224"/>
+          <p:cNvCxnSpPr>
+            <a:stCxn id="155" idx="3"/>
+            <a:endCxn id="199" idx="1"/>
+          </p:cNvCxnSpPr>
+          <p:nvPr/>
+        </p:nvCxnSpPr>
+        <p:spPr>
+          <a:xfrm>
+            <a:off x="7177276" y="3898369"/>
+            <a:ext cx="433274" cy="1"/>
+          </a:xfrm>
+          <a:prstGeom prst="straightConnector1">
+            <a:avLst/>
+          </a:prstGeom>
+          <a:ln>
+            <a:tailEnd type="triangle"/>
+          </a:ln>
+        </p:spPr>
+        <p:style>
+          <a:lnRef idx="1">
+            <a:schemeClr val="accent1"/>
+          </a:lnRef>
+          <a:fillRef idx="0">
+            <a:schemeClr val="accent1"/>
+          </a:fillRef>
+          <a:effectRef idx="0">
+            <a:schemeClr val="accent1"/>
+          </a:effectRef>
+          <a:fontRef idx="minor">
+            <a:schemeClr val="tx1"/>
+          </a:fontRef>
+        </p:style>
+      </p:cxnSp>
+      <p:sp>
+        <p:nvSpPr>
+          <p:cNvPr id="228" name="TextBox 227"/>
+          <p:cNvSpPr txBox="1"/>
+          <p:nvPr/>
+        </p:nvSpPr>
+        <p:spPr>
+          <a:xfrm>
+            <a:off x="7148885" y="4694979"/>
+            <a:ext cx="1843774" cy="246221"/>
+          </a:xfrm>
+          <a:prstGeom prst="rect">
+            <a:avLst/>
+          </a:prstGeom>
+          <a:noFill/>
+        </p:spPr>
+        <p:txBody>
+          <a:bodyPr wrap="none" rtlCol="0">
+            <a:spAutoFit/>
+          </a:bodyPr>
+          <a:lstStyle/>
+          <a:p>
+            <a:pPr algn="ctr"/>
+            <a:r>
+              <a:rPr lang="en-US" sz="1000" smtClean="0"/>
+              <a:t>w</a:t>
+            </a:r>
+            <a:r>
+              <a:rPr lang="en-US" sz="1000" smtClean="0"/>
+              <a:t>iced_bt_start_</a:t>
+            </a:r>
+            <a:r>
+              <a:rPr lang="en-US" sz="1000" smtClean="0"/>
+              <a:t>advertisements</a:t>
+            </a:r>
+            <a:endParaRPr lang="en-US" sz="1000" dirty="0"/>
+          </a:p>
+        </p:txBody>
+      </p:sp>
+      <p:cxnSp>
+        <p:nvCxnSpPr>
+          <p:cNvPr id="230" name="Straight Arrow Connector 229"/>
+          <p:cNvCxnSpPr>
+            <a:stCxn id="207" idx="2"/>
+            <a:endCxn id="228" idx="0"/>
+          </p:cNvCxnSpPr>
+          <p:nvPr/>
+        </p:nvCxnSpPr>
+        <p:spPr>
+          <a:xfrm flipH="1">
+            <a:off x="8070772" y="4478441"/>
+            <a:ext cx="1" cy="216538"/>
+          </a:xfrm>
+          <a:prstGeom prst="straightConnector1">
+            <a:avLst/>
+          </a:prstGeom>
+          <a:ln>
+            <a:tailEnd type="triangle"/>
+          </a:ln>
+        </p:spPr>
+        <p:style>
+          <a:lnRef idx="1">
+            <a:schemeClr val="accent1"/>
+          </a:lnRef>
+          <a:fillRef idx="0">
+            <a:schemeClr val="accent1"/>
+          </a:fillRef>
+          <a:effectRef idx="0">
+            <a:schemeClr val="accent1"/>
+          </a:effectRef>
+          <a:fontRef idx="minor">
+            <a:schemeClr val="tx1"/>
+          </a:fontRef>
+        </p:style>
+      </p:cxnSp>
+      <p:cxnSp>
+        <p:nvCxnSpPr>
+          <p:cNvPr id="235" name="Straight Arrow Connector 234"/>
+          <p:cNvCxnSpPr>
+            <a:stCxn id="189" idx="3"/>
+            <a:endCxn id="164" idx="1"/>
+          </p:cNvCxnSpPr>
+          <p:nvPr/>
+        </p:nvCxnSpPr>
+        <p:spPr>
+          <a:xfrm flipV="1">
+            <a:off x="5252212" y="6233385"/>
+            <a:ext cx="682416" cy="1"/>
+          </a:xfrm>
+          <a:prstGeom prst="straightConnector1">
+            <a:avLst/>
+          </a:prstGeom>
+          <a:ln>
+            <a:tailEnd type="triangle"/>
+          </a:ln>
+        </p:spPr>
+        <p:style>
+          <a:lnRef idx="1">
+            <a:schemeClr val="accent1"/>
+          </a:lnRef>
+          <a:fillRef idx="0">
+            <a:schemeClr val="accent1"/>
+          </a:fillRef>
+          <a:effectRef idx="0">
+            <a:schemeClr val="accent1"/>
+          </a:effectRef>
+          <a:fontRef idx="minor">
+            <a:schemeClr val="tx1"/>
+          </a:fontRef>
+        </p:style>
+      </p:cxnSp>
+      <p:sp>
+        <p:nvSpPr>
+          <p:cNvPr id="239" name="TextBox 238"/>
+          <p:cNvSpPr txBox="1"/>
+          <p:nvPr/>
+        </p:nvSpPr>
+        <p:spPr>
+          <a:xfrm>
+            <a:off x="4933369" y="6533466"/>
+            <a:ext cx="409086" cy="246221"/>
+          </a:xfrm>
+          <a:prstGeom prst="rect">
+            <a:avLst/>
+          </a:prstGeom>
+          <a:noFill/>
+        </p:spPr>
+        <p:txBody>
+          <a:bodyPr wrap="square" rtlCol="0">
+            <a:spAutoFit/>
+          </a:bodyPr>
+          <a:lstStyle/>
+          <a:p>
+            <a:pPr algn="ctr"/>
+            <a:r>
+              <a:rPr lang="en-US" sz="1000" dirty="0" smtClean="0"/>
+              <a:t>ADV</a:t>
+            </a:r>
+            <a:endParaRPr lang="en-US" sz="1000" dirty="0"/>
+          </a:p>
+        </p:txBody>
+      </p:sp>
+      <p:cxnSp>
+        <p:nvCxnSpPr>
+          <p:cNvPr id="240" name="Straight Arrow Connector 239"/>
+          <p:cNvCxnSpPr>
+            <a:stCxn id="215" idx="1"/>
+            <a:endCxn id="239" idx="3"/>
+          </p:cNvCxnSpPr>
+          <p:nvPr/>
+        </p:nvCxnSpPr>
+        <p:spPr>
+          <a:xfrm flipH="1">
+            <a:off x="5342455" y="6656577"/>
+            <a:ext cx="1806430" cy="0"/>
+          </a:xfrm>
+          <a:prstGeom prst="straightConnector1">
+            <a:avLst/>
+          </a:prstGeom>
+          <a:ln>
+            <a:tailEnd type="triangle"/>
+          </a:ln>
+        </p:spPr>
+        <p:style>
+          <a:lnRef idx="1">
+            <a:schemeClr val="accent1"/>
+          </a:lnRef>
+          <a:fillRef idx="0">
+            <a:schemeClr val="accent1"/>
+          </a:fillRef>
+          <a:effectRef idx="0">
+            <a:schemeClr val="accent1"/>
+          </a:effectRef>
+          <a:fontRef idx="minor">
+            <a:schemeClr val="tx1"/>
+          </a:fontRef>
+        </p:style>
+      </p:cxnSp>
+      <p:cxnSp>
+        <p:nvCxnSpPr>
+          <p:cNvPr id="252" name="Straight Connector 251"/>
+          <p:cNvCxnSpPr/>
+          <p:nvPr/>
+        </p:nvCxnSpPr>
+        <p:spPr>
+          <a:xfrm flipH="1">
+            <a:off x="10821167" y="607783"/>
+            <a:ext cx="52935" cy="5875670"/>
+          </a:xfrm>
+          <a:prstGeom prst="line">
+            <a:avLst/>
+          </a:prstGeom>
+        </p:spPr>
+        <p:style>
+          <a:lnRef idx="1">
+            <a:schemeClr val="accent1"/>
+          </a:lnRef>
+          <a:fillRef idx="0">
+            <a:schemeClr val="accent1"/>
+          </a:fillRef>
+          <a:effectRef idx="0">
+            <a:schemeClr val="accent1"/>
+          </a:effectRef>
+          <a:fontRef idx="minor">
+            <a:schemeClr val="tx1"/>
+          </a:fontRef>
+        </p:style>
+      </p:cxnSp>
+      <p:sp>
+        <p:nvSpPr>
+          <p:cNvPr id="260" name="TextBox 259"/>
+          <p:cNvSpPr txBox="1"/>
+          <p:nvPr/>
+        </p:nvSpPr>
+        <p:spPr>
+          <a:xfrm>
+            <a:off x="1336122" y="661251"/>
+            <a:ext cx="878767" cy="246221"/>
+          </a:xfrm>
+          <a:prstGeom prst="rect">
+            <a:avLst/>
+          </a:prstGeom>
+          <a:noFill/>
+        </p:spPr>
+        <p:txBody>
+          <a:bodyPr wrap="none" rtlCol="0">
+            <a:spAutoFit/>
+          </a:bodyPr>
+          <a:lstStyle/>
+          <a:p>
+            <a:pPr algn="ctr"/>
+            <a:r>
+              <a:rPr lang="en-US" sz="1000" dirty="0" err="1" smtClean="0"/>
+              <a:t>Cy_BLE_Start</a:t>
+            </a:r>
+            <a:endParaRPr lang="en-US" sz="1000" dirty="0" smtClean="0"/>
+          </a:p>
+        </p:txBody>
+      </p:sp>
+      <p:sp>
+        <p:nvSpPr>
+          <p:cNvPr id="261" name="TextBox 260"/>
+          <p:cNvSpPr txBox="1"/>
+          <p:nvPr/>
+        </p:nvSpPr>
+        <p:spPr>
+          <a:xfrm>
+            <a:off x="3150126" y="890540"/>
+            <a:ext cx="829074" cy="400110"/>
+          </a:xfrm>
+          <a:prstGeom prst="rect">
+            <a:avLst/>
+          </a:prstGeom>
+          <a:noFill/>
+        </p:spPr>
+        <p:txBody>
+          <a:bodyPr wrap="none" rtlCol="0">
+            <a:spAutoFit/>
+          </a:bodyPr>
+          <a:lstStyle/>
+          <a:p>
+            <a:pPr algn="ctr"/>
+            <a:r>
+              <a:rPr lang="en-US" sz="1000" dirty="0" smtClean="0"/>
+              <a:t>CY_BLE_EVT</a:t>
+            </a:r>
+          </a:p>
+          <a:p>
+            <a:pPr algn="ctr"/>
+            <a:r>
+              <a:rPr lang="en-US" sz="1000" dirty="0" smtClean="0"/>
+              <a:t>STACK_ON</a:t>
+            </a:r>
+            <a:endParaRPr lang="en-US" sz="1000" dirty="0"/>
+          </a:p>
+        </p:txBody>
+      </p:sp>
+      <p:sp>
+        <p:nvSpPr>
+          <p:cNvPr id="262" name="TextBox 261"/>
+          <p:cNvSpPr txBox="1"/>
+          <p:nvPr/>
+        </p:nvSpPr>
+        <p:spPr>
+          <a:xfrm>
+            <a:off x="1328908" y="1826424"/>
+            <a:ext cx="893194" cy="246221"/>
+          </a:xfrm>
+          <a:prstGeom prst="rect">
+            <a:avLst/>
+          </a:prstGeom>
+          <a:noFill/>
+        </p:spPr>
+        <p:txBody>
+          <a:bodyPr wrap="none" rtlCol="0">
+            <a:spAutoFit/>
+          </a:bodyPr>
+          <a:lstStyle/>
+          <a:p>
+            <a:pPr algn="ctr"/>
+            <a:r>
+              <a:rPr lang="en-US" sz="1000" dirty="0" err="1"/>
+              <a:t>E</a:t>
+            </a:r>
+            <a:r>
+              <a:rPr lang="en-US" sz="1000" dirty="0" err="1" smtClean="0"/>
+              <a:t>vent</a:t>
+            </a:r>
+            <a:r>
+              <a:rPr lang="en-US" sz="1000" dirty="0" err="1" smtClean="0"/>
+              <a:t>Handler</a:t>
+            </a:r>
+            <a:endParaRPr lang="en-US" sz="1000" dirty="0"/>
+          </a:p>
+        </p:txBody>
+      </p:sp>
+      <p:sp>
+        <p:nvSpPr>
+          <p:cNvPr id="264" name="TextBox 263"/>
+          <p:cNvSpPr txBox="1"/>
+          <p:nvPr/>
+        </p:nvSpPr>
+        <p:spPr>
+          <a:xfrm>
+            <a:off x="3059557" y="5879442"/>
+            <a:ext cx="1010213" cy="553998"/>
+          </a:xfrm>
+          <a:prstGeom prst="rect">
+            <a:avLst/>
+          </a:prstGeom>
+          <a:noFill/>
+        </p:spPr>
+        <p:txBody>
+          <a:bodyPr wrap="none" rtlCol="0">
+            <a:spAutoFit/>
+          </a:bodyPr>
+          <a:lstStyle/>
+          <a:p>
+            <a:pPr algn="ctr"/>
+            <a:r>
+              <a:rPr lang="en-US" sz="1000" dirty="0" smtClean="0"/>
+              <a:t>CY_BLE_EVT</a:t>
+            </a:r>
+          </a:p>
+          <a:p>
+            <a:pPr algn="ctr"/>
+            <a:r>
+              <a:rPr lang="en-US" sz="1000" dirty="0" smtClean="0"/>
+              <a:t>GAP_DEVICE</a:t>
+            </a:r>
+          </a:p>
+          <a:p>
+            <a:pPr algn="ctr"/>
+            <a:r>
+              <a:rPr lang="en-US" sz="1000" dirty="0" smtClean="0"/>
+              <a:t>DISCONNECTED</a:t>
+            </a:r>
+            <a:endParaRPr lang="en-US" sz="1000" dirty="0"/>
+          </a:p>
+        </p:txBody>
+      </p:sp>
+      <p:sp>
+        <p:nvSpPr>
+          <p:cNvPr id="265" name="TextBox 264"/>
+          <p:cNvSpPr txBox="1"/>
+          <p:nvPr/>
+        </p:nvSpPr>
+        <p:spPr>
+          <a:xfrm>
+            <a:off x="2846357" y="1671763"/>
+            <a:ext cx="1436612" cy="553998"/>
+          </a:xfrm>
+          <a:prstGeom prst="rect">
+            <a:avLst/>
+          </a:prstGeom>
+          <a:noFill/>
+        </p:spPr>
+        <p:txBody>
+          <a:bodyPr wrap="none" rtlCol="0">
+            <a:spAutoFit/>
+          </a:bodyPr>
+          <a:lstStyle/>
+          <a:p>
+            <a:pPr algn="ctr"/>
+            <a:r>
+              <a:rPr lang="en-US" sz="1000" dirty="0" smtClean="0"/>
+              <a:t>CY_BLE_EVT</a:t>
+            </a:r>
+          </a:p>
+          <a:p>
+            <a:pPr algn="ctr"/>
+            <a:r>
+              <a:rPr lang="en-US" sz="1000" dirty="0" smtClean="0"/>
+              <a:t>GAPC_SCAN_PROGRESS</a:t>
+            </a:r>
+          </a:p>
+          <a:p>
+            <a:pPr algn="ctr"/>
+            <a:r>
+              <a:rPr lang="en-US" sz="1000" dirty="0" smtClean="0"/>
+              <a:t>RESULT</a:t>
+            </a:r>
+            <a:endParaRPr lang="en-US" sz="1000" dirty="0"/>
+          </a:p>
+        </p:txBody>
+      </p:sp>
+      <p:sp>
+        <p:nvSpPr>
+          <p:cNvPr id="266" name="TextBox 265"/>
+          <p:cNvSpPr txBox="1"/>
+          <p:nvPr/>
+        </p:nvSpPr>
+        <p:spPr>
+          <a:xfrm>
+            <a:off x="3086007" y="3999172"/>
+            <a:ext cx="957313" cy="400110"/>
+          </a:xfrm>
+          <a:prstGeom prst="rect">
+            <a:avLst/>
+          </a:prstGeom>
+          <a:noFill/>
+        </p:spPr>
+        <p:txBody>
+          <a:bodyPr wrap="none" rtlCol="0">
+            <a:spAutoFit/>
+          </a:bodyPr>
+          <a:lstStyle/>
+          <a:p>
+            <a:pPr algn="ctr"/>
+            <a:r>
+              <a:rPr lang="en-US" sz="1000" dirty="0" smtClean="0"/>
+              <a:t>CY_BLE_EVT</a:t>
+            </a:r>
+          </a:p>
+          <a:p>
+            <a:pPr algn="ctr"/>
+            <a:r>
+              <a:rPr lang="en-US" sz="1000" dirty="0" smtClean="0"/>
+              <a:t>CONNECT_IND</a:t>
+            </a:r>
+            <a:endParaRPr lang="en-US" sz="1000" dirty="0" smtClean="0"/>
+          </a:p>
+        </p:txBody>
+      </p:sp>
+      <p:sp>
+        <p:nvSpPr>
+          <p:cNvPr id="275" name="TextBox 274"/>
+          <p:cNvSpPr txBox="1"/>
+          <p:nvPr/>
+        </p:nvSpPr>
+        <p:spPr>
+          <a:xfrm>
+            <a:off x="2965781" y="2728474"/>
+            <a:ext cx="1197764" cy="400110"/>
+          </a:xfrm>
+          <a:prstGeom prst="rect">
+            <a:avLst/>
+          </a:prstGeom>
+          <a:noFill/>
+        </p:spPr>
+        <p:txBody>
+          <a:bodyPr wrap="none" rtlCol="0">
+            <a:spAutoFit/>
+          </a:bodyPr>
+          <a:lstStyle/>
+          <a:p>
+            <a:pPr algn="ctr"/>
+            <a:r>
+              <a:rPr lang="en-US" sz="1000" dirty="0" smtClean="0"/>
+              <a:t>CY_BLE_EVT_GAPC</a:t>
+            </a:r>
+          </a:p>
+          <a:p>
+            <a:pPr algn="ctr"/>
+            <a:r>
+              <a:rPr lang="en-US" sz="1000" dirty="0" smtClean="0"/>
+              <a:t>SCAN_START_STOP</a:t>
+            </a:r>
+            <a:endParaRPr lang="en-US" sz="1000" dirty="0" smtClean="0"/>
+          </a:p>
+        </p:txBody>
+      </p:sp>
+      <p:sp>
+        <p:nvSpPr>
+          <p:cNvPr id="276" name="TextBox 275"/>
+          <p:cNvSpPr txBox="1"/>
+          <p:nvPr/>
+        </p:nvSpPr>
+        <p:spPr>
+          <a:xfrm>
+            <a:off x="2859983" y="4789350"/>
+            <a:ext cx="1409361" cy="400110"/>
+          </a:xfrm>
+          <a:prstGeom prst="rect">
+            <a:avLst/>
+          </a:prstGeom>
+          <a:noFill/>
+        </p:spPr>
+        <p:txBody>
+          <a:bodyPr wrap="none" rtlCol="0">
+            <a:spAutoFit/>
+          </a:bodyPr>
+          <a:lstStyle/>
+          <a:p>
+            <a:pPr algn="ctr"/>
+            <a:r>
+              <a:rPr lang="en-US" sz="1000" dirty="0" smtClean="0"/>
+              <a:t>CY_BLE_EVT</a:t>
+            </a:r>
+          </a:p>
+          <a:p>
+            <a:pPr algn="ctr"/>
+            <a:r>
+              <a:rPr lang="en-US" sz="1000" dirty="0" smtClean="0"/>
+              <a:t>DISCOVERY_COMPLETE</a:t>
+            </a:r>
+            <a:endParaRPr lang="en-US" sz="1000" dirty="0"/>
+          </a:p>
+        </p:txBody>
+      </p:sp>
+      <p:sp>
+        <p:nvSpPr>
+          <p:cNvPr id="277" name="TextBox 276"/>
+          <p:cNvSpPr txBox="1"/>
+          <p:nvPr/>
+        </p:nvSpPr>
+        <p:spPr>
+          <a:xfrm>
+            <a:off x="1328908" y="2799436"/>
+            <a:ext cx="893194" cy="246221"/>
+          </a:xfrm>
+          <a:prstGeom prst="rect">
+            <a:avLst/>
+          </a:prstGeom>
+          <a:noFill/>
+        </p:spPr>
+        <p:txBody>
+          <a:bodyPr wrap="none" rtlCol="0">
+            <a:spAutoFit/>
+          </a:bodyPr>
+          <a:lstStyle/>
+          <a:p>
+            <a:pPr algn="ctr"/>
+            <a:r>
+              <a:rPr lang="en-US" sz="1000" dirty="0" err="1"/>
+              <a:t>E</a:t>
+            </a:r>
+            <a:r>
+              <a:rPr lang="en-US" sz="1000" dirty="0" err="1" smtClean="0"/>
+              <a:t>vent</a:t>
+            </a:r>
+            <a:r>
+              <a:rPr lang="en-US" sz="1000" dirty="0" err="1" smtClean="0"/>
+              <a:t>Handler</a:t>
+            </a:r>
+            <a:endParaRPr lang="en-US" sz="1000" dirty="0"/>
+          </a:p>
+        </p:txBody>
+      </p:sp>
+      <p:cxnSp>
+        <p:nvCxnSpPr>
+          <p:cNvPr id="278" name="Straight Arrow Connector 277"/>
+          <p:cNvCxnSpPr>
+            <a:stCxn id="260" idx="3"/>
+            <a:endCxn id="261" idx="1"/>
+          </p:cNvCxnSpPr>
+          <p:nvPr/>
+        </p:nvCxnSpPr>
+        <p:spPr>
+          <a:xfrm>
+            <a:off x="2214889" y="784362"/>
+            <a:ext cx="935237" cy="306233"/>
+          </a:xfrm>
+          <a:prstGeom prst="straightConnector1">
+            <a:avLst/>
+          </a:prstGeom>
+          <a:ln>
+            <a:tailEnd type="triangle"/>
+          </a:ln>
+        </p:spPr>
+        <p:style>
+          <a:lnRef idx="1">
+            <a:schemeClr val="accent1"/>
+          </a:lnRef>
+          <a:fillRef idx="0">
+            <a:schemeClr val="accent1"/>
+          </a:fillRef>
+          <a:effectRef idx="0">
+            <a:schemeClr val="accent1"/>
+          </a:effectRef>
+          <a:fontRef idx="minor">
+            <a:schemeClr val="tx1"/>
+          </a:fontRef>
+        </p:style>
+      </p:cxnSp>
+      <p:sp>
+        <p:nvSpPr>
+          <p:cNvPr id="281" name="TextBox 280"/>
+          <p:cNvSpPr txBox="1"/>
+          <p:nvPr/>
+        </p:nvSpPr>
+        <p:spPr>
+          <a:xfrm>
+            <a:off x="1259980" y="1552410"/>
+            <a:ext cx="1031051" cy="246221"/>
+          </a:xfrm>
+          <a:prstGeom prst="rect">
+            <a:avLst/>
+          </a:prstGeom>
+          <a:noFill/>
+        </p:spPr>
+        <p:txBody>
+          <a:bodyPr wrap="none" rtlCol="0">
+            <a:spAutoFit/>
+          </a:bodyPr>
+          <a:lstStyle/>
+          <a:p>
+            <a:pPr algn="ctr"/>
+            <a:r>
+              <a:rPr lang="en-US" sz="1000" dirty="0" err="1" smtClean="0"/>
+              <a:t>GAPC_StartScan</a:t>
+            </a:r>
+            <a:endParaRPr lang="en-US" sz="1000" dirty="0"/>
+          </a:p>
+        </p:txBody>
+      </p:sp>
+      <p:cxnSp>
+        <p:nvCxnSpPr>
+          <p:cNvPr id="283" name="Straight Arrow Connector 282"/>
+          <p:cNvCxnSpPr>
+            <a:stCxn id="260" idx="2"/>
+            <a:endCxn id="281" idx="0"/>
+          </p:cNvCxnSpPr>
+          <p:nvPr/>
+        </p:nvCxnSpPr>
+        <p:spPr>
+          <a:xfrm>
+            <a:off x="1775506" y="907472"/>
+            <a:ext cx="0" cy="644938"/>
+          </a:xfrm>
+          <a:prstGeom prst="straightConnector1">
+            <a:avLst/>
+          </a:prstGeom>
+          <a:ln>
+            <a:tailEnd type="triangle"/>
+          </a:ln>
+        </p:spPr>
+        <p:style>
+          <a:lnRef idx="1">
+            <a:schemeClr val="accent1"/>
+          </a:lnRef>
+          <a:fillRef idx="0">
+            <a:schemeClr val="accent1"/>
+          </a:fillRef>
+          <a:effectRef idx="0">
+            <a:schemeClr val="accent1"/>
+          </a:effectRef>
+          <a:fontRef idx="minor">
+            <a:schemeClr val="tx1"/>
+          </a:fontRef>
+        </p:style>
+      </p:cxnSp>
+      <p:cxnSp>
+        <p:nvCxnSpPr>
+          <p:cNvPr id="288" name="Straight Arrow Connector 287"/>
+          <p:cNvCxnSpPr>
+            <a:stCxn id="265" idx="1"/>
+            <a:endCxn id="262" idx="3"/>
+          </p:cNvCxnSpPr>
+          <p:nvPr/>
+        </p:nvCxnSpPr>
+        <p:spPr>
+          <a:xfrm flipH="1">
+            <a:off x="2222102" y="1948762"/>
+            <a:ext cx="624255" cy="773"/>
+          </a:xfrm>
+          <a:prstGeom prst="straightConnector1">
+            <a:avLst/>
+          </a:prstGeom>
+          <a:ln>
+            <a:tailEnd type="triangle"/>
+          </a:ln>
+        </p:spPr>
+        <p:style>
+          <a:lnRef idx="1">
+            <a:schemeClr val="accent1"/>
+          </a:lnRef>
+          <a:fillRef idx="0">
+            <a:schemeClr val="accent1"/>
+          </a:fillRef>
+          <a:effectRef idx="0">
+            <a:schemeClr val="accent1"/>
+          </a:effectRef>
+          <a:fontRef idx="minor">
+            <a:schemeClr val="tx1"/>
+          </a:fontRef>
+        </p:style>
+      </p:cxnSp>
+      <p:sp>
+        <p:nvSpPr>
+          <p:cNvPr id="291" name="TextBox 290"/>
+          <p:cNvSpPr txBox="1"/>
+          <p:nvPr/>
+        </p:nvSpPr>
+        <p:spPr>
+          <a:xfrm>
+            <a:off x="1267193" y="2298202"/>
+            <a:ext cx="1016625" cy="246221"/>
+          </a:xfrm>
+          <a:prstGeom prst="rect">
+            <a:avLst/>
+          </a:prstGeom>
+          <a:noFill/>
+        </p:spPr>
+        <p:txBody>
+          <a:bodyPr wrap="none" rtlCol="0">
+            <a:spAutoFit/>
+          </a:bodyPr>
+          <a:lstStyle/>
+          <a:p>
+            <a:pPr algn="ctr"/>
+            <a:r>
+              <a:rPr lang="en-US" sz="1000" dirty="0" err="1" smtClean="0"/>
+              <a:t>GAPC_StopScan</a:t>
+            </a:r>
+            <a:endParaRPr lang="en-US" sz="1000" dirty="0"/>
+          </a:p>
+        </p:txBody>
+      </p:sp>
+      <p:cxnSp>
+        <p:nvCxnSpPr>
+          <p:cNvPr id="293" name="Straight Arrow Connector 292"/>
+          <p:cNvCxnSpPr>
+            <a:stCxn id="182" idx="1"/>
+            <a:endCxn id="265" idx="3"/>
+          </p:cNvCxnSpPr>
+          <p:nvPr/>
+        </p:nvCxnSpPr>
+        <p:spPr>
+          <a:xfrm flipH="1" flipV="1">
+            <a:off x="4282969" y="1948762"/>
+            <a:ext cx="650400" cy="711020"/>
+          </a:xfrm>
+          <a:prstGeom prst="straightConnector1">
+            <a:avLst/>
+          </a:prstGeom>
+          <a:ln>
+            <a:tailEnd type="triangle"/>
+          </a:ln>
+        </p:spPr>
+        <p:style>
+          <a:lnRef idx="1">
+            <a:schemeClr val="accent1"/>
+          </a:lnRef>
+          <a:fillRef idx="0">
+            <a:schemeClr val="accent1"/>
+          </a:fillRef>
+          <a:effectRef idx="0">
+            <a:schemeClr val="accent1"/>
+          </a:effectRef>
+          <a:fontRef idx="minor">
+            <a:schemeClr val="tx1"/>
+          </a:fontRef>
+        </p:style>
+      </p:cxnSp>
+      <p:cxnSp>
+        <p:nvCxnSpPr>
+          <p:cNvPr id="296" name="Straight Arrow Connector 295"/>
+          <p:cNvCxnSpPr>
+            <a:stCxn id="291" idx="3"/>
+            <a:endCxn id="275" idx="1"/>
+          </p:cNvCxnSpPr>
+          <p:nvPr/>
+        </p:nvCxnSpPr>
+        <p:spPr>
+          <a:xfrm>
+            <a:off x="2283818" y="2421313"/>
+            <a:ext cx="681963" cy="507216"/>
+          </a:xfrm>
+          <a:prstGeom prst="straightConnector1">
+            <a:avLst/>
+          </a:prstGeom>
+          <a:ln>
+            <a:tailEnd type="triangle"/>
+          </a:ln>
+        </p:spPr>
+        <p:style>
+          <a:lnRef idx="1">
+            <a:schemeClr val="accent1"/>
+          </a:lnRef>
+          <a:fillRef idx="0">
+            <a:schemeClr val="accent1"/>
+          </a:fillRef>
+          <a:effectRef idx="0">
+            <a:schemeClr val="accent1"/>
+          </a:effectRef>
+          <a:fontRef idx="minor">
+            <a:schemeClr val="tx1"/>
+          </a:fontRef>
+        </p:style>
+      </p:cxnSp>
+      <p:cxnSp>
+        <p:nvCxnSpPr>
+          <p:cNvPr id="299" name="Straight Arrow Connector 298"/>
+          <p:cNvCxnSpPr>
+            <a:stCxn id="275" idx="1"/>
+            <a:endCxn id="277" idx="3"/>
+          </p:cNvCxnSpPr>
+          <p:nvPr/>
+        </p:nvCxnSpPr>
+        <p:spPr>
+          <a:xfrm flipH="1" flipV="1">
+            <a:off x="2222102" y="2922547"/>
+            <a:ext cx="743679" cy="5982"/>
+          </a:xfrm>
+          <a:prstGeom prst="straightConnector1">
+            <a:avLst/>
+          </a:prstGeom>
+          <a:ln>
+            <a:tailEnd type="triangle"/>
+          </a:ln>
+        </p:spPr>
+        <p:style>
+          <a:lnRef idx="1">
+            <a:schemeClr val="accent1"/>
+          </a:lnRef>
+          <a:fillRef idx="0">
+            <a:schemeClr val="accent1"/>
+          </a:fillRef>
+          <a:effectRef idx="0">
+            <a:schemeClr val="accent1"/>
+          </a:effectRef>
+          <a:fontRef idx="minor">
+            <a:schemeClr val="tx1"/>
+          </a:fontRef>
+        </p:style>
+      </p:cxnSp>
+      <p:sp>
+        <p:nvSpPr>
+          <p:cNvPr id="303" name="TextBox 302"/>
+          <p:cNvSpPr txBox="1"/>
+          <p:nvPr/>
+        </p:nvSpPr>
+        <p:spPr>
+          <a:xfrm>
+            <a:off x="1116510" y="3430553"/>
+            <a:ext cx="1317990" cy="246221"/>
+          </a:xfrm>
+          <a:prstGeom prst="rect">
+            <a:avLst/>
+          </a:prstGeom>
+          <a:noFill/>
+        </p:spPr>
+        <p:txBody>
+          <a:bodyPr wrap="none" rtlCol="0">
+            <a:spAutoFit/>
+          </a:bodyPr>
+          <a:lstStyle/>
+          <a:p>
+            <a:pPr algn="ctr"/>
+            <a:r>
+              <a:rPr lang="en-US" sz="1000" dirty="0" err="1" smtClean="0"/>
+              <a:t>GAPC_ConnectDevice</a:t>
+            </a:r>
+            <a:endParaRPr lang="en-US" sz="1000" dirty="0"/>
+          </a:p>
+        </p:txBody>
+      </p:sp>
+      <p:cxnSp>
+        <p:nvCxnSpPr>
+          <p:cNvPr id="304" name="Straight Arrow Connector 303"/>
+          <p:cNvCxnSpPr>
+            <a:stCxn id="303" idx="3"/>
+            <a:endCxn id="183" idx="1"/>
+          </p:cNvCxnSpPr>
+          <p:nvPr/>
+        </p:nvCxnSpPr>
+        <p:spPr>
+          <a:xfrm>
+            <a:off x="2434500" y="3553664"/>
+            <a:ext cx="2224756" cy="344706"/>
+          </a:xfrm>
+          <a:prstGeom prst="straightConnector1">
+            <a:avLst/>
+          </a:prstGeom>
+          <a:ln>
+            <a:tailEnd type="triangle"/>
+          </a:ln>
+        </p:spPr>
+        <p:style>
+          <a:lnRef idx="1">
+            <a:schemeClr val="accent1"/>
+          </a:lnRef>
+          <a:fillRef idx="0">
+            <a:schemeClr val="accent1"/>
+          </a:fillRef>
+          <a:effectRef idx="0">
+            <a:schemeClr val="accent1"/>
+          </a:effectRef>
+          <a:fontRef idx="minor">
+            <a:schemeClr val="tx1"/>
+          </a:fontRef>
+        </p:style>
+      </p:cxnSp>
+      <p:sp>
+        <p:nvSpPr>
+          <p:cNvPr id="307" name="TextBox 306"/>
+          <p:cNvSpPr txBox="1"/>
+          <p:nvPr/>
+        </p:nvSpPr>
+        <p:spPr>
+          <a:xfrm>
+            <a:off x="1328908" y="4048158"/>
+            <a:ext cx="893194" cy="246221"/>
+          </a:xfrm>
+          <a:prstGeom prst="rect">
+            <a:avLst/>
+          </a:prstGeom>
+          <a:noFill/>
+        </p:spPr>
+        <p:txBody>
+          <a:bodyPr wrap="none" rtlCol="0">
+            <a:spAutoFit/>
+          </a:bodyPr>
+          <a:lstStyle/>
+          <a:p>
+            <a:pPr algn="ctr"/>
+            <a:r>
+              <a:rPr lang="en-US" sz="1000" dirty="0" err="1"/>
+              <a:t>E</a:t>
+            </a:r>
+            <a:r>
+              <a:rPr lang="en-US" sz="1000" dirty="0" err="1" smtClean="0"/>
+              <a:t>vent</a:t>
+            </a:r>
+            <a:r>
+              <a:rPr lang="en-US" sz="1000" dirty="0" err="1" smtClean="0"/>
+              <a:t>Handler</a:t>
+            </a:r>
+            <a:endParaRPr lang="en-US" sz="1000" dirty="0"/>
+          </a:p>
+        </p:txBody>
+      </p:sp>
+      <p:sp>
+        <p:nvSpPr>
+          <p:cNvPr id="308" name="TextBox 307"/>
+          <p:cNvSpPr txBox="1"/>
+          <p:nvPr/>
+        </p:nvSpPr>
+        <p:spPr>
+          <a:xfrm>
+            <a:off x="1129335" y="4529850"/>
+            <a:ext cx="1292341" cy="246221"/>
+          </a:xfrm>
+          <a:prstGeom prst="rect">
+            <a:avLst/>
+          </a:prstGeom>
+          <a:noFill/>
+        </p:spPr>
+        <p:txBody>
+          <a:bodyPr wrap="none" rtlCol="0">
+            <a:spAutoFit/>
+          </a:bodyPr>
+          <a:lstStyle/>
+          <a:p>
+            <a:pPr algn="ctr"/>
+            <a:r>
+              <a:rPr lang="en-US" sz="1000" smtClean="0"/>
+              <a:t>GAPC_StartDiscovery</a:t>
+            </a:r>
+            <a:endParaRPr lang="en-US" sz="1000" dirty="0"/>
+          </a:p>
+        </p:txBody>
+      </p:sp>
+      <p:cxnSp>
+        <p:nvCxnSpPr>
+          <p:cNvPr id="309" name="Straight Arrow Connector 308"/>
+          <p:cNvCxnSpPr>
+            <a:stCxn id="266" idx="1"/>
+            <a:endCxn id="307" idx="3"/>
+          </p:cNvCxnSpPr>
+          <p:nvPr/>
+        </p:nvCxnSpPr>
+        <p:spPr>
+          <a:xfrm flipH="1" flipV="1">
+            <a:off x="2222102" y="4171269"/>
+            <a:ext cx="863905" cy="27958"/>
+          </a:xfrm>
+          <a:prstGeom prst="straightConnector1">
+            <a:avLst/>
+          </a:prstGeom>
+          <a:ln>
+            <a:tailEnd type="triangle"/>
+          </a:ln>
+        </p:spPr>
+        <p:style>
+          <a:lnRef idx="1">
+            <a:schemeClr val="accent1"/>
+          </a:lnRef>
+          <a:fillRef idx="0">
+            <a:schemeClr val="accent1"/>
+          </a:fillRef>
+          <a:effectRef idx="0">
+            <a:schemeClr val="accent1"/>
+          </a:effectRef>
+          <a:fontRef idx="minor">
+            <a:schemeClr val="tx1"/>
+          </a:fontRef>
+        </p:style>
+      </p:cxnSp>
+      <p:cxnSp>
+        <p:nvCxnSpPr>
+          <p:cNvPr id="312" name="Straight Arrow Connector 311"/>
+          <p:cNvCxnSpPr>
+            <a:stCxn id="307" idx="2"/>
+            <a:endCxn id="308" idx="0"/>
+          </p:cNvCxnSpPr>
+          <p:nvPr/>
+        </p:nvCxnSpPr>
+        <p:spPr>
+          <a:xfrm>
+            <a:off x="1775505" y="4294379"/>
+            <a:ext cx="1" cy="235471"/>
+          </a:xfrm>
+          <a:prstGeom prst="straightConnector1">
+            <a:avLst/>
+          </a:prstGeom>
+          <a:ln>
+            <a:tailEnd type="triangle"/>
+          </a:ln>
+        </p:spPr>
+        <p:style>
+          <a:lnRef idx="1">
+            <a:schemeClr val="accent1"/>
+          </a:lnRef>
+          <a:fillRef idx="0">
+            <a:schemeClr val="accent1"/>
+          </a:fillRef>
+          <a:effectRef idx="0">
+            <a:schemeClr val="accent1"/>
+          </a:effectRef>
+          <a:fontRef idx="minor">
+            <a:schemeClr val="tx1"/>
+          </a:fontRef>
+        </p:style>
+      </p:cxnSp>
+      <p:sp>
+        <p:nvSpPr>
+          <p:cNvPr id="315" name="TextBox 314"/>
+          <p:cNvSpPr txBox="1"/>
+          <p:nvPr/>
+        </p:nvSpPr>
+        <p:spPr>
+          <a:xfrm>
+            <a:off x="1377675" y="4866295"/>
+            <a:ext cx="893194" cy="246221"/>
+          </a:xfrm>
+          <a:prstGeom prst="rect">
+            <a:avLst/>
+          </a:prstGeom>
+          <a:noFill/>
+        </p:spPr>
+        <p:txBody>
+          <a:bodyPr wrap="none" rtlCol="0">
+            <a:spAutoFit/>
+          </a:bodyPr>
+          <a:lstStyle/>
+          <a:p>
+            <a:pPr algn="ctr"/>
+            <a:r>
+              <a:rPr lang="en-US" sz="1000" dirty="0" err="1"/>
+              <a:t>E</a:t>
+            </a:r>
+            <a:r>
+              <a:rPr lang="en-US" sz="1000" dirty="0" err="1" smtClean="0"/>
+              <a:t>vent</a:t>
+            </a:r>
+            <a:r>
+              <a:rPr lang="en-US" sz="1000" dirty="0" err="1" smtClean="0"/>
+              <a:t>Handler</a:t>
+            </a:r>
+            <a:endParaRPr lang="en-US" sz="1000" dirty="0"/>
+          </a:p>
+        </p:txBody>
+      </p:sp>
+      <p:cxnSp>
+        <p:nvCxnSpPr>
+          <p:cNvPr id="316" name="Straight Arrow Connector 315"/>
+          <p:cNvCxnSpPr>
+            <a:stCxn id="276" idx="1"/>
+            <a:endCxn id="315" idx="3"/>
+          </p:cNvCxnSpPr>
+          <p:nvPr/>
+        </p:nvCxnSpPr>
+        <p:spPr>
+          <a:xfrm flipH="1">
+            <a:off x="2270869" y="4989405"/>
+            <a:ext cx="589114" cy="1"/>
+          </a:xfrm>
+          <a:prstGeom prst="straightConnector1">
+            <a:avLst/>
+          </a:prstGeom>
+          <a:ln>
+            <a:tailEnd type="triangle"/>
+          </a:ln>
+        </p:spPr>
+        <p:style>
+          <a:lnRef idx="1">
+            <a:schemeClr val="accent1"/>
+          </a:lnRef>
+          <a:fillRef idx="0">
+            <a:schemeClr val="accent1"/>
+          </a:fillRef>
+          <a:effectRef idx="0">
+            <a:schemeClr val="accent1"/>
+          </a:effectRef>
+          <a:fontRef idx="minor">
+            <a:schemeClr val="tx1"/>
+          </a:fontRef>
+        </p:style>
+      </p:cxnSp>
+      <p:cxnSp>
+        <p:nvCxnSpPr>
+          <p:cNvPr id="319" name="Straight Arrow Connector 318"/>
+          <p:cNvCxnSpPr>
+            <a:endCxn id="308" idx="3"/>
+          </p:cNvCxnSpPr>
+          <p:nvPr/>
+        </p:nvCxnSpPr>
+        <p:spPr>
+          <a:xfrm flipH="1">
+            <a:off x="2421676" y="4647828"/>
+            <a:ext cx="3801952" cy="5133"/>
+          </a:xfrm>
+          <a:prstGeom prst="straightConnector1">
+            <a:avLst/>
+          </a:prstGeom>
+          <a:ln>
+            <a:headEnd type="triangle"/>
+            <a:tailEnd type="triangle"/>
+          </a:ln>
+        </p:spPr>
+        <p:style>
+          <a:lnRef idx="1">
+            <a:schemeClr val="accent1"/>
+          </a:lnRef>
+          <a:fillRef idx="0">
+            <a:schemeClr val="accent1"/>
+          </a:fillRef>
+          <a:effectRef idx="0">
+            <a:schemeClr val="accent1"/>
+          </a:effectRef>
+          <a:fontRef idx="minor">
+            <a:schemeClr val="tx1"/>
+          </a:fontRef>
+        </p:style>
+      </p:cxnSp>
+      <p:sp>
+        <p:nvSpPr>
+          <p:cNvPr id="323" name="TextBox 322"/>
+          <p:cNvSpPr txBox="1"/>
+          <p:nvPr/>
+        </p:nvSpPr>
+        <p:spPr>
+          <a:xfrm>
+            <a:off x="1429773" y="5637209"/>
+            <a:ext cx="788999" cy="246221"/>
+          </a:xfrm>
+          <a:prstGeom prst="rect">
+            <a:avLst/>
+          </a:prstGeom>
+          <a:noFill/>
+        </p:spPr>
+        <p:txBody>
+          <a:bodyPr wrap="none" rtlCol="0">
+            <a:spAutoFit/>
+          </a:bodyPr>
+          <a:lstStyle/>
+          <a:p>
+            <a:pPr algn="ctr"/>
+            <a:r>
+              <a:rPr lang="en-US" sz="1000" dirty="0" err="1" smtClean="0"/>
+              <a:t>writeMotor</a:t>
+            </a:r>
+            <a:endParaRPr lang="en-US" sz="1000" dirty="0"/>
+          </a:p>
+        </p:txBody>
+      </p:sp>
+      <p:cxnSp>
+        <p:nvCxnSpPr>
+          <p:cNvPr id="324" name="Straight Arrow Connector 323"/>
+          <p:cNvCxnSpPr>
+            <a:stCxn id="184" idx="1"/>
+            <a:endCxn id="266" idx="3"/>
+          </p:cNvCxnSpPr>
+          <p:nvPr/>
+        </p:nvCxnSpPr>
+        <p:spPr>
+          <a:xfrm flipH="1" flipV="1">
+            <a:off x="4043320" y="4199227"/>
+            <a:ext cx="615936" cy="244942"/>
+          </a:xfrm>
+          <a:prstGeom prst="straightConnector1">
+            <a:avLst/>
+          </a:prstGeom>
+          <a:ln>
+            <a:tailEnd type="triangle"/>
+          </a:ln>
+        </p:spPr>
+        <p:style>
+          <a:lnRef idx="1">
+            <a:schemeClr val="accent1"/>
+          </a:lnRef>
+          <a:fillRef idx="0">
+            <a:schemeClr val="accent1"/>
+          </a:fillRef>
+          <a:effectRef idx="0">
+            <a:schemeClr val="accent1"/>
+          </a:effectRef>
+          <a:fontRef idx="minor">
+            <a:schemeClr val="tx1"/>
+          </a:fontRef>
+        </p:style>
+      </p:cxnSp>
+      <p:cxnSp>
+        <p:nvCxnSpPr>
+          <p:cNvPr id="328" name="Straight Arrow Connector 327"/>
+          <p:cNvCxnSpPr>
+            <a:stCxn id="262" idx="2"/>
+            <a:endCxn id="291" idx="0"/>
+          </p:cNvCxnSpPr>
+          <p:nvPr/>
+        </p:nvCxnSpPr>
+        <p:spPr>
+          <a:xfrm>
+            <a:off x="1775505" y="2072645"/>
+            <a:ext cx="1" cy="225557"/>
+          </a:xfrm>
+          <a:prstGeom prst="straightConnector1">
+            <a:avLst/>
+          </a:prstGeom>
+          <a:ln>
+            <a:tailEnd type="triangle"/>
+          </a:ln>
+        </p:spPr>
+        <p:style>
+          <a:lnRef idx="1">
+            <a:schemeClr val="accent1"/>
+          </a:lnRef>
+          <a:fillRef idx="0">
+            <a:schemeClr val="accent1"/>
+          </a:fillRef>
+          <a:effectRef idx="0">
+            <a:schemeClr val="accent1"/>
+          </a:effectRef>
+          <a:fontRef idx="minor">
+            <a:schemeClr val="tx1"/>
+          </a:fontRef>
+        </p:style>
+      </p:cxnSp>
+      <p:cxnSp>
+        <p:nvCxnSpPr>
+          <p:cNvPr id="331" name="Straight Arrow Connector 330"/>
+          <p:cNvCxnSpPr>
+            <a:stCxn id="277" idx="2"/>
+            <a:endCxn id="303" idx="0"/>
+          </p:cNvCxnSpPr>
+          <p:nvPr/>
+        </p:nvCxnSpPr>
+        <p:spPr>
+          <a:xfrm>
+            <a:off x="1775505" y="3045657"/>
+            <a:ext cx="0" cy="384896"/>
+          </a:xfrm>
+          <a:prstGeom prst="straightConnector1">
+            <a:avLst/>
+          </a:prstGeom>
+          <a:ln>
+            <a:tailEnd type="triangle"/>
+          </a:ln>
+        </p:spPr>
+        <p:style>
+          <a:lnRef idx="1">
+            <a:schemeClr val="accent1"/>
+          </a:lnRef>
+          <a:fillRef idx="0">
+            <a:schemeClr val="accent1"/>
+          </a:fillRef>
+          <a:effectRef idx="0">
+            <a:schemeClr val="accent1"/>
+          </a:effectRef>
+          <a:fontRef idx="minor">
+            <a:schemeClr val="tx1"/>
+          </a:fontRef>
+        </p:style>
+      </p:cxnSp>
+      <p:cxnSp>
+        <p:nvCxnSpPr>
+          <p:cNvPr id="336" name="Straight Arrow Connector 335"/>
+          <p:cNvCxnSpPr>
+            <a:stCxn id="323" idx="3"/>
+            <a:endCxn id="188" idx="1"/>
+          </p:cNvCxnSpPr>
+          <p:nvPr/>
+        </p:nvCxnSpPr>
+        <p:spPr>
+          <a:xfrm flipV="1">
+            <a:off x="2218772" y="5162904"/>
+            <a:ext cx="2355524" cy="597416"/>
+          </a:xfrm>
+          <a:prstGeom prst="straightConnector1">
+            <a:avLst/>
+          </a:prstGeom>
+          <a:ln>
+            <a:tailEnd type="triangle"/>
+          </a:ln>
+        </p:spPr>
+        <p:style>
+          <a:lnRef idx="1">
+            <a:schemeClr val="accent1"/>
+          </a:lnRef>
+          <a:fillRef idx="0">
+            <a:schemeClr val="accent1"/>
+          </a:fillRef>
+          <a:effectRef idx="0">
+            <a:schemeClr val="accent1"/>
+          </a:effectRef>
+          <a:fontRef idx="minor">
+            <a:schemeClr val="tx1"/>
+          </a:fontRef>
+        </p:style>
+      </p:cxnSp>
+      <p:sp>
+        <p:nvSpPr>
+          <p:cNvPr id="350" name="TextBox 349"/>
+          <p:cNvSpPr txBox="1"/>
+          <p:nvPr/>
+        </p:nvSpPr>
+        <p:spPr>
+          <a:xfrm>
+            <a:off x="1377675" y="6086657"/>
+            <a:ext cx="893194" cy="246221"/>
+          </a:xfrm>
+          <a:prstGeom prst="rect">
+            <a:avLst/>
+          </a:prstGeom>
+          <a:noFill/>
+        </p:spPr>
+        <p:txBody>
+          <a:bodyPr wrap="none" rtlCol="0">
+            <a:spAutoFit/>
+          </a:bodyPr>
+          <a:lstStyle/>
+          <a:p>
+            <a:pPr algn="ctr"/>
+            <a:r>
+              <a:rPr lang="en-US" sz="1000" dirty="0" err="1"/>
+              <a:t>E</a:t>
+            </a:r>
+            <a:r>
+              <a:rPr lang="en-US" sz="1000" dirty="0" err="1" smtClean="0"/>
+              <a:t>vent</a:t>
+            </a:r>
+            <a:r>
+              <a:rPr lang="en-US" sz="1000" dirty="0" err="1" smtClean="0"/>
+              <a:t>Handler</a:t>
+            </a:r>
+            <a:endParaRPr lang="en-US" sz="1000" dirty="0"/>
+          </a:p>
+        </p:txBody>
+      </p:sp>
+      <p:sp>
+        <p:nvSpPr>
+          <p:cNvPr id="351" name="TextBox 350"/>
+          <p:cNvSpPr txBox="1"/>
+          <p:nvPr/>
+        </p:nvSpPr>
+        <p:spPr>
+          <a:xfrm>
+            <a:off x="1308747" y="6530379"/>
+            <a:ext cx="1031051" cy="246221"/>
+          </a:xfrm>
+          <a:prstGeom prst="rect">
+            <a:avLst/>
+          </a:prstGeom>
+          <a:noFill/>
+        </p:spPr>
+        <p:txBody>
+          <a:bodyPr wrap="none" rtlCol="0">
+            <a:spAutoFit/>
+          </a:bodyPr>
+          <a:lstStyle/>
+          <a:p>
+            <a:pPr algn="ctr"/>
+            <a:r>
+              <a:rPr lang="en-US" sz="1000" dirty="0" err="1" smtClean="0"/>
+              <a:t>GAPC_StartScan</a:t>
+            </a:r>
+            <a:endParaRPr lang="en-US" sz="1000" dirty="0"/>
+          </a:p>
+        </p:txBody>
+      </p:sp>
+      <p:cxnSp>
+        <p:nvCxnSpPr>
+          <p:cNvPr id="352" name="Straight Arrow Connector 351"/>
+          <p:cNvCxnSpPr>
+            <a:stCxn id="350" idx="2"/>
+            <a:endCxn id="351" idx="0"/>
+          </p:cNvCxnSpPr>
+          <p:nvPr/>
+        </p:nvCxnSpPr>
+        <p:spPr>
+          <a:xfrm>
+            <a:off x="1824272" y="6332878"/>
+            <a:ext cx="1" cy="197501"/>
+          </a:xfrm>
+          <a:prstGeom prst="straightConnector1">
+            <a:avLst/>
+          </a:prstGeom>
+          <a:ln>
+            <a:tailEnd type="triangle"/>
+          </a:ln>
+        </p:spPr>
+        <p:style>
+          <a:lnRef idx="1">
+            <a:schemeClr val="accent1"/>
+          </a:lnRef>
+          <a:fillRef idx="0">
+            <a:schemeClr val="accent1"/>
+          </a:fillRef>
+          <a:effectRef idx="0">
+            <a:schemeClr val="accent1"/>
+          </a:effectRef>
+          <a:fontRef idx="minor">
+            <a:schemeClr val="tx1"/>
+          </a:fontRef>
+        </p:style>
+      </p:cxnSp>
+      <p:cxnSp>
+        <p:nvCxnSpPr>
+          <p:cNvPr id="358" name="Straight Arrow Connector 357"/>
+          <p:cNvCxnSpPr>
+            <a:endCxn id="276" idx="3"/>
+          </p:cNvCxnSpPr>
+          <p:nvPr/>
+        </p:nvCxnSpPr>
+        <p:spPr>
+          <a:xfrm flipH="1">
+            <a:off x="4269344" y="4670274"/>
+            <a:ext cx="1940128" cy="319131"/>
+          </a:xfrm>
+          <a:prstGeom prst="straightConnector1">
+            <a:avLst/>
+          </a:prstGeom>
+          <a:ln>
+            <a:tailEnd type="triangle"/>
+          </a:ln>
+        </p:spPr>
+        <p:style>
+          <a:lnRef idx="1">
+            <a:schemeClr val="accent1"/>
+          </a:lnRef>
+          <a:fillRef idx="0">
+            <a:schemeClr val="accent1"/>
+          </a:fillRef>
+          <a:effectRef idx="0">
+            <a:schemeClr val="accent1"/>
+          </a:effectRef>
+          <a:fontRef idx="minor">
+            <a:schemeClr val="tx1"/>
+          </a:fontRef>
+        </p:style>
+      </p:cxnSp>
+      <p:sp>
+        <p:nvSpPr>
+          <p:cNvPr id="361" name="TextBox 360"/>
+          <p:cNvSpPr txBox="1"/>
+          <p:nvPr/>
+        </p:nvSpPr>
+        <p:spPr>
+          <a:xfrm>
+            <a:off x="6928288" y="510191"/>
+            <a:ext cx="519694" cy="369332"/>
+          </a:xfrm>
+          <a:prstGeom prst="rect">
+            <a:avLst/>
+          </a:prstGeom>
+          <a:noFill/>
+        </p:spPr>
+        <p:txBody>
+          <a:bodyPr wrap="none" rtlCol="0">
+            <a:spAutoFit/>
+          </a:bodyPr>
+          <a:lstStyle/>
+          <a:p>
+            <a:pPr algn="ctr"/>
+            <a:r>
+              <a:rPr lang="en-US" u="sng" dirty="0" smtClean="0"/>
+              <a:t>BLE</a:t>
+            </a:r>
+            <a:endParaRPr lang="en-US" u="sng" dirty="0"/>
+          </a:p>
+        </p:txBody>
+      </p:sp>
+      <p:sp>
+        <p:nvSpPr>
+          <p:cNvPr id="362" name="TextBox 361"/>
+          <p:cNvSpPr txBox="1"/>
+          <p:nvPr/>
+        </p:nvSpPr>
+        <p:spPr>
+          <a:xfrm>
+            <a:off x="9917376" y="518955"/>
+            <a:ext cx="618824" cy="369332"/>
+          </a:xfrm>
+          <a:prstGeom prst="rect">
+            <a:avLst/>
+          </a:prstGeom>
+          <a:noFill/>
+        </p:spPr>
+        <p:txBody>
+          <a:bodyPr wrap="none" rtlCol="0">
+            <a:spAutoFit/>
+          </a:bodyPr>
+          <a:lstStyle/>
+          <a:p>
+            <a:pPr algn="ctr"/>
+            <a:r>
+              <a:rPr lang="en-US" u="sng" dirty="0" smtClean="0"/>
+              <a:t>AWS</a:t>
+            </a:r>
+            <a:endParaRPr lang="en-US" u="sng" dirty="0"/>
+          </a:p>
+        </p:txBody>
+      </p:sp>
+    </p:spTree>
+    <p:extLst>
+      <p:ext uri="{BB962C8B-B14F-4D97-AF65-F5344CB8AC3E}">
+        <p14:creationId xmlns:p14="http://schemas.microsoft.com/office/powerpoint/2010/main" val="944533951"/>
       </p:ext>
     </p:extLst>
   </p:cSld>
@@ -4606,4 +10994,265 @@
     </a:ext>
   </a:extLst>
 </a:theme>
+</file>
+
+<file path=ppt/theme/theme2.xml><?xml version="1.0" encoding="utf-8"?>
+<a:theme xmlns:a="http://schemas.openxmlformats.org/drawingml/2006/main" name="Office Theme">
+  <a:themeElements>
+    <a:clrScheme name="Office">
+      <a:dk1>
+        <a:sysClr val="windowText" lastClr="000000"/>
+      </a:dk1>
+      <a:lt1>
+        <a:sysClr val="window" lastClr="FFFFFF"/>
+      </a:lt1>
+      <a:dk2>
+        <a:srgbClr val="44546A"/>
+      </a:dk2>
+      <a:lt2>
+        <a:srgbClr val="E7E6E6"/>
+      </a:lt2>
+      <a:accent1>
+        <a:srgbClr val="4472C4"/>
+      </a:accent1>
+      <a:accent2>
+        <a:srgbClr val="ED7D31"/>
+      </a:accent2>
+      <a:accent3>
+        <a:srgbClr val="A5A5A5"/>
+      </a:accent3>
+      <a:accent4>
+        <a:srgbClr val="FFC000"/>
+      </a:accent4>
+      <a:accent5>
+        <a:srgbClr val="5B9BD5"/>
+      </a:accent5>
+      <a:accent6>
+        <a:srgbClr val="70AD47"/>
+      </a:accent6>
+      <a:hlink>
+        <a:srgbClr val="0563C1"/>
+      </a:hlink>
+      <a:folHlink>
+        <a:srgbClr val="954F72"/>
+      </a:folHlink>
+    </a:clrScheme>
+    <a:fontScheme name="Office">
+      <a:majorFont>
+        <a:latin typeface="Calibri Light" panose="020F0302020204030204"/>
+        <a:ea typeface=""/>
+        <a:cs typeface=""/>
+        <a:font script="Jpan" typeface="Yu Gothic Light"/>
+        <a:font script="Hang" typeface="맑은 고딕"/>
+        <a:font script="Hans" typeface="DengXian Light"/>
+        <a:font script="Hant" typeface="新細明體"/>
+        <a:font script="Arab" typeface="Times New Roman"/>
+        <a:font script="Hebr" typeface="Times New Roman"/>
+        <a:font script="Thai" typeface="Angsana New"/>
+        <a:font script="Ethi" typeface="Nyala"/>
+        <a:font script="Beng" typeface="Vrinda"/>
+        <a:font script="Gujr" typeface="Shruti"/>
+        <a:font script="Khmr" typeface="MoolBoran"/>
+        <a:font script="Knda" typeface="Tunga"/>
+        <a:font script="Guru" typeface="Raavi"/>
+        <a:font script="Cans" typeface="Euphemia"/>
+        <a:font script="Cher" typeface="Plantagenet Cherokee"/>
+        <a:font script="Yiii" typeface="Microsoft Yi Baiti"/>
+        <a:font script="Tibt" typeface="Microsoft Himalaya"/>
+        <a:font script="Thaa" typeface="MV Boli"/>
+        <a:font script="Deva" typeface="Mangal"/>
+        <a:font script="Telu" typeface="Gautami"/>
+        <a:font script="Taml" typeface="Latha"/>
+        <a:font script="Syrc" typeface="Estrangelo Edessa"/>
+        <a:font script="Orya" typeface="Kalinga"/>
+        <a:font script="Mlym" typeface="Kartika"/>
+        <a:font script="Laoo" typeface="DokChampa"/>
+        <a:font script="Sinh" typeface="Iskoola Pota"/>
+        <a:font script="Mong" typeface="Mongolian Baiti"/>
+        <a:font script="Viet" typeface="Times New Roman"/>
+        <a:font script="Uigh" typeface="Microsoft Uighur"/>
+        <a:font script="Geor" typeface="Sylfaen"/>
+      </a:majorFont>
+      <a:minorFont>
+        <a:latin typeface="Calibri" panose="020F0502020204030204"/>
+        <a:ea typeface=""/>
+        <a:cs typeface=""/>
+        <a:font script="Jpan" typeface="Yu Gothic"/>
+        <a:font script="Hang" typeface="맑은 고딕"/>
+        <a:font script="Hans" typeface="DengXian"/>
+        <a:font script="Hant" typeface="新細明體"/>
+        <a:font script="Arab" typeface="Arial"/>
+        <a:font script="Hebr" typeface="Arial"/>
+        <a:font script="Thai" typeface="Cordia New"/>
+        <a:font script="Ethi" typeface="Nyala"/>
+        <a:font script="Beng" typeface="Vrinda"/>
+        <a:font script="Gujr" typeface="Shruti"/>
+        <a:font script="Khmr" typeface="DaunPenh"/>
+        <a:font script="Knda" typeface="Tunga"/>
+        <a:font script="Guru" typeface="Raavi"/>
+        <a:font script="Cans" typeface="Euphemia"/>
+        <a:font script="Cher" typeface="Plantagenet Cherokee"/>
+        <a:font script="Yiii" typeface="Microsoft Yi Baiti"/>
+        <a:font script="Tibt" typeface="Microsoft Himalaya"/>
+        <a:font script="Thaa" typeface="MV Boli"/>
+        <a:font script="Deva" typeface="Mangal"/>
+        <a:font script="Telu" typeface="Gautami"/>
+        <a:font script="Taml" typeface="Latha"/>
+        <a:font script="Syrc" typeface="Estrangelo Edessa"/>
+        <a:font script="Orya" typeface="Kalinga"/>
+        <a:font script="Mlym" typeface="Kartika"/>
+        <a:font script="Laoo" typeface="DokChampa"/>
+        <a:font script="Sinh" typeface="Iskoola Pota"/>
+        <a:font script="Mong" typeface="Mongolian Baiti"/>
+        <a:font script="Viet" typeface="Arial"/>
+        <a:font script="Uigh" typeface="Microsoft Uighur"/>
+        <a:font script="Geor" typeface="Sylfaen"/>
+      </a:minorFont>
+    </a:fontScheme>
+    <a:fmtScheme name="Office">
+      <a:fillStyleLst>
+        <a:solidFill>
+          <a:schemeClr val="phClr"/>
+        </a:solidFill>
+        <a:gradFill rotWithShape="1">
+          <a:gsLst>
+            <a:gs pos="0">
+              <a:schemeClr val="phClr">
+                <a:lumMod val="110000"/>
+                <a:satMod val="105000"/>
+                <a:tint val="67000"/>
+              </a:schemeClr>
+            </a:gs>
+            <a:gs pos="50000">
+              <a:schemeClr val="phClr">
+                <a:lumMod val="105000"/>
+                <a:satMod val="103000"/>
+                <a:tint val="73000"/>
+              </a:schemeClr>
+            </a:gs>
+            <a:gs pos="100000">
+              <a:schemeClr val="phClr">
+                <a:lumMod val="105000"/>
+                <a:satMod val="109000"/>
+                <a:tint val="81000"/>
+              </a:schemeClr>
+            </a:gs>
+          </a:gsLst>
+          <a:lin ang="5400000" scaled="0"/>
+        </a:gradFill>
+        <a:gradFill rotWithShape="1">
+          <a:gsLst>
+            <a:gs pos="0">
+              <a:schemeClr val="phClr">
+                <a:satMod val="103000"/>
+                <a:lumMod val="102000"/>
+                <a:tint val="94000"/>
+              </a:schemeClr>
+            </a:gs>
+            <a:gs pos="50000">
+              <a:schemeClr val="phClr">
+                <a:satMod val="110000"/>
+                <a:lumMod val="100000"/>
+                <a:shade val="100000"/>
+              </a:schemeClr>
+            </a:gs>
+            <a:gs pos="100000">
+              <a:schemeClr val="phClr">
+                <a:lumMod val="99000"/>
+                <a:satMod val="120000"/>
+                <a:shade val="78000"/>
+              </a:schemeClr>
+            </a:gs>
+          </a:gsLst>
+          <a:lin ang="5400000" scaled="0"/>
+        </a:gradFill>
+      </a:fillStyleLst>
+      <a:lnStyleLst>
+        <a:ln w="6350" cap="flat" cmpd="sng" algn="ctr">
+          <a:solidFill>
+            <a:schemeClr val="phClr"/>
+          </a:solidFill>
+          <a:prstDash val="solid"/>
+          <a:miter lim="800000"/>
+        </a:ln>
+        <a:ln w="12700" cap="flat" cmpd="sng" algn="ctr">
+          <a:solidFill>
+            <a:schemeClr val="phClr"/>
+          </a:solidFill>
+          <a:prstDash val="solid"/>
+          <a:miter lim="800000"/>
+        </a:ln>
+        <a:ln w="19050" cap="flat" cmpd="sng" algn="ctr">
+          <a:solidFill>
+            <a:schemeClr val="phClr"/>
+          </a:solidFill>
+          <a:prstDash val="solid"/>
+          <a:miter lim="800000"/>
+        </a:ln>
+      </a:lnStyleLst>
+      <a:effectStyleLst>
+        <a:effectStyle>
+          <a:effectLst/>
+        </a:effectStyle>
+        <a:effectStyle>
+          <a:effectLst/>
+        </a:effectStyle>
+        <a:effectStyle>
+          <a:effectLst>
+            <a:outerShdw blurRad="57150" dist="19050" dir="5400000" algn="ctr" rotWithShape="0">
+              <a:srgbClr val="000000">
+                <a:alpha val="63000"/>
+              </a:srgbClr>
+            </a:outerShdw>
+          </a:effectLst>
+        </a:effectStyle>
+      </a:effectStyleLst>
+      <a:bgFillStyleLst>
+        <a:solidFill>
+          <a:schemeClr val="phClr"/>
+        </a:solidFill>
+        <a:solidFill>
+          <a:schemeClr val="phClr">
+            <a:tint val="95000"/>
+            <a:satMod val="170000"/>
+          </a:schemeClr>
+        </a:solidFill>
+        <a:gradFill rotWithShape="1">
+          <a:gsLst>
+            <a:gs pos="0">
+              <a:schemeClr val="phClr">
+                <a:tint val="93000"/>
+                <a:satMod val="150000"/>
+                <a:shade val="98000"/>
+                <a:lumMod val="102000"/>
+              </a:schemeClr>
+            </a:gs>
+            <a:gs pos="50000">
+              <a:schemeClr val="phClr">
+                <a:tint val="98000"/>
+                <a:satMod val="130000"/>
+                <a:shade val="90000"/>
+                <a:lumMod val="103000"/>
+              </a:schemeClr>
+            </a:gs>
+            <a:gs pos="100000">
+              <a:schemeClr val="phClr">
+                <a:shade val="63000"/>
+                <a:satMod val="120000"/>
+              </a:schemeClr>
+            </a:gs>
+          </a:gsLst>
+          <a:lin ang="5400000" scaled="0"/>
+        </a:gradFill>
+      </a:bgFillStyleLst>
+    </a:fmtScheme>
+  </a:themeElements>
+  <a:objectDefaults/>
+  <a:extraClrSchemeLst/>
+  <a:extLst>
+    <a:ext uri="{05A4C25C-085E-4340-85A3-A5531E510DB2}">
+      <thm15:themeFamily xmlns:thm15="http://schemas.microsoft.com/office/thememl/2012/main" name="Office Theme" id="{62F939B6-93AF-4DB8-9C6B-D6C7DFDC589F}" vid="{4A3C46E8-61CC-4603-A589-7422A47A8E4A}"/>
+    </a:ext>
+  </a:extLst>
+</a:theme>
 </file>